--- a/ctf/mason/Introduction to Log File Analysis.pptx
+++ b/ctf/mason/Introduction to Log File Analysis.pptx
@@ -5,11 +5,25 @@
     <p:sldMasterId id="2147483648" r:id="rId1"/>
   </p:sldMasterIdLst>
   <p:notesMasterIdLst>
-    <p:notesMasterId r:id="rId4"/>
+    <p:notesMasterId r:id="rId18"/>
   </p:notesMasterIdLst>
   <p:sldIdLst>
     <p:sldId id="256" r:id="rId2"/>
     <p:sldId id="257" r:id="rId3"/>
+    <p:sldId id="258" r:id="rId4"/>
+    <p:sldId id="259" r:id="rId5"/>
+    <p:sldId id="260" r:id="rId6"/>
+    <p:sldId id="271" r:id="rId7"/>
+    <p:sldId id="261" r:id="rId8"/>
+    <p:sldId id="272" r:id="rId9"/>
+    <p:sldId id="273" r:id="rId10"/>
+    <p:sldId id="262" r:id="rId11"/>
+    <p:sldId id="266" r:id="rId12"/>
+    <p:sldId id="269" r:id="rId13"/>
+    <p:sldId id="268" r:id="rId14"/>
+    <p:sldId id="264" r:id="rId15"/>
+    <p:sldId id="270" r:id="rId16"/>
+    <p:sldId id="263" r:id="rId17"/>
   </p:sldIdLst>
   <p:sldSz cx="12192000" cy="6858000"/>
   <p:notesSz cx="6858000" cy="9144000"/>
@@ -108,6 +122,11 @@
       </a:defRPr>
     </a:lvl9pPr>
   </p:defaultTextStyle>
+  <p:extLst>
+    <p:ext uri="{EFAFB233-063F-42B5-8137-9DF3F51BA10A}">
+      <p15:sldGuideLst xmlns:p15="http://schemas.microsoft.com/office/powerpoint/2012/main"/>
+    </p:ext>
+  </p:extLst>
 </p:presentation>
 </file>
 
@@ -193,7 +212,7 @@
           <a:p>
             <a:fld id="{423A734A-5683-4B1C-BDB9-65AB4ECDAB22}" type="datetimeFigureOut">
               <a:rPr lang="en-US" smtClean="0"/>
-              <a:t>10/28/2021</a:t>
+              <a:t>10/31/2021</a:t>
             </a:fld>
             <a:endParaRPr lang="en-US"/>
           </a:p>
@@ -506,6 +525,624 @@
           <a:p>
             <a:r>
               <a:rPr lang="en-US" dirty="0"/>
+              <a:t>So just to give you guys a clear understanding of what exactly we’re going to be doing today, we’ll start off with an overview of log files in general and go through their uses in Windows and Linux operating systems.</a:t>
+            </a:r>
+          </a:p>
+          <a:p>
+            <a:endParaRPr lang="en-US" dirty="0"/>
+          </a:p>
+          <a:p>
+            <a:r>
+              <a:rPr lang="en-US" dirty="0"/>
+              <a:t>We’ll then go into how we can analyze them within their respective operating systems.</a:t>
+            </a:r>
+          </a:p>
+          <a:p>
+            <a:endParaRPr lang="en-US" dirty="0"/>
+          </a:p>
+          <a:p>
+            <a:r>
+              <a:rPr lang="en-US" dirty="0"/>
+              <a:t>And finally, I’m going to give you guys an introduction to scripting in Bash and PowerShell to help with our analysis.</a:t>
+            </a:r>
+          </a:p>
+          <a:p>
+            <a:endParaRPr lang="en-US" dirty="0"/>
+          </a:p>
+          <a:p>
+            <a:r>
+              <a:rPr lang="en-US" dirty="0"/>
+              <a:t>So hopefully at then end of this you guys will be able to have a solid understanding of how to approach most log file analysis problems whether it be in competitions or in the real world.</a:t>
+            </a:r>
+          </a:p>
+        </p:txBody>
+      </p:sp>
+      <p:sp>
+        <p:nvSpPr>
+          <p:cNvPr id="4" name="Slide Number Placeholder 3"/>
+          <p:cNvSpPr>
+            <a:spLocks noGrp="1"/>
+          </p:cNvSpPr>
+          <p:nvPr>
+            <p:ph type="sldNum" sz="quarter" idx="5"/>
+          </p:nvPr>
+        </p:nvSpPr>
+        <p:spPr/>
+        <p:txBody>
+          <a:bodyPr/>
+          <a:lstStyle/>
+          <a:p>
+            <a:fld id="{003712FB-D8B6-4728-A2DA-AD77673215D0}" type="slidenum">
+              <a:rPr lang="en-US" smtClean="0"/>
+              <a:t>2</a:t>
+            </a:fld>
+            <a:endParaRPr lang="en-US"/>
+          </a:p>
+        </p:txBody>
+      </p:sp>
+    </p:spTree>
+    <p:extLst>
+      <p:ext uri="{BB962C8B-B14F-4D97-AF65-F5344CB8AC3E}">
+        <p14:creationId xmlns:p14="http://schemas.microsoft.com/office/powerpoint/2010/main" val="3347647181"/>
+      </p:ext>
+    </p:extLst>
+  </p:cSld>
+  <p:clrMapOvr>
+    <a:masterClrMapping/>
+  </p:clrMapOvr>
+</p:notes>
+</file>
+
+<file path=ppt/notesSlides/notesSlide10.xml><?xml version="1.0" encoding="utf-8"?>
+<p:notes xmlns:a="http://schemas.openxmlformats.org/drawingml/2006/main" xmlns:r="http://schemas.openxmlformats.org/officeDocument/2006/relationships" xmlns:p="http://schemas.openxmlformats.org/presentationml/2006/main">
+  <p:cSld>
+    <p:spTree>
+      <p:nvGrpSpPr>
+        <p:cNvPr id="1" name=""/>
+        <p:cNvGrpSpPr/>
+        <p:nvPr/>
+      </p:nvGrpSpPr>
+      <p:grpSpPr>
+        <a:xfrm>
+          <a:off x="0" y="0"/>
+          <a:ext cx="0" cy="0"/>
+          <a:chOff x="0" y="0"/>
+          <a:chExt cx="0" cy="0"/>
+        </a:xfrm>
+      </p:grpSpPr>
+      <p:sp>
+        <p:nvSpPr>
+          <p:cNvPr id="2" name="Slide Image Placeholder 1"/>
+          <p:cNvSpPr>
+            <a:spLocks noGrp="1" noRot="1" noChangeAspect="1"/>
+          </p:cNvSpPr>
+          <p:nvPr>
+            <p:ph type="sldImg"/>
+          </p:nvPr>
+        </p:nvSpPr>
+        <p:spPr/>
+      </p:sp>
+      <p:sp>
+        <p:nvSpPr>
+          <p:cNvPr id="3" name="Notes Placeholder 2"/>
+          <p:cNvSpPr>
+            <a:spLocks noGrp="1"/>
+          </p:cNvSpPr>
+          <p:nvPr>
+            <p:ph type="body" idx="1"/>
+          </p:nvPr>
+        </p:nvSpPr>
+        <p:spPr/>
+        <p:txBody>
+          <a:bodyPr/>
+          <a:lstStyle/>
+          <a:p>
+            <a:endParaRPr lang="en-US" dirty="0"/>
+          </a:p>
+        </p:txBody>
+      </p:sp>
+      <p:sp>
+        <p:nvSpPr>
+          <p:cNvPr id="4" name="Slide Number Placeholder 3"/>
+          <p:cNvSpPr>
+            <a:spLocks noGrp="1"/>
+          </p:cNvSpPr>
+          <p:nvPr>
+            <p:ph type="sldNum" sz="quarter" idx="5"/>
+          </p:nvPr>
+        </p:nvSpPr>
+        <p:spPr/>
+        <p:txBody>
+          <a:bodyPr/>
+          <a:lstStyle/>
+          <a:p>
+            <a:fld id="{003712FB-D8B6-4728-A2DA-AD77673215D0}" type="slidenum">
+              <a:rPr lang="en-US" smtClean="0"/>
+              <a:t>11</a:t>
+            </a:fld>
+            <a:endParaRPr lang="en-US"/>
+          </a:p>
+        </p:txBody>
+      </p:sp>
+    </p:spTree>
+    <p:extLst>
+      <p:ext uri="{BB962C8B-B14F-4D97-AF65-F5344CB8AC3E}">
+        <p14:creationId xmlns:p14="http://schemas.microsoft.com/office/powerpoint/2010/main" val="1490248751"/>
+      </p:ext>
+    </p:extLst>
+  </p:cSld>
+  <p:clrMapOvr>
+    <a:masterClrMapping/>
+  </p:clrMapOvr>
+</p:notes>
+</file>
+
+<file path=ppt/notesSlides/notesSlide11.xml><?xml version="1.0" encoding="utf-8"?>
+<p:notes xmlns:a="http://schemas.openxmlformats.org/drawingml/2006/main" xmlns:r="http://schemas.openxmlformats.org/officeDocument/2006/relationships" xmlns:p="http://schemas.openxmlformats.org/presentationml/2006/main">
+  <p:cSld>
+    <p:spTree>
+      <p:nvGrpSpPr>
+        <p:cNvPr id="1" name=""/>
+        <p:cNvGrpSpPr/>
+        <p:nvPr/>
+      </p:nvGrpSpPr>
+      <p:grpSpPr>
+        <a:xfrm>
+          <a:off x="0" y="0"/>
+          <a:ext cx="0" cy="0"/>
+          <a:chOff x="0" y="0"/>
+          <a:chExt cx="0" cy="0"/>
+        </a:xfrm>
+      </p:grpSpPr>
+      <p:sp>
+        <p:nvSpPr>
+          <p:cNvPr id="2" name="Slide Image Placeholder 1"/>
+          <p:cNvSpPr>
+            <a:spLocks noGrp="1" noRot="1" noChangeAspect="1"/>
+          </p:cNvSpPr>
+          <p:nvPr>
+            <p:ph type="sldImg"/>
+          </p:nvPr>
+        </p:nvSpPr>
+        <p:spPr/>
+      </p:sp>
+      <p:sp>
+        <p:nvSpPr>
+          <p:cNvPr id="3" name="Notes Placeholder 2"/>
+          <p:cNvSpPr>
+            <a:spLocks noGrp="1"/>
+          </p:cNvSpPr>
+          <p:nvPr>
+            <p:ph type="body" idx="1"/>
+          </p:nvPr>
+        </p:nvSpPr>
+        <p:spPr/>
+        <p:txBody>
+          <a:bodyPr/>
+          <a:lstStyle/>
+          <a:p>
+            <a:endParaRPr lang="en-US" dirty="0"/>
+          </a:p>
+        </p:txBody>
+      </p:sp>
+      <p:sp>
+        <p:nvSpPr>
+          <p:cNvPr id="4" name="Slide Number Placeholder 3"/>
+          <p:cNvSpPr>
+            <a:spLocks noGrp="1"/>
+          </p:cNvSpPr>
+          <p:nvPr>
+            <p:ph type="sldNum" sz="quarter" idx="5"/>
+          </p:nvPr>
+        </p:nvSpPr>
+        <p:spPr/>
+        <p:txBody>
+          <a:bodyPr/>
+          <a:lstStyle/>
+          <a:p>
+            <a:fld id="{003712FB-D8B6-4728-A2DA-AD77673215D0}" type="slidenum">
+              <a:rPr lang="en-US" smtClean="0"/>
+              <a:t>12</a:t>
+            </a:fld>
+            <a:endParaRPr lang="en-US"/>
+          </a:p>
+        </p:txBody>
+      </p:sp>
+    </p:spTree>
+    <p:extLst>
+      <p:ext uri="{BB962C8B-B14F-4D97-AF65-F5344CB8AC3E}">
+        <p14:creationId xmlns:p14="http://schemas.microsoft.com/office/powerpoint/2010/main" val="686258939"/>
+      </p:ext>
+    </p:extLst>
+  </p:cSld>
+  <p:clrMapOvr>
+    <a:masterClrMapping/>
+  </p:clrMapOvr>
+</p:notes>
+</file>
+
+<file path=ppt/notesSlides/notesSlide12.xml><?xml version="1.0" encoding="utf-8"?>
+<p:notes xmlns:a="http://schemas.openxmlformats.org/drawingml/2006/main" xmlns:r="http://schemas.openxmlformats.org/officeDocument/2006/relationships" xmlns:p="http://schemas.openxmlformats.org/presentationml/2006/main">
+  <p:cSld>
+    <p:spTree>
+      <p:nvGrpSpPr>
+        <p:cNvPr id="1" name=""/>
+        <p:cNvGrpSpPr/>
+        <p:nvPr/>
+      </p:nvGrpSpPr>
+      <p:grpSpPr>
+        <a:xfrm>
+          <a:off x="0" y="0"/>
+          <a:ext cx="0" cy="0"/>
+          <a:chOff x="0" y="0"/>
+          <a:chExt cx="0" cy="0"/>
+        </a:xfrm>
+      </p:grpSpPr>
+      <p:sp>
+        <p:nvSpPr>
+          <p:cNvPr id="2" name="Slide Image Placeholder 1"/>
+          <p:cNvSpPr>
+            <a:spLocks noGrp="1" noRot="1" noChangeAspect="1"/>
+          </p:cNvSpPr>
+          <p:nvPr>
+            <p:ph type="sldImg"/>
+          </p:nvPr>
+        </p:nvSpPr>
+        <p:spPr/>
+      </p:sp>
+      <p:sp>
+        <p:nvSpPr>
+          <p:cNvPr id="3" name="Notes Placeholder 2"/>
+          <p:cNvSpPr>
+            <a:spLocks noGrp="1"/>
+          </p:cNvSpPr>
+          <p:nvPr>
+            <p:ph type="body" idx="1"/>
+          </p:nvPr>
+        </p:nvSpPr>
+        <p:spPr/>
+        <p:txBody>
+          <a:bodyPr/>
+          <a:lstStyle/>
+          <a:p>
+            <a:endParaRPr lang="en-US" dirty="0"/>
+          </a:p>
+        </p:txBody>
+      </p:sp>
+      <p:sp>
+        <p:nvSpPr>
+          <p:cNvPr id="4" name="Slide Number Placeholder 3"/>
+          <p:cNvSpPr>
+            <a:spLocks noGrp="1"/>
+          </p:cNvSpPr>
+          <p:nvPr>
+            <p:ph type="sldNum" sz="quarter" idx="5"/>
+          </p:nvPr>
+        </p:nvSpPr>
+        <p:spPr/>
+        <p:txBody>
+          <a:bodyPr/>
+          <a:lstStyle/>
+          <a:p>
+            <a:fld id="{003712FB-D8B6-4728-A2DA-AD77673215D0}" type="slidenum">
+              <a:rPr lang="en-US" smtClean="0"/>
+              <a:t>13</a:t>
+            </a:fld>
+            <a:endParaRPr lang="en-US"/>
+          </a:p>
+        </p:txBody>
+      </p:sp>
+    </p:spTree>
+    <p:extLst>
+      <p:ext uri="{BB962C8B-B14F-4D97-AF65-F5344CB8AC3E}">
+        <p14:creationId xmlns:p14="http://schemas.microsoft.com/office/powerpoint/2010/main" val="450677194"/>
+      </p:ext>
+    </p:extLst>
+  </p:cSld>
+  <p:clrMapOvr>
+    <a:masterClrMapping/>
+  </p:clrMapOvr>
+</p:notes>
+</file>
+
+<file path=ppt/notesSlides/notesSlide13.xml><?xml version="1.0" encoding="utf-8"?>
+<p:notes xmlns:a="http://schemas.openxmlformats.org/drawingml/2006/main" xmlns:r="http://schemas.openxmlformats.org/officeDocument/2006/relationships" xmlns:p="http://schemas.openxmlformats.org/presentationml/2006/main">
+  <p:cSld>
+    <p:spTree>
+      <p:nvGrpSpPr>
+        <p:cNvPr id="1" name=""/>
+        <p:cNvGrpSpPr/>
+        <p:nvPr/>
+      </p:nvGrpSpPr>
+      <p:grpSpPr>
+        <a:xfrm>
+          <a:off x="0" y="0"/>
+          <a:ext cx="0" cy="0"/>
+          <a:chOff x="0" y="0"/>
+          <a:chExt cx="0" cy="0"/>
+        </a:xfrm>
+      </p:grpSpPr>
+      <p:sp>
+        <p:nvSpPr>
+          <p:cNvPr id="2" name="Slide Image Placeholder 1"/>
+          <p:cNvSpPr>
+            <a:spLocks noGrp="1" noRot="1" noChangeAspect="1"/>
+          </p:cNvSpPr>
+          <p:nvPr>
+            <p:ph type="sldImg"/>
+          </p:nvPr>
+        </p:nvSpPr>
+        <p:spPr/>
+      </p:sp>
+      <p:sp>
+        <p:nvSpPr>
+          <p:cNvPr id="3" name="Notes Placeholder 2"/>
+          <p:cNvSpPr>
+            <a:spLocks noGrp="1"/>
+          </p:cNvSpPr>
+          <p:nvPr>
+            <p:ph type="body" idx="1"/>
+          </p:nvPr>
+        </p:nvSpPr>
+        <p:spPr/>
+        <p:txBody>
+          <a:bodyPr/>
+          <a:lstStyle/>
+          <a:p>
+            <a:endParaRPr lang="en-US" dirty="0"/>
+          </a:p>
+        </p:txBody>
+      </p:sp>
+      <p:sp>
+        <p:nvSpPr>
+          <p:cNvPr id="4" name="Slide Number Placeholder 3"/>
+          <p:cNvSpPr>
+            <a:spLocks noGrp="1"/>
+          </p:cNvSpPr>
+          <p:nvPr>
+            <p:ph type="sldNum" sz="quarter" idx="5"/>
+          </p:nvPr>
+        </p:nvSpPr>
+        <p:spPr/>
+        <p:txBody>
+          <a:bodyPr/>
+          <a:lstStyle/>
+          <a:p>
+            <a:fld id="{003712FB-D8B6-4728-A2DA-AD77673215D0}" type="slidenum">
+              <a:rPr lang="en-US" smtClean="0"/>
+              <a:t>14</a:t>
+            </a:fld>
+            <a:endParaRPr lang="en-US"/>
+          </a:p>
+        </p:txBody>
+      </p:sp>
+    </p:spTree>
+    <p:extLst>
+      <p:ext uri="{BB962C8B-B14F-4D97-AF65-F5344CB8AC3E}">
+        <p14:creationId xmlns:p14="http://schemas.microsoft.com/office/powerpoint/2010/main" val="3227548023"/>
+      </p:ext>
+    </p:extLst>
+  </p:cSld>
+  <p:clrMapOvr>
+    <a:masterClrMapping/>
+  </p:clrMapOvr>
+</p:notes>
+</file>
+
+<file path=ppt/notesSlides/notesSlide14.xml><?xml version="1.0" encoding="utf-8"?>
+<p:notes xmlns:a="http://schemas.openxmlformats.org/drawingml/2006/main" xmlns:r="http://schemas.openxmlformats.org/officeDocument/2006/relationships" xmlns:p="http://schemas.openxmlformats.org/presentationml/2006/main">
+  <p:cSld>
+    <p:spTree>
+      <p:nvGrpSpPr>
+        <p:cNvPr id="1" name=""/>
+        <p:cNvGrpSpPr/>
+        <p:nvPr/>
+      </p:nvGrpSpPr>
+      <p:grpSpPr>
+        <a:xfrm>
+          <a:off x="0" y="0"/>
+          <a:ext cx="0" cy="0"/>
+          <a:chOff x="0" y="0"/>
+          <a:chExt cx="0" cy="0"/>
+        </a:xfrm>
+      </p:grpSpPr>
+      <p:sp>
+        <p:nvSpPr>
+          <p:cNvPr id="2" name="Slide Image Placeholder 1"/>
+          <p:cNvSpPr>
+            <a:spLocks noGrp="1" noRot="1" noChangeAspect="1"/>
+          </p:cNvSpPr>
+          <p:nvPr>
+            <p:ph type="sldImg"/>
+          </p:nvPr>
+        </p:nvSpPr>
+        <p:spPr/>
+      </p:sp>
+      <p:sp>
+        <p:nvSpPr>
+          <p:cNvPr id="3" name="Notes Placeholder 2"/>
+          <p:cNvSpPr>
+            <a:spLocks noGrp="1"/>
+          </p:cNvSpPr>
+          <p:nvPr>
+            <p:ph type="body" idx="1"/>
+          </p:nvPr>
+        </p:nvSpPr>
+        <p:spPr/>
+        <p:txBody>
+          <a:bodyPr/>
+          <a:lstStyle/>
+          <a:p>
+            <a:endParaRPr lang="en-US" dirty="0"/>
+          </a:p>
+        </p:txBody>
+      </p:sp>
+      <p:sp>
+        <p:nvSpPr>
+          <p:cNvPr id="4" name="Slide Number Placeholder 3"/>
+          <p:cNvSpPr>
+            <a:spLocks noGrp="1"/>
+          </p:cNvSpPr>
+          <p:nvPr>
+            <p:ph type="sldNum" sz="quarter" idx="5"/>
+          </p:nvPr>
+        </p:nvSpPr>
+        <p:spPr/>
+        <p:txBody>
+          <a:bodyPr/>
+          <a:lstStyle/>
+          <a:p>
+            <a:fld id="{003712FB-D8B6-4728-A2DA-AD77673215D0}" type="slidenum">
+              <a:rPr lang="en-US" smtClean="0"/>
+              <a:t>15</a:t>
+            </a:fld>
+            <a:endParaRPr lang="en-US"/>
+          </a:p>
+        </p:txBody>
+      </p:sp>
+    </p:spTree>
+    <p:extLst>
+      <p:ext uri="{BB962C8B-B14F-4D97-AF65-F5344CB8AC3E}">
+        <p14:creationId xmlns:p14="http://schemas.microsoft.com/office/powerpoint/2010/main" val="3756028112"/>
+      </p:ext>
+    </p:extLst>
+  </p:cSld>
+  <p:clrMapOvr>
+    <a:masterClrMapping/>
+  </p:clrMapOvr>
+</p:notes>
+</file>
+
+<file path=ppt/notesSlides/notesSlide15.xml><?xml version="1.0" encoding="utf-8"?>
+<p:notes xmlns:a="http://schemas.openxmlformats.org/drawingml/2006/main" xmlns:r="http://schemas.openxmlformats.org/officeDocument/2006/relationships" xmlns:p="http://schemas.openxmlformats.org/presentationml/2006/main">
+  <p:cSld>
+    <p:spTree>
+      <p:nvGrpSpPr>
+        <p:cNvPr id="1" name=""/>
+        <p:cNvGrpSpPr/>
+        <p:nvPr/>
+      </p:nvGrpSpPr>
+      <p:grpSpPr>
+        <a:xfrm>
+          <a:off x="0" y="0"/>
+          <a:ext cx="0" cy="0"/>
+          <a:chOff x="0" y="0"/>
+          <a:chExt cx="0" cy="0"/>
+        </a:xfrm>
+      </p:grpSpPr>
+      <p:sp>
+        <p:nvSpPr>
+          <p:cNvPr id="2" name="Slide Image Placeholder 1"/>
+          <p:cNvSpPr>
+            <a:spLocks noGrp="1" noRot="1" noChangeAspect="1"/>
+          </p:cNvSpPr>
+          <p:nvPr>
+            <p:ph type="sldImg"/>
+          </p:nvPr>
+        </p:nvSpPr>
+        <p:spPr/>
+      </p:sp>
+      <p:sp>
+        <p:nvSpPr>
+          <p:cNvPr id="3" name="Notes Placeholder 2"/>
+          <p:cNvSpPr>
+            <a:spLocks noGrp="1"/>
+          </p:cNvSpPr>
+          <p:nvPr>
+            <p:ph type="body" idx="1"/>
+          </p:nvPr>
+        </p:nvSpPr>
+        <p:spPr/>
+        <p:txBody>
+          <a:bodyPr/>
+          <a:lstStyle/>
+          <a:p>
+            <a:endParaRPr lang="en-US" dirty="0"/>
+          </a:p>
+        </p:txBody>
+      </p:sp>
+      <p:sp>
+        <p:nvSpPr>
+          <p:cNvPr id="4" name="Slide Number Placeholder 3"/>
+          <p:cNvSpPr>
+            <a:spLocks noGrp="1"/>
+          </p:cNvSpPr>
+          <p:nvPr>
+            <p:ph type="sldNum" sz="quarter" idx="5"/>
+          </p:nvPr>
+        </p:nvSpPr>
+        <p:spPr/>
+        <p:txBody>
+          <a:bodyPr/>
+          <a:lstStyle/>
+          <a:p>
+            <a:fld id="{003712FB-D8B6-4728-A2DA-AD77673215D0}" type="slidenum">
+              <a:rPr lang="en-US" smtClean="0"/>
+              <a:t>16</a:t>
+            </a:fld>
+            <a:endParaRPr lang="en-US"/>
+          </a:p>
+        </p:txBody>
+      </p:sp>
+    </p:spTree>
+    <p:extLst>
+      <p:ext uri="{BB962C8B-B14F-4D97-AF65-F5344CB8AC3E}">
+        <p14:creationId xmlns:p14="http://schemas.microsoft.com/office/powerpoint/2010/main" val="1975766505"/>
+      </p:ext>
+    </p:extLst>
+  </p:cSld>
+  <p:clrMapOvr>
+    <a:masterClrMapping/>
+  </p:clrMapOvr>
+</p:notes>
+</file>
+
+<file path=ppt/notesSlides/notesSlide2.xml><?xml version="1.0" encoding="utf-8"?>
+<p:notes xmlns:a="http://schemas.openxmlformats.org/drawingml/2006/main" xmlns:r="http://schemas.openxmlformats.org/officeDocument/2006/relationships" xmlns:p="http://schemas.openxmlformats.org/presentationml/2006/main">
+  <p:cSld>
+    <p:spTree>
+      <p:nvGrpSpPr>
+        <p:cNvPr id="1" name=""/>
+        <p:cNvGrpSpPr/>
+        <p:nvPr/>
+      </p:nvGrpSpPr>
+      <p:grpSpPr>
+        <a:xfrm>
+          <a:off x="0" y="0"/>
+          <a:ext cx="0" cy="0"/>
+          <a:chOff x="0" y="0"/>
+          <a:chExt cx="0" cy="0"/>
+        </a:xfrm>
+      </p:grpSpPr>
+      <p:sp>
+        <p:nvSpPr>
+          <p:cNvPr id="2" name="Slide Image Placeholder 1"/>
+          <p:cNvSpPr>
+            <a:spLocks noGrp="1" noRot="1" noChangeAspect="1"/>
+          </p:cNvSpPr>
+          <p:nvPr>
+            <p:ph type="sldImg"/>
+          </p:nvPr>
+        </p:nvSpPr>
+        <p:spPr/>
+      </p:sp>
+      <p:sp>
+        <p:nvSpPr>
+          <p:cNvPr id="3" name="Notes Placeholder 2"/>
+          <p:cNvSpPr>
+            <a:spLocks noGrp="1"/>
+          </p:cNvSpPr>
+          <p:nvPr>
+            <p:ph type="body" idx="1"/>
+          </p:nvPr>
+        </p:nvSpPr>
+        <p:spPr/>
+        <p:txBody>
+          <a:bodyPr/>
+          <a:lstStyle/>
+          <a:p>
+            <a:r>
+              <a:rPr lang="en-US" dirty="0"/>
               <a:t>So, what is a log file? A log file is any file that’s generated from observed information. This data can come from networks or hosts.</a:t>
             </a:r>
           </a:p>
@@ -515,7 +1152,15 @@
           <a:p>
             <a:r>
               <a:rPr lang="en-US" dirty="0"/>
-              <a:t>They are important because they are used in every job that you could get in cybersecurity (Sysadmin/Threat hunter).</a:t>
+              <a:t>They are important because they are used in every job that you could get in cybersecurity (Sysadmin/</a:t>
+            </a:r>
+            <a:r>
+              <a:rPr lang="en-US" dirty="0" err="1"/>
+              <a:t>Pentester</a:t>
+            </a:r>
+            <a:r>
+              <a:rPr lang="en-US" dirty="0"/>
+              <a:t>/Threat analyst).</a:t>
             </a:r>
           </a:p>
           <a:p>
@@ -566,7 +1211,7 @@
           <a:p>
             <a:fld id="{003712FB-D8B6-4728-A2DA-AD77673215D0}" type="slidenum">
               <a:rPr lang="en-US" smtClean="0"/>
-              <a:t>2</a:t>
+              <a:t>3</a:t>
             </a:fld>
             <a:endParaRPr lang="en-US"/>
           </a:p>
@@ -575,7 +1220,595 @@
     </p:spTree>
     <p:extLst>
       <p:ext uri="{BB962C8B-B14F-4D97-AF65-F5344CB8AC3E}">
-        <p14:creationId xmlns:p14="http://schemas.microsoft.com/office/powerpoint/2010/main" val="3347647181"/>
+        <p14:creationId xmlns:p14="http://schemas.microsoft.com/office/powerpoint/2010/main" val="444021855"/>
+      </p:ext>
+    </p:extLst>
+  </p:cSld>
+  <p:clrMapOvr>
+    <a:masterClrMapping/>
+  </p:clrMapOvr>
+</p:notes>
+</file>
+
+<file path=ppt/notesSlides/notesSlide3.xml><?xml version="1.0" encoding="utf-8"?>
+<p:notes xmlns:a="http://schemas.openxmlformats.org/drawingml/2006/main" xmlns:r="http://schemas.openxmlformats.org/officeDocument/2006/relationships" xmlns:p="http://schemas.openxmlformats.org/presentationml/2006/main">
+  <p:cSld>
+    <p:spTree>
+      <p:nvGrpSpPr>
+        <p:cNvPr id="1" name=""/>
+        <p:cNvGrpSpPr/>
+        <p:nvPr/>
+      </p:nvGrpSpPr>
+      <p:grpSpPr>
+        <a:xfrm>
+          <a:off x="0" y="0"/>
+          <a:ext cx="0" cy="0"/>
+          <a:chOff x="0" y="0"/>
+          <a:chExt cx="0" cy="0"/>
+        </a:xfrm>
+      </p:grpSpPr>
+      <p:sp>
+        <p:nvSpPr>
+          <p:cNvPr id="2" name="Slide Image Placeholder 1"/>
+          <p:cNvSpPr>
+            <a:spLocks noGrp="1" noRot="1" noChangeAspect="1"/>
+          </p:cNvSpPr>
+          <p:nvPr>
+            <p:ph type="sldImg"/>
+          </p:nvPr>
+        </p:nvSpPr>
+        <p:spPr/>
+      </p:sp>
+      <p:sp>
+        <p:nvSpPr>
+          <p:cNvPr id="3" name="Notes Placeholder 2"/>
+          <p:cNvSpPr>
+            <a:spLocks noGrp="1"/>
+          </p:cNvSpPr>
+          <p:nvPr>
+            <p:ph type="body" idx="1"/>
+          </p:nvPr>
+        </p:nvSpPr>
+        <p:spPr/>
+        <p:txBody>
+          <a:bodyPr/>
+          <a:lstStyle/>
+          <a:p>
+            <a:endParaRPr lang="en-US" dirty="0"/>
+          </a:p>
+        </p:txBody>
+      </p:sp>
+      <p:sp>
+        <p:nvSpPr>
+          <p:cNvPr id="4" name="Slide Number Placeholder 3"/>
+          <p:cNvSpPr>
+            <a:spLocks noGrp="1"/>
+          </p:cNvSpPr>
+          <p:nvPr>
+            <p:ph type="sldNum" sz="quarter" idx="5"/>
+          </p:nvPr>
+        </p:nvSpPr>
+        <p:spPr/>
+        <p:txBody>
+          <a:bodyPr/>
+          <a:lstStyle/>
+          <a:p>
+            <a:fld id="{003712FB-D8B6-4728-A2DA-AD77673215D0}" type="slidenum">
+              <a:rPr lang="en-US" smtClean="0"/>
+              <a:t>4</a:t>
+            </a:fld>
+            <a:endParaRPr lang="en-US"/>
+          </a:p>
+        </p:txBody>
+      </p:sp>
+    </p:spTree>
+    <p:extLst>
+      <p:ext uri="{BB962C8B-B14F-4D97-AF65-F5344CB8AC3E}">
+        <p14:creationId xmlns:p14="http://schemas.microsoft.com/office/powerpoint/2010/main" val="2828268386"/>
+      </p:ext>
+    </p:extLst>
+  </p:cSld>
+  <p:clrMapOvr>
+    <a:masterClrMapping/>
+  </p:clrMapOvr>
+</p:notes>
+</file>
+
+<file path=ppt/notesSlides/notesSlide4.xml><?xml version="1.0" encoding="utf-8"?>
+<p:notes xmlns:a="http://schemas.openxmlformats.org/drawingml/2006/main" xmlns:r="http://schemas.openxmlformats.org/officeDocument/2006/relationships" xmlns:p="http://schemas.openxmlformats.org/presentationml/2006/main">
+  <p:cSld>
+    <p:spTree>
+      <p:nvGrpSpPr>
+        <p:cNvPr id="1" name=""/>
+        <p:cNvGrpSpPr/>
+        <p:nvPr/>
+      </p:nvGrpSpPr>
+      <p:grpSpPr>
+        <a:xfrm>
+          <a:off x="0" y="0"/>
+          <a:ext cx="0" cy="0"/>
+          <a:chOff x="0" y="0"/>
+          <a:chExt cx="0" cy="0"/>
+        </a:xfrm>
+      </p:grpSpPr>
+      <p:sp>
+        <p:nvSpPr>
+          <p:cNvPr id="2" name="Slide Image Placeholder 1"/>
+          <p:cNvSpPr>
+            <a:spLocks noGrp="1" noRot="1" noChangeAspect="1"/>
+          </p:cNvSpPr>
+          <p:nvPr>
+            <p:ph type="sldImg"/>
+          </p:nvPr>
+        </p:nvSpPr>
+        <p:spPr/>
+      </p:sp>
+      <p:sp>
+        <p:nvSpPr>
+          <p:cNvPr id="3" name="Notes Placeholder 2"/>
+          <p:cNvSpPr>
+            <a:spLocks noGrp="1"/>
+          </p:cNvSpPr>
+          <p:nvPr>
+            <p:ph type="body" idx="1"/>
+          </p:nvPr>
+        </p:nvSpPr>
+        <p:spPr/>
+        <p:txBody>
+          <a:bodyPr/>
+          <a:lstStyle/>
+          <a:p>
+            <a:endParaRPr lang="en-US" dirty="0"/>
+          </a:p>
+        </p:txBody>
+      </p:sp>
+      <p:sp>
+        <p:nvSpPr>
+          <p:cNvPr id="4" name="Slide Number Placeholder 3"/>
+          <p:cNvSpPr>
+            <a:spLocks noGrp="1"/>
+          </p:cNvSpPr>
+          <p:nvPr>
+            <p:ph type="sldNum" sz="quarter" idx="5"/>
+          </p:nvPr>
+        </p:nvSpPr>
+        <p:spPr/>
+        <p:txBody>
+          <a:bodyPr/>
+          <a:lstStyle/>
+          <a:p>
+            <a:fld id="{003712FB-D8B6-4728-A2DA-AD77673215D0}" type="slidenum">
+              <a:rPr lang="en-US" smtClean="0"/>
+              <a:t>5</a:t>
+            </a:fld>
+            <a:endParaRPr lang="en-US"/>
+          </a:p>
+        </p:txBody>
+      </p:sp>
+    </p:spTree>
+    <p:extLst>
+      <p:ext uri="{BB962C8B-B14F-4D97-AF65-F5344CB8AC3E}">
+        <p14:creationId xmlns:p14="http://schemas.microsoft.com/office/powerpoint/2010/main" val="2171224816"/>
+      </p:ext>
+    </p:extLst>
+  </p:cSld>
+  <p:clrMapOvr>
+    <a:masterClrMapping/>
+  </p:clrMapOvr>
+</p:notes>
+</file>
+
+<file path=ppt/notesSlides/notesSlide5.xml><?xml version="1.0" encoding="utf-8"?>
+<p:notes xmlns:a="http://schemas.openxmlformats.org/drawingml/2006/main" xmlns:r="http://schemas.openxmlformats.org/officeDocument/2006/relationships" xmlns:p="http://schemas.openxmlformats.org/presentationml/2006/main">
+  <p:cSld>
+    <p:spTree>
+      <p:nvGrpSpPr>
+        <p:cNvPr id="1" name=""/>
+        <p:cNvGrpSpPr/>
+        <p:nvPr/>
+      </p:nvGrpSpPr>
+      <p:grpSpPr>
+        <a:xfrm>
+          <a:off x="0" y="0"/>
+          <a:ext cx="0" cy="0"/>
+          <a:chOff x="0" y="0"/>
+          <a:chExt cx="0" cy="0"/>
+        </a:xfrm>
+      </p:grpSpPr>
+      <p:sp>
+        <p:nvSpPr>
+          <p:cNvPr id="2" name="Slide Image Placeholder 1"/>
+          <p:cNvSpPr>
+            <a:spLocks noGrp="1" noRot="1" noChangeAspect="1"/>
+          </p:cNvSpPr>
+          <p:nvPr>
+            <p:ph type="sldImg"/>
+          </p:nvPr>
+        </p:nvSpPr>
+        <p:spPr/>
+      </p:sp>
+      <p:sp>
+        <p:nvSpPr>
+          <p:cNvPr id="3" name="Notes Placeholder 2"/>
+          <p:cNvSpPr>
+            <a:spLocks noGrp="1"/>
+          </p:cNvSpPr>
+          <p:nvPr>
+            <p:ph type="body" idx="1"/>
+          </p:nvPr>
+        </p:nvSpPr>
+        <p:spPr/>
+        <p:txBody>
+          <a:bodyPr/>
+          <a:lstStyle/>
+          <a:p>
+            <a:endParaRPr lang="en-US" dirty="0"/>
+          </a:p>
+        </p:txBody>
+      </p:sp>
+      <p:sp>
+        <p:nvSpPr>
+          <p:cNvPr id="4" name="Slide Number Placeholder 3"/>
+          <p:cNvSpPr>
+            <a:spLocks noGrp="1"/>
+          </p:cNvSpPr>
+          <p:nvPr>
+            <p:ph type="sldNum" sz="quarter" idx="5"/>
+          </p:nvPr>
+        </p:nvSpPr>
+        <p:spPr/>
+        <p:txBody>
+          <a:bodyPr/>
+          <a:lstStyle/>
+          <a:p>
+            <a:fld id="{003712FB-D8B6-4728-A2DA-AD77673215D0}" type="slidenum">
+              <a:rPr lang="en-US" smtClean="0"/>
+              <a:t>6</a:t>
+            </a:fld>
+            <a:endParaRPr lang="en-US"/>
+          </a:p>
+        </p:txBody>
+      </p:sp>
+    </p:spTree>
+    <p:extLst>
+      <p:ext uri="{BB962C8B-B14F-4D97-AF65-F5344CB8AC3E}">
+        <p14:creationId xmlns:p14="http://schemas.microsoft.com/office/powerpoint/2010/main" val="2260683610"/>
+      </p:ext>
+    </p:extLst>
+  </p:cSld>
+  <p:clrMapOvr>
+    <a:masterClrMapping/>
+  </p:clrMapOvr>
+</p:notes>
+</file>
+
+<file path=ppt/notesSlides/notesSlide6.xml><?xml version="1.0" encoding="utf-8"?>
+<p:notes xmlns:a="http://schemas.openxmlformats.org/drawingml/2006/main" xmlns:r="http://schemas.openxmlformats.org/officeDocument/2006/relationships" xmlns:p="http://schemas.openxmlformats.org/presentationml/2006/main">
+  <p:cSld>
+    <p:spTree>
+      <p:nvGrpSpPr>
+        <p:cNvPr id="1" name=""/>
+        <p:cNvGrpSpPr/>
+        <p:nvPr/>
+      </p:nvGrpSpPr>
+      <p:grpSpPr>
+        <a:xfrm>
+          <a:off x="0" y="0"/>
+          <a:ext cx="0" cy="0"/>
+          <a:chOff x="0" y="0"/>
+          <a:chExt cx="0" cy="0"/>
+        </a:xfrm>
+      </p:grpSpPr>
+      <p:sp>
+        <p:nvSpPr>
+          <p:cNvPr id="2" name="Slide Image Placeholder 1"/>
+          <p:cNvSpPr>
+            <a:spLocks noGrp="1" noRot="1" noChangeAspect="1"/>
+          </p:cNvSpPr>
+          <p:nvPr>
+            <p:ph type="sldImg"/>
+          </p:nvPr>
+        </p:nvSpPr>
+        <p:spPr/>
+      </p:sp>
+      <p:sp>
+        <p:nvSpPr>
+          <p:cNvPr id="3" name="Notes Placeholder 2"/>
+          <p:cNvSpPr>
+            <a:spLocks noGrp="1"/>
+          </p:cNvSpPr>
+          <p:nvPr>
+            <p:ph type="body" idx="1"/>
+          </p:nvPr>
+        </p:nvSpPr>
+        <p:spPr/>
+        <p:txBody>
+          <a:bodyPr/>
+          <a:lstStyle/>
+          <a:p>
+            <a:endParaRPr lang="en-US" dirty="0"/>
+          </a:p>
+        </p:txBody>
+      </p:sp>
+      <p:sp>
+        <p:nvSpPr>
+          <p:cNvPr id="4" name="Slide Number Placeholder 3"/>
+          <p:cNvSpPr>
+            <a:spLocks noGrp="1"/>
+          </p:cNvSpPr>
+          <p:nvPr>
+            <p:ph type="sldNum" sz="quarter" idx="5"/>
+          </p:nvPr>
+        </p:nvSpPr>
+        <p:spPr/>
+        <p:txBody>
+          <a:bodyPr/>
+          <a:lstStyle/>
+          <a:p>
+            <a:fld id="{003712FB-D8B6-4728-A2DA-AD77673215D0}" type="slidenum">
+              <a:rPr lang="en-US" smtClean="0"/>
+              <a:t>7</a:t>
+            </a:fld>
+            <a:endParaRPr lang="en-US"/>
+          </a:p>
+        </p:txBody>
+      </p:sp>
+    </p:spTree>
+    <p:extLst>
+      <p:ext uri="{BB962C8B-B14F-4D97-AF65-F5344CB8AC3E}">
+        <p14:creationId xmlns:p14="http://schemas.microsoft.com/office/powerpoint/2010/main" val="216666422"/>
+      </p:ext>
+    </p:extLst>
+  </p:cSld>
+  <p:clrMapOvr>
+    <a:masterClrMapping/>
+  </p:clrMapOvr>
+</p:notes>
+</file>
+
+<file path=ppt/notesSlides/notesSlide7.xml><?xml version="1.0" encoding="utf-8"?>
+<p:notes xmlns:a="http://schemas.openxmlformats.org/drawingml/2006/main" xmlns:r="http://schemas.openxmlformats.org/officeDocument/2006/relationships" xmlns:p="http://schemas.openxmlformats.org/presentationml/2006/main">
+  <p:cSld>
+    <p:spTree>
+      <p:nvGrpSpPr>
+        <p:cNvPr id="1" name=""/>
+        <p:cNvGrpSpPr/>
+        <p:nvPr/>
+      </p:nvGrpSpPr>
+      <p:grpSpPr>
+        <a:xfrm>
+          <a:off x="0" y="0"/>
+          <a:ext cx="0" cy="0"/>
+          <a:chOff x="0" y="0"/>
+          <a:chExt cx="0" cy="0"/>
+        </a:xfrm>
+      </p:grpSpPr>
+      <p:sp>
+        <p:nvSpPr>
+          <p:cNvPr id="2" name="Slide Image Placeholder 1"/>
+          <p:cNvSpPr>
+            <a:spLocks noGrp="1" noRot="1" noChangeAspect="1"/>
+          </p:cNvSpPr>
+          <p:nvPr>
+            <p:ph type="sldImg"/>
+          </p:nvPr>
+        </p:nvSpPr>
+        <p:spPr/>
+      </p:sp>
+      <p:sp>
+        <p:nvSpPr>
+          <p:cNvPr id="3" name="Notes Placeholder 2"/>
+          <p:cNvSpPr>
+            <a:spLocks noGrp="1"/>
+          </p:cNvSpPr>
+          <p:nvPr>
+            <p:ph type="body" idx="1"/>
+          </p:nvPr>
+        </p:nvSpPr>
+        <p:spPr/>
+        <p:txBody>
+          <a:bodyPr/>
+          <a:lstStyle/>
+          <a:p>
+            <a:endParaRPr lang="en-US" dirty="0"/>
+          </a:p>
+        </p:txBody>
+      </p:sp>
+      <p:sp>
+        <p:nvSpPr>
+          <p:cNvPr id="4" name="Slide Number Placeholder 3"/>
+          <p:cNvSpPr>
+            <a:spLocks noGrp="1"/>
+          </p:cNvSpPr>
+          <p:nvPr>
+            <p:ph type="sldNum" sz="quarter" idx="5"/>
+          </p:nvPr>
+        </p:nvSpPr>
+        <p:spPr/>
+        <p:txBody>
+          <a:bodyPr/>
+          <a:lstStyle/>
+          <a:p>
+            <a:fld id="{003712FB-D8B6-4728-A2DA-AD77673215D0}" type="slidenum">
+              <a:rPr lang="en-US" smtClean="0"/>
+              <a:t>8</a:t>
+            </a:fld>
+            <a:endParaRPr lang="en-US"/>
+          </a:p>
+        </p:txBody>
+      </p:sp>
+    </p:spTree>
+    <p:extLst>
+      <p:ext uri="{BB962C8B-B14F-4D97-AF65-F5344CB8AC3E}">
+        <p14:creationId xmlns:p14="http://schemas.microsoft.com/office/powerpoint/2010/main" val="839778622"/>
+      </p:ext>
+    </p:extLst>
+  </p:cSld>
+  <p:clrMapOvr>
+    <a:masterClrMapping/>
+  </p:clrMapOvr>
+</p:notes>
+</file>
+
+<file path=ppt/notesSlides/notesSlide8.xml><?xml version="1.0" encoding="utf-8"?>
+<p:notes xmlns:a="http://schemas.openxmlformats.org/drawingml/2006/main" xmlns:r="http://schemas.openxmlformats.org/officeDocument/2006/relationships" xmlns:p="http://schemas.openxmlformats.org/presentationml/2006/main">
+  <p:cSld>
+    <p:spTree>
+      <p:nvGrpSpPr>
+        <p:cNvPr id="1" name=""/>
+        <p:cNvGrpSpPr/>
+        <p:nvPr/>
+      </p:nvGrpSpPr>
+      <p:grpSpPr>
+        <a:xfrm>
+          <a:off x="0" y="0"/>
+          <a:ext cx="0" cy="0"/>
+          <a:chOff x="0" y="0"/>
+          <a:chExt cx="0" cy="0"/>
+        </a:xfrm>
+      </p:grpSpPr>
+      <p:sp>
+        <p:nvSpPr>
+          <p:cNvPr id="2" name="Slide Image Placeholder 1"/>
+          <p:cNvSpPr>
+            <a:spLocks noGrp="1" noRot="1" noChangeAspect="1"/>
+          </p:cNvSpPr>
+          <p:nvPr>
+            <p:ph type="sldImg"/>
+          </p:nvPr>
+        </p:nvSpPr>
+        <p:spPr/>
+      </p:sp>
+      <p:sp>
+        <p:nvSpPr>
+          <p:cNvPr id="3" name="Notes Placeholder 2"/>
+          <p:cNvSpPr>
+            <a:spLocks noGrp="1"/>
+          </p:cNvSpPr>
+          <p:nvPr>
+            <p:ph type="body" idx="1"/>
+          </p:nvPr>
+        </p:nvSpPr>
+        <p:spPr/>
+        <p:txBody>
+          <a:bodyPr/>
+          <a:lstStyle/>
+          <a:p>
+            <a:endParaRPr lang="en-US" dirty="0"/>
+          </a:p>
+        </p:txBody>
+      </p:sp>
+      <p:sp>
+        <p:nvSpPr>
+          <p:cNvPr id="4" name="Slide Number Placeholder 3"/>
+          <p:cNvSpPr>
+            <a:spLocks noGrp="1"/>
+          </p:cNvSpPr>
+          <p:nvPr>
+            <p:ph type="sldNum" sz="quarter" idx="5"/>
+          </p:nvPr>
+        </p:nvSpPr>
+        <p:spPr/>
+        <p:txBody>
+          <a:bodyPr/>
+          <a:lstStyle/>
+          <a:p>
+            <a:fld id="{003712FB-D8B6-4728-A2DA-AD77673215D0}" type="slidenum">
+              <a:rPr lang="en-US" smtClean="0"/>
+              <a:t>9</a:t>
+            </a:fld>
+            <a:endParaRPr lang="en-US"/>
+          </a:p>
+        </p:txBody>
+      </p:sp>
+    </p:spTree>
+    <p:extLst>
+      <p:ext uri="{BB962C8B-B14F-4D97-AF65-F5344CB8AC3E}">
+        <p14:creationId xmlns:p14="http://schemas.microsoft.com/office/powerpoint/2010/main" val="1609060076"/>
+      </p:ext>
+    </p:extLst>
+  </p:cSld>
+  <p:clrMapOvr>
+    <a:masterClrMapping/>
+  </p:clrMapOvr>
+</p:notes>
+</file>
+
+<file path=ppt/notesSlides/notesSlide9.xml><?xml version="1.0" encoding="utf-8"?>
+<p:notes xmlns:a="http://schemas.openxmlformats.org/drawingml/2006/main" xmlns:r="http://schemas.openxmlformats.org/officeDocument/2006/relationships" xmlns:p="http://schemas.openxmlformats.org/presentationml/2006/main">
+  <p:cSld>
+    <p:spTree>
+      <p:nvGrpSpPr>
+        <p:cNvPr id="1" name=""/>
+        <p:cNvGrpSpPr/>
+        <p:nvPr/>
+      </p:nvGrpSpPr>
+      <p:grpSpPr>
+        <a:xfrm>
+          <a:off x="0" y="0"/>
+          <a:ext cx="0" cy="0"/>
+          <a:chOff x="0" y="0"/>
+          <a:chExt cx="0" cy="0"/>
+        </a:xfrm>
+      </p:grpSpPr>
+      <p:sp>
+        <p:nvSpPr>
+          <p:cNvPr id="2" name="Slide Image Placeholder 1"/>
+          <p:cNvSpPr>
+            <a:spLocks noGrp="1" noRot="1" noChangeAspect="1"/>
+          </p:cNvSpPr>
+          <p:nvPr>
+            <p:ph type="sldImg"/>
+          </p:nvPr>
+        </p:nvSpPr>
+        <p:spPr/>
+      </p:sp>
+      <p:sp>
+        <p:nvSpPr>
+          <p:cNvPr id="3" name="Notes Placeholder 2"/>
+          <p:cNvSpPr>
+            <a:spLocks noGrp="1"/>
+          </p:cNvSpPr>
+          <p:nvPr>
+            <p:ph type="body" idx="1"/>
+          </p:nvPr>
+        </p:nvSpPr>
+        <p:spPr/>
+        <p:txBody>
+          <a:bodyPr/>
+          <a:lstStyle/>
+          <a:p>
+            <a:endParaRPr lang="en-US" dirty="0"/>
+          </a:p>
+        </p:txBody>
+      </p:sp>
+      <p:sp>
+        <p:nvSpPr>
+          <p:cNvPr id="4" name="Slide Number Placeholder 3"/>
+          <p:cNvSpPr>
+            <a:spLocks noGrp="1"/>
+          </p:cNvSpPr>
+          <p:nvPr>
+            <p:ph type="sldNum" sz="quarter" idx="5"/>
+          </p:nvPr>
+        </p:nvSpPr>
+        <p:spPr/>
+        <p:txBody>
+          <a:bodyPr/>
+          <a:lstStyle/>
+          <a:p>
+            <a:fld id="{003712FB-D8B6-4728-A2DA-AD77673215D0}" type="slidenum">
+              <a:rPr lang="en-US" smtClean="0"/>
+              <a:t>10</a:t>
+            </a:fld>
+            <a:endParaRPr lang="en-US"/>
+          </a:p>
+        </p:txBody>
+      </p:sp>
+    </p:spTree>
+    <p:extLst>
+      <p:ext uri="{BB962C8B-B14F-4D97-AF65-F5344CB8AC3E}">
+        <p14:creationId xmlns:p14="http://schemas.microsoft.com/office/powerpoint/2010/main" val="857738625"/>
       </p:ext>
     </p:extLst>
   </p:cSld>
@@ -732,7 +1965,7 @@
           <a:p>
             <a:fld id="{0A7F3EA9-6F79-4C8E-B04B-A5E2E3147A9A}" type="datetimeFigureOut">
               <a:rPr lang="en-US" smtClean="0"/>
-              <a:t>10/28/2021</a:t>
+              <a:t>10/31/2021</a:t>
             </a:fld>
             <a:endParaRPr lang="en-US"/>
           </a:p>
@@ -930,7 +2163,7 @@
           <a:p>
             <a:fld id="{0A7F3EA9-6F79-4C8E-B04B-A5E2E3147A9A}" type="datetimeFigureOut">
               <a:rPr lang="en-US" smtClean="0"/>
-              <a:t>10/28/2021</a:t>
+              <a:t>10/31/2021</a:t>
             </a:fld>
             <a:endParaRPr lang="en-US"/>
           </a:p>
@@ -1138,7 +2371,7 @@
           <a:p>
             <a:fld id="{0A7F3EA9-6F79-4C8E-B04B-A5E2E3147A9A}" type="datetimeFigureOut">
               <a:rPr lang="en-US" smtClean="0"/>
-              <a:t>10/28/2021</a:t>
+              <a:t>10/31/2021</a:t>
             </a:fld>
             <a:endParaRPr lang="en-US"/>
           </a:p>
@@ -1336,7 +2569,7 @@
           <a:p>
             <a:fld id="{0A7F3EA9-6F79-4C8E-B04B-A5E2E3147A9A}" type="datetimeFigureOut">
               <a:rPr lang="en-US" smtClean="0"/>
-              <a:t>10/28/2021</a:t>
+              <a:t>10/31/2021</a:t>
             </a:fld>
             <a:endParaRPr lang="en-US"/>
           </a:p>
@@ -1611,7 +2844,7 @@
           <a:p>
             <a:fld id="{0A7F3EA9-6F79-4C8E-B04B-A5E2E3147A9A}" type="datetimeFigureOut">
               <a:rPr lang="en-US" smtClean="0"/>
-              <a:t>10/28/2021</a:t>
+              <a:t>10/31/2021</a:t>
             </a:fld>
             <a:endParaRPr lang="en-US"/>
           </a:p>
@@ -1876,7 +3109,7 @@
           <a:p>
             <a:fld id="{0A7F3EA9-6F79-4C8E-B04B-A5E2E3147A9A}" type="datetimeFigureOut">
               <a:rPr lang="en-US" smtClean="0"/>
-              <a:t>10/28/2021</a:t>
+              <a:t>10/31/2021</a:t>
             </a:fld>
             <a:endParaRPr lang="en-US"/>
           </a:p>
@@ -2288,7 +3521,7 @@
           <a:p>
             <a:fld id="{0A7F3EA9-6F79-4C8E-B04B-A5E2E3147A9A}" type="datetimeFigureOut">
               <a:rPr lang="en-US" smtClean="0"/>
-              <a:t>10/28/2021</a:t>
+              <a:t>10/31/2021</a:t>
             </a:fld>
             <a:endParaRPr lang="en-US"/>
           </a:p>
@@ -2429,7 +3662,7 @@
           <a:p>
             <a:fld id="{0A7F3EA9-6F79-4C8E-B04B-A5E2E3147A9A}" type="datetimeFigureOut">
               <a:rPr lang="en-US" smtClean="0"/>
-              <a:t>10/28/2021</a:t>
+              <a:t>10/31/2021</a:t>
             </a:fld>
             <a:endParaRPr lang="en-US"/>
           </a:p>
@@ -2542,7 +3775,7 @@
           <a:p>
             <a:fld id="{0A7F3EA9-6F79-4C8E-B04B-A5E2E3147A9A}" type="datetimeFigureOut">
               <a:rPr lang="en-US" smtClean="0"/>
-              <a:t>10/28/2021</a:t>
+              <a:t>10/31/2021</a:t>
             </a:fld>
             <a:endParaRPr lang="en-US"/>
           </a:p>
@@ -2853,7 +4086,7 @@
           <a:p>
             <a:fld id="{0A7F3EA9-6F79-4C8E-B04B-A5E2E3147A9A}" type="datetimeFigureOut">
               <a:rPr lang="en-US" smtClean="0"/>
-              <a:t>10/28/2021</a:t>
+              <a:t>10/31/2021</a:t>
             </a:fld>
             <a:endParaRPr lang="en-US"/>
           </a:p>
@@ -3141,7 +4374,7 @@
           <a:p>
             <a:fld id="{0A7F3EA9-6F79-4C8E-B04B-A5E2E3147A9A}" type="datetimeFigureOut">
               <a:rPr lang="en-US" smtClean="0"/>
-              <a:t>10/28/2021</a:t>
+              <a:t>10/31/2021</a:t>
             </a:fld>
             <a:endParaRPr lang="en-US"/>
           </a:p>
@@ -3382,7 +4615,7 @@
           <a:p>
             <a:fld id="{0A7F3EA9-6F79-4C8E-B04B-A5E2E3147A9A}" type="datetimeFigureOut">
               <a:rPr lang="en-US" smtClean="0"/>
-              <a:t>10/28/2021</a:t>
+              <a:t>10/31/2021</a:t>
             </a:fld>
             <a:endParaRPr lang="en-US"/>
           </a:p>
@@ -4421,6 +5654,4414 @@
 </p:sld>
 </file>
 
+<file path=ppt/slides/slide10.xml><?xml version="1.0" encoding="utf-8"?>
+<p:sld xmlns:a="http://schemas.openxmlformats.org/drawingml/2006/main" xmlns:r="http://schemas.openxmlformats.org/officeDocument/2006/relationships" xmlns:p="http://schemas.openxmlformats.org/presentationml/2006/main">
+  <p:cSld>
+    <p:bg>
+      <p:bgPr>
+        <a:solidFill>
+          <a:schemeClr val="bg1"/>
+        </a:solidFill>
+        <a:effectLst/>
+      </p:bgPr>
+    </p:bg>
+    <p:spTree>
+      <p:nvGrpSpPr>
+        <p:cNvPr id="1" name=""/>
+        <p:cNvGrpSpPr/>
+        <p:nvPr/>
+      </p:nvGrpSpPr>
+      <p:grpSpPr>
+        <a:xfrm>
+          <a:off x="0" y="0"/>
+          <a:ext cx="0" cy="0"/>
+          <a:chOff x="0" y="0"/>
+          <a:chExt cx="0" cy="0"/>
+        </a:xfrm>
+      </p:grpSpPr>
+      <p:sp useBgFill="1">
+        <p:nvSpPr>
+          <p:cNvPr id="17" name="Rectangle 16">
+            <a:extLst>
+              <a:ext uri="{FF2B5EF4-FFF2-40B4-BE49-F238E27FC236}">
+                <a16:creationId xmlns:a16="http://schemas.microsoft.com/office/drawing/2014/main" id="{827B839B-9ADE-406B-8590-F1CAEDED45A1}"/>
+              </a:ext>
+              <a:ext uri="{C183D7F6-B498-43B3-948B-1728B52AA6E4}">
+                <adec:decorative xmlns:adec="http://schemas.microsoft.com/office/drawing/2017/decorative" val="1"/>
+              </a:ext>
+            </a:extLst>
+          </p:cNvPr>
+          <p:cNvSpPr>
+            <a:spLocks noGrp="1" noRot="1" noChangeAspect="1" noMove="1" noResize="1" noEditPoints="1" noAdjustHandles="1" noChangeArrowheads="1" noChangeShapeType="1" noTextEdit="1"/>
+          </p:cNvSpPr>
+          <p:nvPr>
+            <p:extLst>
+              <p:ext uri="{386F3935-93C4-4BCD-93E2-E3B085C9AB24}">
+                <p16:designElem xmlns:p16="http://schemas.microsoft.com/office/powerpoint/2015/main" val="1"/>
+              </p:ext>
+            </p:extLst>
+          </p:nvPr>
+        </p:nvSpPr>
+        <p:spPr>
+          <a:xfrm>
+            <a:off x="0" y="0"/>
+            <a:ext cx="12188952" cy="6858000"/>
+          </a:xfrm>
+          <a:prstGeom prst="rect">
+            <a:avLst/>
+          </a:prstGeom>
+          <a:ln>
+            <a:noFill/>
+          </a:ln>
+        </p:spPr>
+        <p:style>
+          <a:lnRef idx="2">
+            <a:schemeClr val="accent1">
+              <a:shade val="50000"/>
+            </a:schemeClr>
+          </a:lnRef>
+          <a:fillRef idx="1">
+            <a:schemeClr val="accent1"/>
+          </a:fillRef>
+          <a:effectRef idx="0">
+            <a:schemeClr val="accent1"/>
+          </a:effectRef>
+          <a:fontRef idx="minor">
+            <a:schemeClr val="lt1"/>
+          </a:fontRef>
+        </p:style>
+        <p:txBody>
+          <a:bodyPr rtlCol="0" anchor="ctr"/>
+          <a:lstStyle/>
+          <a:p>
+            <a:pPr algn="ctr"/>
+            <a:endParaRPr lang="en-US"/>
+          </a:p>
+        </p:txBody>
+      </p:sp>
+      <p:sp>
+        <p:nvSpPr>
+          <p:cNvPr id="19" name="Freeform 45">
+            <a:extLst>
+              <a:ext uri="{FF2B5EF4-FFF2-40B4-BE49-F238E27FC236}">
+                <a16:creationId xmlns:a16="http://schemas.microsoft.com/office/drawing/2014/main" id="{CFE45BF0-46DB-408C-B5F7-7B11716805D4}"/>
+              </a:ext>
+              <a:ext uri="{C183D7F6-B498-43B3-948B-1728B52AA6E4}">
+                <adec:decorative xmlns:adec="http://schemas.microsoft.com/office/drawing/2017/decorative" val="1"/>
+              </a:ext>
+            </a:extLst>
+          </p:cNvPr>
+          <p:cNvSpPr>
+            <a:spLocks noGrp="1" noRot="1" noChangeAspect="1" noMove="1" noResize="1" noEditPoints="1" noAdjustHandles="1" noChangeArrowheads="1" noChangeShapeType="1" noTextEdit="1"/>
+          </p:cNvSpPr>
+          <p:nvPr>
+            <p:extLst>
+              <p:ext uri="{386F3935-93C4-4BCD-93E2-E3B085C9AB24}">
+                <p16:designElem xmlns:p16="http://schemas.microsoft.com/office/powerpoint/2015/main" val="1"/>
+              </p:ext>
+            </p:extLst>
+          </p:nvPr>
+        </p:nvSpPr>
+        <p:spPr bwMode="auto">
+          <a:xfrm>
+            <a:off x="409710" y="1022350"/>
+            <a:ext cx="709612" cy="2095501"/>
+          </a:xfrm>
+          <a:custGeom>
+            <a:avLst/>
+            <a:gdLst>
+              <a:gd name="T0" fmla="*/ 447 w 447"/>
+              <a:gd name="T1" fmla="*/ 1363 h 1363"/>
+              <a:gd name="T2" fmla="*/ 0 w 447"/>
+              <a:gd name="T3" fmla="*/ 987 h 1363"/>
+              <a:gd name="T4" fmla="*/ 0 w 447"/>
+              <a:gd name="T5" fmla="*/ 0 h 1363"/>
+              <a:gd name="T6" fmla="*/ 447 w 447"/>
+              <a:gd name="T7" fmla="*/ 376 h 1363"/>
+              <a:gd name="T8" fmla="*/ 447 w 447"/>
+              <a:gd name="T9" fmla="*/ 1363 h 1363"/>
+            </a:gdLst>
+            <a:ahLst/>
+            <a:cxnLst>
+              <a:cxn ang="0">
+                <a:pos x="T0" y="T1"/>
+              </a:cxn>
+              <a:cxn ang="0">
+                <a:pos x="T2" y="T3"/>
+              </a:cxn>
+              <a:cxn ang="0">
+                <a:pos x="T4" y="T5"/>
+              </a:cxn>
+              <a:cxn ang="0">
+                <a:pos x="T6" y="T7"/>
+              </a:cxn>
+              <a:cxn ang="0">
+                <a:pos x="T8" y="T9"/>
+              </a:cxn>
+            </a:cxnLst>
+            <a:rect l="0" t="0" r="r" b="b"/>
+            <a:pathLst>
+              <a:path w="447" h="1363">
+                <a:moveTo>
+                  <a:pt x="447" y="1363"/>
+                </a:moveTo>
+                <a:lnTo>
+                  <a:pt x="0" y="987"/>
+                </a:lnTo>
+                <a:lnTo>
+                  <a:pt x="0" y="0"/>
+                </a:lnTo>
+                <a:lnTo>
+                  <a:pt x="447" y="376"/>
+                </a:lnTo>
+                <a:lnTo>
+                  <a:pt x="447" y="1363"/>
+                </a:lnTo>
+                <a:close/>
+              </a:path>
+            </a:pathLst>
+          </a:custGeom>
+          <a:solidFill>
+            <a:schemeClr val="accent1">
+              <a:lumMod val="50000"/>
+            </a:schemeClr>
+          </a:solidFill>
+          <a:ln>
+            <a:noFill/>
+          </a:ln>
+        </p:spPr>
+        <p:txBody>
+          <a:bodyPr vert="horz" wrap="square" lIns="91440" tIns="45720" rIns="91440" bIns="45720" numCol="1" anchor="t" anchorCtr="0" compatLnSpc="1">
+            <a:prstTxWarp prst="textNoShape">
+              <a:avLst/>
+            </a:prstTxWarp>
+          </a:bodyPr>
+          <a:lstStyle/>
+          <a:p>
+            <a:endParaRPr lang="en-US"/>
+          </a:p>
+        </p:txBody>
+      </p:sp>
+      <p:sp>
+        <p:nvSpPr>
+          <p:cNvPr id="21" name="Freeform 46">
+            <a:extLst>
+              <a:ext uri="{FF2B5EF4-FFF2-40B4-BE49-F238E27FC236}">
+                <a16:creationId xmlns:a16="http://schemas.microsoft.com/office/drawing/2014/main" id="{2AEBC8F2-97B1-41B4-93F1-2D289E197FBA}"/>
+              </a:ext>
+              <a:ext uri="{C183D7F6-B498-43B3-948B-1728B52AA6E4}">
+                <adec:decorative xmlns:adec="http://schemas.microsoft.com/office/drawing/2017/decorative" val="1"/>
+              </a:ext>
+            </a:extLst>
+          </p:cNvPr>
+          <p:cNvSpPr>
+            <a:spLocks noGrp="1" noRot="1" noChangeAspect="1" noMove="1" noResize="1" noEditPoints="1" noAdjustHandles="1" noChangeArrowheads="1" noChangeShapeType="1" noTextEdit="1"/>
+          </p:cNvSpPr>
+          <p:nvPr>
+            <p:extLst>
+              <p:ext uri="{386F3935-93C4-4BCD-93E2-E3B085C9AB24}">
+                <p16:designElem xmlns:p16="http://schemas.microsoft.com/office/powerpoint/2015/main" val="1"/>
+              </p:ext>
+            </p:extLst>
+          </p:nvPr>
+        </p:nvSpPr>
+        <p:spPr bwMode="auto">
+          <a:xfrm>
+            <a:off x="409710" y="837744"/>
+            <a:ext cx="403225" cy="1705431"/>
+          </a:xfrm>
+          <a:custGeom>
+            <a:avLst/>
+            <a:gdLst>
+              <a:gd name="T0" fmla="*/ 254 w 254"/>
+              <a:gd name="T1" fmla="*/ 987 h 1109"/>
+              <a:gd name="T2" fmla="*/ 0 w 254"/>
+              <a:gd name="T3" fmla="*/ 1109 h 1109"/>
+              <a:gd name="T4" fmla="*/ 0 w 254"/>
+              <a:gd name="T5" fmla="*/ 119 h 1109"/>
+              <a:gd name="T6" fmla="*/ 254 w 254"/>
+              <a:gd name="T7" fmla="*/ 0 h 1109"/>
+              <a:gd name="T8" fmla="*/ 254 w 254"/>
+              <a:gd name="T9" fmla="*/ 987 h 1109"/>
+            </a:gdLst>
+            <a:ahLst/>
+            <a:cxnLst>
+              <a:cxn ang="0">
+                <a:pos x="T0" y="T1"/>
+              </a:cxn>
+              <a:cxn ang="0">
+                <a:pos x="T2" y="T3"/>
+              </a:cxn>
+              <a:cxn ang="0">
+                <a:pos x="T4" y="T5"/>
+              </a:cxn>
+              <a:cxn ang="0">
+                <a:pos x="T6" y="T7"/>
+              </a:cxn>
+              <a:cxn ang="0">
+                <a:pos x="T8" y="T9"/>
+              </a:cxn>
+            </a:cxnLst>
+            <a:rect l="0" t="0" r="r" b="b"/>
+            <a:pathLst>
+              <a:path w="254" h="1109">
+                <a:moveTo>
+                  <a:pt x="254" y="987"/>
+                </a:moveTo>
+                <a:lnTo>
+                  <a:pt x="0" y="1109"/>
+                </a:lnTo>
+                <a:lnTo>
+                  <a:pt x="0" y="119"/>
+                </a:lnTo>
+                <a:lnTo>
+                  <a:pt x="254" y="0"/>
+                </a:lnTo>
+                <a:lnTo>
+                  <a:pt x="254" y="987"/>
+                </a:lnTo>
+                <a:close/>
+              </a:path>
+            </a:pathLst>
+          </a:custGeom>
+          <a:solidFill>
+            <a:schemeClr val="accent1">
+              <a:lumMod val="75000"/>
+            </a:schemeClr>
+          </a:solidFill>
+          <a:ln>
+            <a:noFill/>
+          </a:ln>
+        </p:spPr>
+        <p:txBody>
+          <a:bodyPr vert="horz" wrap="square" lIns="91440" tIns="45720" rIns="91440" bIns="45720" numCol="1" anchor="t" anchorCtr="0" compatLnSpc="1">
+            <a:prstTxWarp prst="textNoShape">
+              <a:avLst/>
+            </a:prstTxWarp>
+          </a:bodyPr>
+          <a:lstStyle/>
+          <a:p>
+            <a:endParaRPr lang="en-US"/>
+          </a:p>
+        </p:txBody>
+      </p:sp>
+      <p:sp>
+        <p:nvSpPr>
+          <p:cNvPr id="23" name="Freeform 47">
+            <a:extLst>
+              <a:ext uri="{FF2B5EF4-FFF2-40B4-BE49-F238E27FC236}">
+                <a16:creationId xmlns:a16="http://schemas.microsoft.com/office/drawing/2014/main" id="{472E3A19-F5D5-48FC-BB9C-48C2F68F598B}"/>
+              </a:ext>
+              <a:ext uri="{C183D7F6-B498-43B3-948B-1728B52AA6E4}">
+                <adec:decorative xmlns:adec="http://schemas.microsoft.com/office/drawing/2017/decorative" val="1"/>
+              </a:ext>
+            </a:extLst>
+          </p:cNvPr>
+          <p:cNvSpPr>
+            <a:spLocks noGrp="1" noRot="1" noChangeAspect="1" noMove="1" noResize="1" noEditPoints="1" noAdjustHandles="1" noChangeArrowheads="1" noChangeShapeType="1" noTextEdit="1"/>
+          </p:cNvSpPr>
+          <p:nvPr>
+            <p:extLst>
+              <p:ext uri="{386F3935-93C4-4BCD-93E2-E3B085C9AB24}">
+                <p16:designElem xmlns:p16="http://schemas.microsoft.com/office/powerpoint/2015/main" val="1"/>
+              </p:ext>
+            </p:extLst>
+          </p:nvPr>
+        </p:nvSpPr>
+        <p:spPr bwMode="auto">
+          <a:xfrm>
+            <a:off x="644660" y="640894"/>
+            <a:ext cx="168275" cy="1713195"/>
+          </a:xfrm>
+          <a:custGeom>
+            <a:avLst/>
+            <a:gdLst>
+              <a:gd name="T0" fmla="*/ 106 w 106"/>
+              <a:gd name="T1" fmla="*/ 1114 h 1114"/>
+              <a:gd name="T2" fmla="*/ 0 w 106"/>
+              <a:gd name="T3" fmla="*/ 1005 h 1114"/>
+              <a:gd name="T4" fmla="*/ 0 w 106"/>
+              <a:gd name="T5" fmla="*/ 0 h 1114"/>
+              <a:gd name="T6" fmla="*/ 106 w 106"/>
+              <a:gd name="T7" fmla="*/ 110 h 1114"/>
+              <a:gd name="T8" fmla="*/ 106 w 106"/>
+              <a:gd name="T9" fmla="*/ 1114 h 1114"/>
+            </a:gdLst>
+            <a:ahLst/>
+            <a:cxnLst>
+              <a:cxn ang="0">
+                <a:pos x="T0" y="T1"/>
+              </a:cxn>
+              <a:cxn ang="0">
+                <a:pos x="T2" y="T3"/>
+              </a:cxn>
+              <a:cxn ang="0">
+                <a:pos x="T4" y="T5"/>
+              </a:cxn>
+              <a:cxn ang="0">
+                <a:pos x="T6" y="T7"/>
+              </a:cxn>
+              <a:cxn ang="0">
+                <a:pos x="T8" y="T9"/>
+              </a:cxn>
+            </a:cxnLst>
+            <a:rect l="0" t="0" r="r" b="b"/>
+            <a:pathLst>
+              <a:path w="106" h="1114">
+                <a:moveTo>
+                  <a:pt x="106" y="1114"/>
+                </a:moveTo>
+                <a:lnTo>
+                  <a:pt x="0" y="1005"/>
+                </a:lnTo>
+                <a:lnTo>
+                  <a:pt x="0" y="0"/>
+                </a:lnTo>
+                <a:lnTo>
+                  <a:pt x="106" y="110"/>
+                </a:lnTo>
+                <a:lnTo>
+                  <a:pt x="106" y="1114"/>
+                </a:lnTo>
+                <a:close/>
+              </a:path>
+            </a:pathLst>
+          </a:custGeom>
+          <a:solidFill>
+            <a:schemeClr val="accent1">
+              <a:lumMod val="50000"/>
+            </a:schemeClr>
+          </a:solidFill>
+          <a:ln>
+            <a:noFill/>
+          </a:ln>
+        </p:spPr>
+        <p:txBody>
+          <a:bodyPr vert="horz" wrap="square" lIns="91440" tIns="45720" rIns="91440" bIns="45720" numCol="1" anchor="t" anchorCtr="0" compatLnSpc="1">
+            <a:prstTxWarp prst="textNoShape">
+              <a:avLst/>
+            </a:prstTxWarp>
+          </a:bodyPr>
+          <a:lstStyle/>
+          <a:p>
+            <a:endParaRPr lang="en-US"/>
+          </a:p>
+        </p:txBody>
+      </p:sp>
+      <p:sp>
+        <p:nvSpPr>
+          <p:cNvPr id="25" name="Freeform 44">
+            <a:extLst>
+              <a:ext uri="{FF2B5EF4-FFF2-40B4-BE49-F238E27FC236}">
+                <a16:creationId xmlns:a16="http://schemas.microsoft.com/office/drawing/2014/main" id="{7A62E32F-BB65-43A8-8EB5-92346890E549}"/>
+              </a:ext>
+              <a:ext uri="{C183D7F6-B498-43B3-948B-1728B52AA6E4}">
+                <adec:decorative xmlns:adec="http://schemas.microsoft.com/office/drawing/2017/decorative" val="1"/>
+              </a:ext>
+            </a:extLst>
+          </p:cNvPr>
+          <p:cNvSpPr>
+            <a:spLocks noGrp="1" noRot="1" noChangeAspect="1" noMove="1" noResize="1" noEditPoints="1" noAdjustHandles="1" noChangeArrowheads="1" noChangeShapeType="1" noTextEdit="1"/>
+          </p:cNvSpPr>
+          <p:nvPr>
+            <p:extLst>
+              <p:ext uri="{386F3935-93C4-4BCD-93E2-E3B085C9AB24}">
+                <p16:designElem xmlns:p16="http://schemas.microsoft.com/office/powerpoint/2015/main" val="1"/>
+              </p:ext>
+            </p:extLst>
+          </p:nvPr>
+        </p:nvSpPr>
+        <p:spPr bwMode="auto">
+          <a:xfrm>
+            <a:off x="11223203" y="635716"/>
+            <a:ext cx="328612" cy="1742360"/>
+          </a:xfrm>
+          <a:custGeom>
+            <a:avLst/>
+            <a:gdLst>
+              <a:gd name="T0" fmla="*/ 207 w 207"/>
+              <a:gd name="T1" fmla="*/ 987 h 1114"/>
+              <a:gd name="T2" fmla="*/ 0 w 207"/>
+              <a:gd name="T3" fmla="*/ 1114 h 1114"/>
+              <a:gd name="T4" fmla="*/ 0 w 207"/>
+              <a:gd name="T5" fmla="*/ 127 h 1114"/>
+              <a:gd name="T6" fmla="*/ 207 w 207"/>
+              <a:gd name="T7" fmla="*/ 0 h 1114"/>
+              <a:gd name="T8" fmla="*/ 207 w 207"/>
+              <a:gd name="T9" fmla="*/ 987 h 1114"/>
+            </a:gdLst>
+            <a:ahLst/>
+            <a:cxnLst>
+              <a:cxn ang="0">
+                <a:pos x="T0" y="T1"/>
+              </a:cxn>
+              <a:cxn ang="0">
+                <a:pos x="T2" y="T3"/>
+              </a:cxn>
+              <a:cxn ang="0">
+                <a:pos x="T4" y="T5"/>
+              </a:cxn>
+              <a:cxn ang="0">
+                <a:pos x="T6" y="T7"/>
+              </a:cxn>
+              <a:cxn ang="0">
+                <a:pos x="T8" y="T9"/>
+              </a:cxn>
+            </a:cxnLst>
+            <a:rect l="0" t="0" r="r" b="b"/>
+            <a:pathLst>
+              <a:path w="207" h="1114">
+                <a:moveTo>
+                  <a:pt x="207" y="987"/>
+                </a:moveTo>
+                <a:lnTo>
+                  <a:pt x="0" y="1114"/>
+                </a:lnTo>
+                <a:lnTo>
+                  <a:pt x="0" y="127"/>
+                </a:lnTo>
+                <a:lnTo>
+                  <a:pt x="207" y="0"/>
+                </a:lnTo>
+                <a:lnTo>
+                  <a:pt x="207" y="987"/>
+                </a:lnTo>
+                <a:close/>
+              </a:path>
+            </a:pathLst>
+          </a:custGeom>
+          <a:solidFill>
+            <a:schemeClr val="accent1">
+              <a:lumMod val="50000"/>
+            </a:schemeClr>
+          </a:solidFill>
+          <a:ln>
+            <a:noFill/>
+          </a:ln>
+        </p:spPr>
+        <p:txBody>
+          <a:bodyPr vert="horz" wrap="square" lIns="91440" tIns="45720" rIns="91440" bIns="45720" numCol="1" anchor="t" anchorCtr="0" compatLnSpc="1">
+            <a:prstTxWarp prst="textNoShape">
+              <a:avLst/>
+            </a:prstTxWarp>
+          </a:bodyPr>
+          <a:lstStyle/>
+          <a:p>
+            <a:endParaRPr lang="en-US"/>
+          </a:p>
+        </p:txBody>
+      </p:sp>
+      <p:sp>
+        <p:nvSpPr>
+          <p:cNvPr id="27" name="Rectangle 26">
+            <a:extLst>
+              <a:ext uri="{FF2B5EF4-FFF2-40B4-BE49-F238E27FC236}">
+                <a16:creationId xmlns:a16="http://schemas.microsoft.com/office/drawing/2014/main" id="{14E91B64-9FCC-451E-AFB4-A827D6329367}"/>
+              </a:ext>
+              <a:ext uri="{C183D7F6-B498-43B3-948B-1728B52AA6E4}">
+                <adec:decorative xmlns:adec="http://schemas.microsoft.com/office/drawing/2017/decorative" val="1"/>
+              </a:ext>
+            </a:extLst>
+          </p:cNvPr>
+          <p:cNvSpPr>
+            <a:spLocks noGrp="1" noRot="1" noChangeAspect="1" noMove="1" noResize="1" noEditPoints="1" noAdjustHandles="1" noChangeArrowheads="1" noChangeShapeType="1" noTextEdit="1"/>
+          </p:cNvSpPr>
+          <p:nvPr>
+            <p:extLst>
+              <p:ext uri="{386F3935-93C4-4BCD-93E2-E3B085C9AB24}">
+                <p16:designElem xmlns:p16="http://schemas.microsoft.com/office/powerpoint/2015/main" val="1"/>
+              </p:ext>
+            </p:extLst>
+          </p:nvPr>
+        </p:nvSpPr>
+        <p:spPr bwMode="auto">
+          <a:xfrm>
+            <a:off x="644055" y="635715"/>
+            <a:ext cx="10907863" cy="1541457"/>
+          </a:xfrm>
+          <a:prstGeom prst="rect">
+            <a:avLst/>
+          </a:prstGeom>
+          <a:solidFill>
+            <a:schemeClr val="accent1"/>
+          </a:solidFill>
+          <a:ln>
+            <a:noFill/>
+          </a:ln>
+        </p:spPr>
+        <p:txBody>
+          <a:bodyPr vert="horz" wrap="square" lIns="91440" tIns="45720" rIns="91440" bIns="45720" numCol="1" anchor="t" anchorCtr="0" compatLnSpc="1">
+            <a:prstTxWarp prst="textNoShape">
+              <a:avLst/>
+            </a:prstTxWarp>
+          </a:bodyPr>
+          <a:lstStyle/>
+          <a:p>
+            <a:endParaRPr lang="en-US"/>
+          </a:p>
+        </p:txBody>
+      </p:sp>
+      <p:sp>
+        <p:nvSpPr>
+          <p:cNvPr id="2" name="Title 1">
+            <a:extLst>
+              <a:ext uri="{FF2B5EF4-FFF2-40B4-BE49-F238E27FC236}">
+                <a16:creationId xmlns:a16="http://schemas.microsoft.com/office/drawing/2014/main" id="{0B0E3F05-66EA-43AB-B1A9-F30EAC51059D}"/>
+              </a:ext>
+            </a:extLst>
+          </p:cNvPr>
+          <p:cNvSpPr>
+            <a:spLocks noGrp="1"/>
+          </p:cNvSpPr>
+          <p:nvPr>
+            <p:ph type="title"/>
+          </p:nvPr>
+        </p:nvSpPr>
+        <p:spPr>
+          <a:xfrm>
+            <a:off x="958506" y="800392"/>
+            <a:ext cx="10264697" cy="1212102"/>
+          </a:xfrm>
+        </p:spPr>
+        <p:txBody>
+          <a:bodyPr>
+            <a:normAutofit/>
+          </a:bodyPr>
+          <a:lstStyle/>
+          <a:p>
+            <a:r>
+              <a:rPr lang="en-US" sz="4000" b="1" dirty="0">
+                <a:solidFill>
+                  <a:srgbClr val="FFFFFF"/>
+                </a:solidFill>
+              </a:rPr>
+              <a:t>Scripting in Bash</a:t>
+            </a:r>
+            <a:endParaRPr lang="en-US" sz="4000" dirty="0">
+              <a:solidFill>
+                <a:srgbClr val="FFFFFF"/>
+              </a:solidFill>
+            </a:endParaRPr>
+          </a:p>
+        </p:txBody>
+      </p:sp>
+      <p:sp>
+        <p:nvSpPr>
+          <p:cNvPr id="3" name="Content Placeholder 2">
+            <a:extLst>
+              <a:ext uri="{FF2B5EF4-FFF2-40B4-BE49-F238E27FC236}">
+                <a16:creationId xmlns:a16="http://schemas.microsoft.com/office/drawing/2014/main" id="{DBB88942-6618-4B2C-A985-47153DAC76EE}"/>
+              </a:ext>
+            </a:extLst>
+          </p:cNvPr>
+          <p:cNvSpPr>
+            <a:spLocks noGrp="1"/>
+          </p:cNvSpPr>
+          <p:nvPr>
+            <p:ph idx="1"/>
+          </p:nvPr>
+        </p:nvSpPr>
+        <p:spPr>
+          <a:xfrm>
+            <a:off x="1367624" y="2490436"/>
+            <a:ext cx="9708995" cy="3567173"/>
+          </a:xfrm>
+        </p:spPr>
+        <p:txBody>
+          <a:bodyPr anchor="t">
+            <a:normAutofit/>
+          </a:bodyPr>
+          <a:lstStyle/>
+          <a:p>
+            <a:pPr marL="0" indent="0">
+              <a:buNone/>
+            </a:pPr>
+            <a:r>
+              <a:rPr lang="en-US" sz="2400" dirty="0">
+                <a:solidFill>
+                  <a:schemeClr val="tx2"/>
+                </a:solidFill>
+              </a:rPr>
+              <a:t>What is bash, how is it used?</a:t>
+            </a:r>
+          </a:p>
+        </p:txBody>
+      </p:sp>
+    </p:spTree>
+    <p:extLst>
+      <p:ext uri="{BB962C8B-B14F-4D97-AF65-F5344CB8AC3E}">
+        <p14:creationId xmlns:p14="http://schemas.microsoft.com/office/powerpoint/2010/main" val="4172450910"/>
+      </p:ext>
+    </p:extLst>
+  </p:cSld>
+  <p:clrMapOvr>
+    <a:masterClrMapping/>
+  </p:clrMapOvr>
+  <p:timing>
+    <p:tnLst>
+      <p:par>
+        <p:cTn id="1" dur="indefinite" restart="never" nodeType="tmRoot">
+          <p:childTnLst>
+            <p:seq concurrent="1" nextAc="seek">
+              <p:cTn id="2" dur="indefinite" nodeType="mainSeq">
+                <p:childTnLst>
+                  <p:par>
+                    <p:cTn id="3" fill="hold">
+                      <p:stCondLst>
+                        <p:cond delay="indefinite"/>
+                        <p:cond evt="onBegin" delay="0">
+                          <p:tn val="2"/>
+                        </p:cond>
+                      </p:stCondLst>
+                      <p:childTnLst>
+                        <p:par>
+                          <p:cTn id="4" fill="hold">
+                            <p:stCondLst>
+                              <p:cond delay="0"/>
+                            </p:stCondLst>
+                            <p:childTnLst>
+                              <p:par>
+                                <p:cTn id="5" presetID="10" presetClass="entr" presetSubtype="0" fill="hold" grpId="0" nodeType="withEffect">
+                                  <p:stCondLst>
+                                    <p:cond delay="500"/>
+                                  </p:stCondLst>
+                                  <p:iterate type="wd">
+                                    <p:tmPct val="15000"/>
+                                  </p:iterate>
+                                  <p:childTnLst>
+                                    <p:set>
+                                      <p:cBhvr>
+                                        <p:cTn id="6" dur="1" fill="hold">
+                                          <p:stCondLst>
+                                            <p:cond delay="0"/>
+                                          </p:stCondLst>
+                                        </p:cTn>
+                                        <p:tgtEl>
+                                          <p:spTgt spid="2"/>
+                                        </p:tgtEl>
+                                        <p:attrNameLst>
+                                          <p:attrName>style.visibility</p:attrName>
+                                        </p:attrNameLst>
+                                      </p:cBhvr>
+                                      <p:to>
+                                        <p:strVal val="visible"/>
+                                      </p:to>
+                                    </p:set>
+                                    <p:animEffect transition="in" filter="fade">
+                                      <p:cBhvr>
+                                        <p:cTn id="7" dur="1000"/>
+                                        <p:tgtEl>
+                                          <p:spTgt spid="2"/>
+                                        </p:tgtEl>
+                                      </p:cBhvr>
+                                    </p:animEffect>
+                                  </p:childTnLst>
+                                </p:cTn>
+                              </p:par>
+                            </p:childTnLst>
+                          </p:cTn>
+                        </p:par>
+                      </p:childTnLst>
+                    </p:cTn>
+                  </p:par>
+                </p:childTnLst>
+              </p:cTn>
+              <p:prevCondLst>
+                <p:cond evt="onPrev" delay="0">
+                  <p:tgtEl>
+                    <p:sldTgt/>
+                  </p:tgtEl>
+                </p:cond>
+              </p:prevCondLst>
+              <p:nextCondLst>
+                <p:cond evt="onNext" delay="0">
+                  <p:tgtEl>
+                    <p:sldTgt/>
+                  </p:tgtEl>
+                </p:cond>
+              </p:nextCondLst>
+            </p:seq>
+          </p:childTnLst>
+        </p:cTn>
+      </p:par>
+    </p:tnLst>
+    <p:bldLst>
+      <p:bldP spid="2" grpId="0"/>
+    </p:bldLst>
+  </p:timing>
+</p:sld>
+</file>
+
+<file path=ppt/slides/slide11.xml><?xml version="1.0" encoding="utf-8"?>
+<p:sld xmlns:a="http://schemas.openxmlformats.org/drawingml/2006/main" xmlns:r="http://schemas.openxmlformats.org/officeDocument/2006/relationships" xmlns:p="http://schemas.openxmlformats.org/presentationml/2006/main">
+  <p:cSld>
+    <p:bg>
+      <p:bgPr>
+        <a:solidFill>
+          <a:schemeClr val="bg1"/>
+        </a:solidFill>
+        <a:effectLst/>
+      </p:bgPr>
+    </p:bg>
+    <p:spTree>
+      <p:nvGrpSpPr>
+        <p:cNvPr id="1" name=""/>
+        <p:cNvGrpSpPr/>
+        <p:nvPr/>
+      </p:nvGrpSpPr>
+      <p:grpSpPr>
+        <a:xfrm>
+          <a:off x="0" y="0"/>
+          <a:ext cx="0" cy="0"/>
+          <a:chOff x="0" y="0"/>
+          <a:chExt cx="0" cy="0"/>
+        </a:xfrm>
+      </p:grpSpPr>
+      <p:sp>
+        <p:nvSpPr>
+          <p:cNvPr id="2" name="Title 1">
+            <a:extLst>
+              <a:ext uri="{FF2B5EF4-FFF2-40B4-BE49-F238E27FC236}">
+                <a16:creationId xmlns:a16="http://schemas.microsoft.com/office/drawing/2014/main" id="{0B0E3F05-66EA-43AB-B1A9-F30EAC51059D}"/>
+              </a:ext>
+            </a:extLst>
+          </p:cNvPr>
+          <p:cNvSpPr>
+            <a:spLocks noGrp="1"/>
+          </p:cNvSpPr>
+          <p:nvPr>
+            <p:ph type="title"/>
+          </p:nvPr>
+        </p:nvSpPr>
+        <p:spPr>
+          <a:xfrm>
+            <a:off x="1653363" y="365760"/>
+            <a:ext cx="9367203" cy="1188720"/>
+          </a:xfrm>
+        </p:spPr>
+        <p:txBody>
+          <a:bodyPr>
+            <a:normAutofit/>
+          </a:bodyPr>
+          <a:lstStyle/>
+          <a:p>
+            <a:r>
+              <a:rPr lang="en-US" b="1" dirty="0">
+                <a:solidFill>
+                  <a:schemeClr val="tx2"/>
+                </a:solidFill>
+              </a:rPr>
+              <a:t>Example Bash Script</a:t>
+            </a:r>
+            <a:endParaRPr lang="en-US" dirty="0"/>
+          </a:p>
+        </p:txBody>
+      </p:sp>
+      <p:sp>
+        <p:nvSpPr>
+          <p:cNvPr id="8" name="Freeform: Shape 7">
+            <a:extLst>
+              <a:ext uri="{FF2B5EF4-FFF2-40B4-BE49-F238E27FC236}">
+                <a16:creationId xmlns:a16="http://schemas.microsoft.com/office/drawing/2014/main" id="{7CB4857B-ED7C-444D-9F04-2F885114A1C2}"/>
+              </a:ext>
+              <a:ext uri="{C183D7F6-B498-43B3-948B-1728B52AA6E4}">
+                <adec:decorative xmlns:adec="http://schemas.microsoft.com/office/drawing/2017/decorative" val="1"/>
+              </a:ext>
+            </a:extLst>
+          </p:cNvPr>
+          <p:cNvSpPr>
+            <a:spLocks noGrp="1" noRot="1" noChangeAspect="1" noMove="1" noResize="1" noEditPoints="1" noAdjustHandles="1" noChangeArrowheads="1" noChangeShapeType="1" noTextEdit="1"/>
+          </p:cNvSpPr>
+          <p:nvPr>
+            <p:extLst>
+              <p:ext uri="{386F3935-93C4-4BCD-93E2-E3B085C9AB24}">
+                <p16:designElem xmlns:p16="http://schemas.microsoft.com/office/powerpoint/2015/main" val="1"/>
+              </p:ext>
+            </p:extLst>
+          </p:nvPr>
+        </p:nvSpPr>
+        <p:spPr>
+          <a:xfrm>
+            <a:off x="1" y="0"/>
+            <a:ext cx="1764099" cy="1558212"/>
+          </a:xfrm>
+          <a:custGeom>
+            <a:avLst/>
+            <a:gdLst>
+              <a:gd name="connsiteX0" fmla="*/ 0 w 1764099"/>
+              <a:gd name="connsiteY0" fmla="*/ 0 h 1558212"/>
+              <a:gd name="connsiteX1" fmla="*/ 1764099 w 1764099"/>
+              <a:gd name="connsiteY1" fmla="*/ 0 h 1558212"/>
+              <a:gd name="connsiteX2" fmla="*/ 1042087 w 1764099"/>
+              <a:gd name="connsiteY2" fmla="*/ 1558212 h 1558212"/>
+              <a:gd name="connsiteX3" fmla="*/ 0 w 1764099"/>
+              <a:gd name="connsiteY3" fmla="*/ 1558212 h 1558212"/>
+            </a:gdLst>
+            <a:ahLst/>
+            <a:cxnLst>
+              <a:cxn ang="0">
+                <a:pos x="connsiteX0" y="connsiteY0"/>
+              </a:cxn>
+              <a:cxn ang="0">
+                <a:pos x="connsiteX1" y="connsiteY1"/>
+              </a:cxn>
+              <a:cxn ang="0">
+                <a:pos x="connsiteX2" y="connsiteY2"/>
+              </a:cxn>
+              <a:cxn ang="0">
+                <a:pos x="connsiteX3" y="connsiteY3"/>
+              </a:cxn>
+            </a:cxnLst>
+            <a:rect l="l" t="t" r="r" b="b"/>
+            <a:pathLst>
+              <a:path w="1764099" h="1558212">
+                <a:moveTo>
+                  <a:pt x="0" y="0"/>
+                </a:moveTo>
+                <a:lnTo>
+                  <a:pt x="1764099" y="0"/>
+                </a:lnTo>
+                <a:lnTo>
+                  <a:pt x="1042087" y="1558212"/>
+                </a:lnTo>
+                <a:lnTo>
+                  <a:pt x="0" y="1558212"/>
+                </a:lnTo>
+                <a:close/>
+              </a:path>
+            </a:pathLst>
+          </a:custGeom>
+          <a:solidFill>
+            <a:schemeClr val="accent1">
+              <a:lumMod val="100000"/>
+              <a:lumOff val="0"/>
+            </a:schemeClr>
+          </a:solidFill>
+          <a:ln>
+            <a:noFill/>
+          </a:ln>
+        </p:spPr>
+        <p:style>
+          <a:lnRef idx="2">
+            <a:schemeClr val="accent1">
+              <a:shade val="50000"/>
+            </a:schemeClr>
+          </a:lnRef>
+          <a:fillRef idx="1">
+            <a:schemeClr val="accent1"/>
+          </a:fillRef>
+          <a:effectRef idx="0">
+            <a:schemeClr val="accent1"/>
+          </a:effectRef>
+          <a:fontRef idx="minor">
+            <a:schemeClr val="lt1"/>
+          </a:fontRef>
+        </p:style>
+        <p:txBody>
+          <a:bodyPr wrap="square" rtlCol="0" anchor="ctr">
+            <a:noAutofit/>
+          </a:bodyPr>
+          <a:lstStyle/>
+          <a:p>
+            <a:pPr algn="ctr"/>
+            <a:endParaRPr lang="en-US"/>
+          </a:p>
+        </p:txBody>
+      </p:sp>
+      <p:sp>
+        <p:nvSpPr>
+          <p:cNvPr id="12" name="Freeform: Shape 11">
+            <a:extLst>
+              <a:ext uri="{FF2B5EF4-FFF2-40B4-BE49-F238E27FC236}">
+                <a16:creationId xmlns:a16="http://schemas.microsoft.com/office/drawing/2014/main" id="{479F5F2B-8B58-4140-AE6A-51F6C67B18D9}"/>
+              </a:ext>
+              <a:ext uri="{C183D7F6-B498-43B3-948B-1728B52AA6E4}">
+                <adec:decorative xmlns:adec="http://schemas.microsoft.com/office/drawing/2017/decorative" val="1"/>
+              </a:ext>
+            </a:extLst>
+          </p:cNvPr>
+          <p:cNvSpPr>
+            <a:spLocks noGrp="1" noRot="1" noChangeAspect="1" noMove="1" noResize="1" noEditPoints="1" noAdjustHandles="1" noChangeArrowheads="1" noChangeShapeType="1" noTextEdit="1"/>
+          </p:cNvSpPr>
+          <p:nvPr>
+            <p:extLst>
+              <p:ext uri="{386F3935-93C4-4BCD-93E2-E3B085C9AB24}">
+                <p16:designElem xmlns:p16="http://schemas.microsoft.com/office/powerpoint/2015/main" val="1"/>
+              </p:ext>
+            </p:extLst>
+          </p:nvPr>
+        </p:nvSpPr>
+        <p:spPr>
+          <a:xfrm>
+            <a:off x="0" y="1691641"/>
+            <a:ext cx="971654" cy="2096979"/>
+          </a:xfrm>
+          <a:custGeom>
+            <a:avLst/>
+            <a:gdLst>
+              <a:gd name="connsiteX0" fmla="*/ 0 w 971654"/>
+              <a:gd name="connsiteY0" fmla="*/ 0 h 2096979"/>
+              <a:gd name="connsiteX1" fmla="*/ 971654 w 971654"/>
+              <a:gd name="connsiteY1" fmla="*/ 0 h 2096979"/>
+              <a:gd name="connsiteX2" fmla="*/ 0 w 971654"/>
+              <a:gd name="connsiteY2" fmla="*/ 2096979 h 2096979"/>
+            </a:gdLst>
+            <a:ahLst/>
+            <a:cxnLst>
+              <a:cxn ang="0">
+                <a:pos x="connsiteX0" y="connsiteY0"/>
+              </a:cxn>
+              <a:cxn ang="0">
+                <a:pos x="connsiteX1" y="connsiteY1"/>
+              </a:cxn>
+              <a:cxn ang="0">
+                <a:pos x="connsiteX2" y="connsiteY2"/>
+              </a:cxn>
+            </a:cxnLst>
+            <a:rect l="l" t="t" r="r" b="b"/>
+            <a:pathLst>
+              <a:path w="971654" h="2096979">
+                <a:moveTo>
+                  <a:pt x="0" y="0"/>
+                </a:moveTo>
+                <a:lnTo>
+                  <a:pt x="971654" y="0"/>
+                </a:lnTo>
+                <a:lnTo>
+                  <a:pt x="0" y="2096979"/>
+                </a:lnTo>
+                <a:close/>
+              </a:path>
+            </a:pathLst>
+          </a:custGeom>
+          <a:solidFill>
+            <a:srgbClr val="404040"/>
+          </a:solidFill>
+          <a:ln>
+            <a:noFill/>
+          </a:ln>
+        </p:spPr>
+        <p:style>
+          <a:lnRef idx="2">
+            <a:schemeClr val="accent1">
+              <a:shade val="50000"/>
+            </a:schemeClr>
+          </a:lnRef>
+          <a:fillRef idx="1">
+            <a:schemeClr val="accent1"/>
+          </a:fillRef>
+          <a:effectRef idx="0">
+            <a:schemeClr val="accent1"/>
+          </a:effectRef>
+          <a:fontRef idx="minor">
+            <a:schemeClr val="lt1"/>
+          </a:fontRef>
+        </p:style>
+        <p:txBody>
+          <a:bodyPr wrap="square" rtlCol="0" anchor="ctr">
+            <a:noAutofit/>
+          </a:bodyPr>
+          <a:lstStyle/>
+          <a:p>
+            <a:pPr algn="ctr"/>
+            <a:endParaRPr lang="en-US"/>
+          </a:p>
+        </p:txBody>
+      </p:sp>
+      <p:sp>
+        <p:nvSpPr>
+          <p:cNvPr id="3" name="Content Placeholder 2">
+            <a:extLst>
+              <a:ext uri="{FF2B5EF4-FFF2-40B4-BE49-F238E27FC236}">
+                <a16:creationId xmlns:a16="http://schemas.microsoft.com/office/drawing/2014/main" id="{DBB88942-6618-4B2C-A985-47153DAC76EE}"/>
+              </a:ext>
+            </a:extLst>
+          </p:cNvPr>
+          <p:cNvSpPr>
+            <a:spLocks noGrp="1"/>
+          </p:cNvSpPr>
+          <p:nvPr>
+            <p:ph idx="1"/>
+          </p:nvPr>
+        </p:nvSpPr>
+        <p:spPr>
+          <a:xfrm>
+            <a:off x="1653363" y="1920240"/>
+            <a:ext cx="9367204" cy="4297680"/>
+          </a:xfrm>
+        </p:spPr>
+        <p:txBody>
+          <a:bodyPr anchor="t">
+            <a:normAutofit/>
+          </a:bodyPr>
+          <a:lstStyle/>
+          <a:p>
+            <a:pPr marL="0" indent="0">
+              <a:buNone/>
+            </a:pPr>
+            <a:r>
+              <a:rPr lang="en-US" sz="2400" dirty="0">
+                <a:solidFill>
+                  <a:schemeClr val="tx2"/>
+                </a:solidFill>
+              </a:rPr>
+              <a:t>Cool Examples</a:t>
+            </a:r>
+          </a:p>
+        </p:txBody>
+      </p:sp>
+    </p:spTree>
+    <p:extLst>
+      <p:ext uri="{BB962C8B-B14F-4D97-AF65-F5344CB8AC3E}">
+        <p14:creationId xmlns:p14="http://schemas.microsoft.com/office/powerpoint/2010/main" val="2048676250"/>
+      </p:ext>
+    </p:extLst>
+  </p:cSld>
+  <p:clrMapOvr>
+    <a:masterClrMapping/>
+  </p:clrMapOvr>
+</p:sld>
+</file>
+
+<file path=ppt/slides/slide12.xml><?xml version="1.0" encoding="utf-8"?>
+<p:sld xmlns:a="http://schemas.openxmlformats.org/drawingml/2006/main" xmlns:r="http://schemas.openxmlformats.org/officeDocument/2006/relationships" xmlns:p="http://schemas.openxmlformats.org/presentationml/2006/main">
+  <p:cSld>
+    <p:bg>
+      <p:bgPr>
+        <a:solidFill>
+          <a:schemeClr val="bg1"/>
+        </a:solidFill>
+        <a:effectLst/>
+      </p:bgPr>
+    </p:bg>
+    <p:spTree>
+      <p:nvGrpSpPr>
+        <p:cNvPr id="1" name=""/>
+        <p:cNvGrpSpPr/>
+        <p:nvPr/>
+      </p:nvGrpSpPr>
+      <p:grpSpPr>
+        <a:xfrm>
+          <a:off x="0" y="0"/>
+          <a:ext cx="0" cy="0"/>
+          <a:chOff x="0" y="0"/>
+          <a:chExt cx="0" cy="0"/>
+        </a:xfrm>
+      </p:grpSpPr>
+      <p:sp useBgFill="1">
+        <p:nvSpPr>
+          <p:cNvPr id="44" name="Rectangle 43">
+            <a:extLst>
+              <a:ext uri="{FF2B5EF4-FFF2-40B4-BE49-F238E27FC236}">
+                <a16:creationId xmlns:a16="http://schemas.microsoft.com/office/drawing/2014/main" id="{3E443FD7-A66B-4AA0-872D-B088B9BC5F17}"/>
+              </a:ext>
+              <a:ext uri="{C183D7F6-B498-43B3-948B-1728B52AA6E4}">
+                <adec:decorative xmlns:adec="http://schemas.microsoft.com/office/drawing/2017/decorative" val="1"/>
+              </a:ext>
+            </a:extLst>
+          </p:cNvPr>
+          <p:cNvSpPr>
+            <a:spLocks noGrp="1" noRot="1" noChangeAspect="1" noMove="1" noResize="1" noEditPoints="1" noAdjustHandles="1" noChangeArrowheads="1" noChangeShapeType="1" noTextEdit="1"/>
+          </p:cNvSpPr>
+          <p:nvPr>
+            <p:extLst>
+              <p:ext uri="{386F3935-93C4-4BCD-93E2-E3B085C9AB24}">
+                <p16:designElem xmlns:p16="http://schemas.microsoft.com/office/powerpoint/2015/main" val="1"/>
+              </p:ext>
+            </p:extLst>
+          </p:nvPr>
+        </p:nvSpPr>
+        <p:spPr>
+          <a:xfrm>
+            <a:off x="0" y="0"/>
+            <a:ext cx="12192000" cy="6858000"/>
+          </a:xfrm>
+          <a:prstGeom prst="rect">
+            <a:avLst/>
+          </a:prstGeom>
+          <a:ln>
+            <a:noFill/>
+          </a:ln>
+        </p:spPr>
+        <p:style>
+          <a:lnRef idx="2">
+            <a:schemeClr val="accent1">
+              <a:shade val="50000"/>
+            </a:schemeClr>
+          </a:lnRef>
+          <a:fillRef idx="1">
+            <a:schemeClr val="accent1"/>
+          </a:fillRef>
+          <a:effectRef idx="0">
+            <a:schemeClr val="accent1"/>
+          </a:effectRef>
+          <a:fontRef idx="minor">
+            <a:schemeClr val="lt1"/>
+          </a:fontRef>
+        </p:style>
+        <p:txBody>
+          <a:bodyPr rtlCol="0" anchor="ctr"/>
+          <a:lstStyle/>
+          <a:p>
+            <a:pPr algn="ctr"/>
+            <a:endParaRPr lang="en-US"/>
+          </a:p>
+        </p:txBody>
+      </p:sp>
+      <p:sp>
+        <p:nvSpPr>
+          <p:cNvPr id="2" name="Title 1">
+            <a:extLst>
+              <a:ext uri="{FF2B5EF4-FFF2-40B4-BE49-F238E27FC236}">
+                <a16:creationId xmlns:a16="http://schemas.microsoft.com/office/drawing/2014/main" id="{0B0E3F05-66EA-43AB-B1A9-F30EAC51059D}"/>
+              </a:ext>
+            </a:extLst>
+          </p:cNvPr>
+          <p:cNvSpPr>
+            <a:spLocks noGrp="1"/>
+          </p:cNvSpPr>
+          <p:nvPr>
+            <p:ph type="title"/>
+          </p:nvPr>
+        </p:nvSpPr>
+        <p:spPr>
+          <a:xfrm>
+            <a:off x="1094095" y="851517"/>
+            <a:ext cx="5238466" cy="2991416"/>
+          </a:xfrm>
+        </p:spPr>
+        <p:txBody>
+          <a:bodyPr vert="horz" lIns="91440" tIns="45720" rIns="91440" bIns="45720" rtlCol="0" anchor="b">
+            <a:normAutofit/>
+          </a:bodyPr>
+          <a:lstStyle/>
+          <a:p>
+            <a:r>
+              <a:rPr lang="en-US" sz="6000" b="1" dirty="0">
+                <a:solidFill>
+                  <a:schemeClr val="tx2"/>
+                </a:solidFill>
+              </a:rPr>
+              <a:t>Live Demo</a:t>
+            </a:r>
+            <a:endParaRPr lang="en-US" sz="6000" kern="1200" dirty="0">
+              <a:solidFill>
+                <a:schemeClr val="tx1"/>
+              </a:solidFill>
+              <a:latin typeface="+mj-lt"/>
+              <a:ea typeface="+mj-ea"/>
+              <a:cs typeface="+mj-cs"/>
+            </a:endParaRPr>
+          </a:p>
+        </p:txBody>
+      </p:sp>
+      <p:sp>
+        <p:nvSpPr>
+          <p:cNvPr id="46" name="Freeform: Shape 45">
+            <a:extLst>
+              <a:ext uri="{FF2B5EF4-FFF2-40B4-BE49-F238E27FC236}">
+                <a16:creationId xmlns:a16="http://schemas.microsoft.com/office/drawing/2014/main" id="{C04BE0EF-3561-49B4-9A29-F283168A91C7}"/>
+              </a:ext>
+              <a:ext uri="{C183D7F6-B498-43B3-948B-1728B52AA6E4}">
+                <adec:decorative xmlns:adec="http://schemas.microsoft.com/office/drawing/2017/decorative" val="1"/>
+              </a:ext>
+            </a:extLst>
+          </p:cNvPr>
+          <p:cNvSpPr>
+            <a:spLocks noGrp="1" noRot="1" noChangeAspect="1" noMove="1" noResize="1" noEditPoints="1" noAdjustHandles="1" noChangeArrowheads="1" noChangeShapeType="1" noTextEdit="1"/>
+          </p:cNvSpPr>
+          <p:nvPr>
+            <p:extLst>
+              <p:ext uri="{386F3935-93C4-4BCD-93E2-E3B085C9AB24}">
+                <p16:designElem xmlns:p16="http://schemas.microsoft.com/office/powerpoint/2015/main" val="1"/>
+              </p:ext>
+            </p:extLst>
+          </p:nvPr>
+        </p:nvSpPr>
+        <p:spPr>
+          <a:xfrm>
+            <a:off x="5510370" y="851518"/>
+            <a:ext cx="6184806" cy="5154967"/>
+          </a:xfrm>
+          <a:custGeom>
+            <a:avLst/>
+            <a:gdLst>
+              <a:gd name="connsiteX0" fmla="*/ 363179 w 6184806"/>
+              <a:gd name="connsiteY0" fmla="*/ 3125191 h 5154967"/>
+              <a:gd name="connsiteX1" fmla="*/ 898270 w 6184806"/>
+              <a:gd name="connsiteY1" fmla="*/ 3125191 h 5154967"/>
+              <a:gd name="connsiteX2" fmla="*/ 980326 w 6184806"/>
+              <a:gd name="connsiteY2" fmla="*/ 3173551 h 5154967"/>
+              <a:gd name="connsiteX3" fmla="*/ 1248448 w 6184806"/>
+              <a:gd name="connsiteY3" fmla="*/ 3635277 h 5154967"/>
+              <a:gd name="connsiteX4" fmla="*/ 1248448 w 6184806"/>
+              <a:gd name="connsiteY4" fmla="*/ 3729695 h 5154967"/>
+              <a:gd name="connsiteX5" fmla="*/ 980326 w 6184806"/>
+              <a:gd name="connsiteY5" fmla="*/ 4191421 h 5154967"/>
+              <a:gd name="connsiteX6" fmla="*/ 898270 w 6184806"/>
+              <a:gd name="connsiteY6" fmla="*/ 4239781 h 5154967"/>
+              <a:gd name="connsiteX7" fmla="*/ 363179 w 6184806"/>
+              <a:gd name="connsiteY7" fmla="*/ 4239781 h 5154967"/>
+              <a:gd name="connsiteX8" fmla="*/ 279969 w 6184806"/>
+              <a:gd name="connsiteY8" fmla="*/ 4191421 h 5154967"/>
+              <a:gd name="connsiteX9" fmla="*/ 13002 w 6184806"/>
+              <a:gd name="connsiteY9" fmla="*/ 3729695 h 5154967"/>
+              <a:gd name="connsiteX10" fmla="*/ 13002 w 6184806"/>
+              <a:gd name="connsiteY10" fmla="*/ 3635277 h 5154967"/>
+              <a:gd name="connsiteX11" fmla="*/ 279969 w 6184806"/>
+              <a:gd name="connsiteY11" fmla="*/ 3173551 h 5154967"/>
+              <a:gd name="connsiteX12" fmla="*/ 363179 w 6184806"/>
+              <a:gd name="connsiteY12" fmla="*/ 3125191 h 5154967"/>
+              <a:gd name="connsiteX13" fmla="*/ 2489721 w 6184806"/>
+              <a:gd name="connsiteY13" fmla="*/ 570035 h 5154967"/>
+              <a:gd name="connsiteX14" fmla="*/ 2764862 w 6184806"/>
+              <a:gd name="connsiteY14" fmla="*/ 570035 h 5154967"/>
+              <a:gd name="connsiteX15" fmla="*/ 2796959 w 6184806"/>
+              <a:gd name="connsiteY15" fmla="*/ 570035 h 5154967"/>
+              <a:gd name="connsiteX16" fmla="*/ 2827587 w 6184806"/>
+              <a:gd name="connsiteY16" fmla="*/ 622777 h 5154967"/>
+              <a:gd name="connsiteX17" fmla="*/ 2977604 w 6184806"/>
+              <a:gd name="connsiteY17" fmla="*/ 881117 h 5154967"/>
+              <a:gd name="connsiteX18" fmla="*/ 2977604 w 6184806"/>
+              <a:gd name="connsiteY18" fmla="*/ 1025720 h 5154967"/>
+              <a:gd name="connsiteX19" fmla="*/ 2566968 w 6184806"/>
+              <a:gd name="connsiteY19" fmla="*/ 1732863 h 5154967"/>
+              <a:gd name="connsiteX20" fmla="*/ 2441299 w 6184806"/>
+              <a:gd name="connsiteY20" fmla="*/ 1806927 h 5154967"/>
+              <a:gd name="connsiteX21" fmla="*/ 1621798 w 6184806"/>
+              <a:gd name="connsiteY21" fmla="*/ 1806927 h 5154967"/>
+              <a:gd name="connsiteX22" fmla="*/ 1583218 w 6184806"/>
+              <a:gd name="connsiteY22" fmla="*/ 1801802 h 5154967"/>
+              <a:gd name="connsiteX23" fmla="*/ 1556683 w 6184806"/>
+              <a:gd name="connsiteY23" fmla="*/ 1790677 h 5154967"/>
+              <a:gd name="connsiteX24" fmla="*/ 1572899 w 6184806"/>
+              <a:gd name="connsiteY24" fmla="*/ 1762630 h 5154967"/>
+              <a:gd name="connsiteX25" fmla="*/ 2147429 w 6184806"/>
+              <a:gd name="connsiteY25" fmla="*/ 768968 h 5154967"/>
+              <a:gd name="connsiteX26" fmla="*/ 2489721 w 6184806"/>
+              <a:gd name="connsiteY26" fmla="*/ 570035 h 5154967"/>
+              <a:gd name="connsiteX27" fmla="*/ 1573268 w 6184806"/>
+              <a:gd name="connsiteY27" fmla="*/ 0 h 5154967"/>
+              <a:gd name="connsiteX28" fmla="*/ 2497662 w 6184806"/>
+              <a:gd name="connsiteY28" fmla="*/ 0 h 5154967"/>
+              <a:gd name="connsiteX29" fmla="*/ 2639415 w 6184806"/>
+              <a:gd name="connsiteY29" fmla="*/ 83546 h 5154967"/>
+              <a:gd name="connsiteX30" fmla="*/ 2887862 w 6184806"/>
+              <a:gd name="connsiteY30" fmla="*/ 511387 h 5154967"/>
+              <a:gd name="connsiteX31" fmla="*/ 2915928 w 6184806"/>
+              <a:gd name="connsiteY31" fmla="*/ 559720 h 5154967"/>
+              <a:gd name="connsiteX32" fmla="*/ 2893844 w 6184806"/>
+              <a:gd name="connsiteY32" fmla="*/ 559720 h 5154967"/>
+              <a:gd name="connsiteX33" fmla="*/ 2789466 w 6184806"/>
+              <a:gd name="connsiteY33" fmla="*/ 559720 h 5154967"/>
+              <a:gd name="connsiteX34" fmla="*/ 2744122 w 6184806"/>
+              <a:gd name="connsiteY34" fmla="*/ 481634 h 5154967"/>
+              <a:gd name="connsiteX35" fmla="*/ 2570885 w 6184806"/>
+              <a:gd name="connsiteY35" fmla="*/ 183309 h 5154967"/>
+              <a:gd name="connsiteX36" fmla="*/ 2445216 w 6184806"/>
+              <a:gd name="connsiteY36" fmla="*/ 109243 h 5154967"/>
+              <a:gd name="connsiteX37" fmla="*/ 1625714 w 6184806"/>
+              <a:gd name="connsiteY37" fmla="*/ 109243 h 5154967"/>
+              <a:gd name="connsiteX38" fmla="*/ 1498276 w 6184806"/>
+              <a:gd name="connsiteY38" fmla="*/ 183309 h 5154967"/>
+              <a:gd name="connsiteX39" fmla="*/ 1089410 w 6184806"/>
+              <a:gd name="connsiteY39" fmla="*/ 890450 h 5154967"/>
+              <a:gd name="connsiteX40" fmla="*/ 1089410 w 6184806"/>
+              <a:gd name="connsiteY40" fmla="*/ 1035054 h 5154967"/>
+              <a:gd name="connsiteX41" fmla="*/ 1498276 w 6184806"/>
+              <a:gd name="connsiteY41" fmla="*/ 1742196 h 5154967"/>
+              <a:gd name="connsiteX42" fmla="*/ 1552039 w 6184806"/>
+              <a:gd name="connsiteY42" fmla="*/ 1796422 h 5154967"/>
+              <a:gd name="connsiteX43" fmla="*/ 1558260 w 6184806"/>
+              <a:gd name="connsiteY43" fmla="*/ 1799029 h 5154967"/>
+              <a:gd name="connsiteX44" fmla="*/ 1524911 w 6184806"/>
+              <a:gd name="connsiteY44" fmla="*/ 1856707 h 5154967"/>
+              <a:gd name="connsiteX45" fmla="*/ 1500108 w 6184806"/>
+              <a:gd name="connsiteY45" fmla="*/ 1899604 h 5154967"/>
+              <a:gd name="connsiteX46" fmla="*/ 1525834 w 6184806"/>
+              <a:gd name="connsiteY46" fmla="*/ 1910390 h 5154967"/>
+              <a:gd name="connsiteX47" fmla="*/ 1569352 w 6184806"/>
+              <a:gd name="connsiteY47" fmla="*/ 1916170 h 5154967"/>
+              <a:gd name="connsiteX48" fmla="*/ 2493745 w 6184806"/>
+              <a:gd name="connsiteY48" fmla="*/ 1916170 h 5154967"/>
+              <a:gd name="connsiteX49" fmla="*/ 2635498 w 6184806"/>
+              <a:gd name="connsiteY49" fmla="*/ 1832627 h 5154967"/>
+              <a:gd name="connsiteX50" fmla="*/ 3098693 w 6184806"/>
+              <a:gd name="connsiteY50" fmla="*/ 1034974 h 5154967"/>
+              <a:gd name="connsiteX51" fmla="*/ 3098693 w 6184806"/>
+              <a:gd name="connsiteY51" fmla="*/ 871863 h 5154967"/>
+              <a:gd name="connsiteX52" fmla="*/ 2945803 w 6184806"/>
+              <a:gd name="connsiteY52" fmla="*/ 608576 h 5154967"/>
+              <a:gd name="connsiteX53" fmla="*/ 2923422 w 6184806"/>
+              <a:gd name="connsiteY53" fmla="*/ 570035 h 5154967"/>
+              <a:gd name="connsiteX54" fmla="*/ 3027104 w 6184806"/>
+              <a:gd name="connsiteY54" fmla="*/ 570035 h 5154967"/>
+              <a:gd name="connsiteX55" fmla="*/ 4690846 w 6184806"/>
+              <a:gd name="connsiteY55" fmla="*/ 570035 h 5154967"/>
+              <a:gd name="connsiteX56" fmla="*/ 5028384 w 6184806"/>
+              <a:gd name="connsiteY56" fmla="*/ 768968 h 5154967"/>
+              <a:gd name="connsiteX57" fmla="*/ 6131323 w 6184806"/>
+              <a:gd name="connsiteY57" fmla="*/ 2668304 h 5154967"/>
+              <a:gd name="connsiteX58" fmla="*/ 6131323 w 6184806"/>
+              <a:gd name="connsiteY58" fmla="*/ 3056698 h 5154967"/>
+              <a:gd name="connsiteX59" fmla="*/ 5028384 w 6184806"/>
+              <a:gd name="connsiteY59" fmla="*/ 4956035 h 5154967"/>
+              <a:gd name="connsiteX60" fmla="*/ 4690846 w 6184806"/>
+              <a:gd name="connsiteY60" fmla="*/ 5154967 h 5154967"/>
+              <a:gd name="connsiteX61" fmla="*/ 2489721 w 6184806"/>
+              <a:gd name="connsiteY61" fmla="*/ 5154967 h 5154967"/>
+              <a:gd name="connsiteX62" fmla="*/ 2147429 w 6184806"/>
+              <a:gd name="connsiteY62" fmla="*/ 4956035 h 5154967"/>
+              <a:gd name="connsiteX63" fmla="*/ 1049243 w 6184806"/>
+              <a:gd name="connsiteY63" fmla="*/ 3056698 h 5154967"/>
+              <a:gd name="connsiteX64" fmla="*/ 1049243 w 6184806"/>
+              <a:gd name="connsiteY64" fmla="*/ 2668304 h 5154967"/>
+              <a:gd name="connsiteX65" fmla="*/ 1457007 w 6184806"/>
+              <a:gd name="connsiteY65" fmla="*/ 1963067 h 5154967"/>
+              <a:gd name="connsiteX66" fmla="*/ 1491373 w 6184806"/>
+              <a:gd name="connsiteY66" fmla="*/ 1903634 h 5154967"/>
+              <a:gd name="connsiteX67" fmla="*/ 1490164 w 6184806"/>
+              <a:gd name="connsiteY67" fmla="*/ 1903127 h 5154967"/>
+              <a:gd name="connsiteX68" fmla="*/ 1429519 w 6184806"/>
+              <a:gd name="connsiteY68" fmla="*/ 1841960 h 5154967"/>
+              <a:gd name="connsiteX69" fmla="*/ 968320 w 6184806"/>
+              <a:gd name="connsiteY69" fmla="*/ 1044307 h 5154967"/>
+              <a:gd name="connsiteX70" fmla="*/ 968320 w 6184806"/>
+              <a:gd name="connsiteY70" fmla="*/ 881196 h 5154967"/>
+              <a:gd name="connsiteX71" fmla="*/ 1429519 w 6184806"/>
+              <a:gd name="connsiteY71" fmla="*/ 83546 h 5154967"/>
+              <a:gd name="connsiteX72" fmla="*/ 1573268 w 6184806"/>
+              <a:gd name="connsiteY72" fmla="*/ 0 h 5154967"/>
+            </a:gdLst>
+            <a:ahLst/>
+            <a:cxnLst>
+              <a:cxn ang="0">
+                <a:pos x="connsiteX0" y="connsiteY0"/>
+              </a:cxn>
+              <a:cxn ang="0">
+                <a:pos x="connsiteX1" y="connsiteY1"/>
+              </a:cxn>
+              <a:cxn ang="0">
+                <a:pos x="connsiteX2" y="connsiteY2"/>
+              </a:cxn>
+              <a:cxn ang="0">
+                <a:pos x="connsiteX3" y="connsiteY3"/>
+              </a:cxn>
+              <a:cxn ang="0">
+                <a:pos x="connsiteX4" y="connsiteY4"/>
+              </a:cxn>
+              <a:cxn ang="0">
+                <a:pos x="connsiteX5" y="connsiteY5"/>
+              </a:cxn>
+              <a:cxn ang="0">
+                <a:pos x="connsiteX6" y="connsiteY6"/>
+              </a:cxn>
+              <a:cxn ang="0">
+                <a:pos x="connsiteX7" y="connsiteY7"/>
+              </a:cxn>
+              <a:cxn ang="0">
+                <a:pos x="connsiteX8" y="connsiteY8"/>
+              </a:cxn>
+              <a:cxn ang="0">
+                <a:pos x="connsiteX9" y="connsiteY9"/>
+              </a:cxn>
+              <a:cxn ang="0">
+                <a:pos x="connsiteX10" y="connsiteY10"/>
+              </a:cxn>
+              <a:cxn ang="0">
+                <a:pos x="connsiteX11" y="connsiteY11"/>
+              </a:cxn>
+              <a:cxn ang="0">
+                <a:pos x="connsiteX12" y="connsiteY12"/>
+              </a:cxn>
+              <a:cxn ang="0">
+                <a:pos x="connsiteX13" y="connsiteY13"/>
+              </a:cxn>
+              <a:cxn ang="0">
+                <a:pos x="connsiteX14" y="connsiteY14"/>
+              </a:cxn>
+              <a:cxn ang="0">
+                <a:pos x="connsiteX15" y="connsiteY15"/>
+              </a:cxn>
+              <a:cxn ang="0">
+                <a:pos x="connsiteX16" y="connsiteY16"/>
+              </a:cxn>
+              <a:cxn ang="0">
+                <a:pos x="connsiteX17" y="connsiteY17"/>
+              </a:cxn>
+              <a:cxn ang="0">
+                <a:pos x="connsiteX18" y="connsiteY18"/>
+              </a:cxn>
+              <a:cxn ang="0">
+                <a:pos x="connsiteX19" y="connsiteY19"/>
+              </a:cxn>
+              <a:cxn ang="0">
+                <a:pos x="connsiteX20" y="connsiteY20"/>
+              </a:cxn>
+              <a:cxn ang="0">
+                <a:pos x="connsiteX21" y="connsiteY21"/>
+              </a:cxn>
+              <a:cxn ang="0">
+                <a:pos x="connsiteX22" y="connsiteY22"/>
+              </a:cxn>
+              <a:cxn ang="0">
+                <a:pos x="connsiteX23" y="connsiteY23"/>
+              </a:cxn>
+              <a:cxn ang="0">
+                <a:pos x="connsiteX24" y="connsiteY24"/>
+              </a:cxn>
+              <a:cxn ang="0">
+                <a:pos x="connsiteX25" y="connsiteY25"/>
+              </a:cxn>
+              <a:cxn ang="0">
+                <a:pos x="connsiteX26" y="connsiteY26"/>
+              </a:cxn>
+              <a:cxn ang="0">
+                <a:pos x="connsiteX27" y="connsiteY27"/>
+              </a:cxn>
+              <a:cxn ang="0">
+                <a:pos x="connsiteX28" y="connsiteY28"/>
+              </a:cxn>
+              <a:cxn ang="0">
+                <a:pos x="connsiteX29" y="connsiteY29"/>
+              </a:cxn>
+              <a:cxn ang="0">
+                <a:pos x="connsiteX30" y="connsiteY30"/>
+              </a:cxn>
+              <a:cxn ang="0">
+                <a:pos x="connsiteX31" y="connsiteY31"/>
+              </a:cxn>
+              <a:cxn ang="0">
+                <a:pos x="connsiteX32" y="connsiteY32"/>
+              </a:cxn>
+              <a:cxn ang="0">
+                <a:pos x="connsiteX33" y="connsiteY33"/>
+              </a:cxn>
+              <a:cxn ang="0">
+                <a:pos x="connsiteX34" y="connsiteY34"/>
+              </a:cxn>
+              <a:cxn ang="0">
+                <a:pos x="connsiteX35" y="connsiteY35"/>
+              </a:cxn>
+              <a:cxn ang="0">
+                <a:pos x="connsiteX36" y="connsiteY36"/>
+              </a:cxn>
+              <a:cxn ang="0">
+                <a:pos x="connsiteX37" y="connsiteY37"/>
+              </a:cxn>
+              <a:cxn ang="0">
+                <a:pos x="connsiteX38" y="connsiteY38"/>
+              </a:cxn>
+              <a:cxn ang="0">
+                <a:pos x="connsiteX39" y="connsiteY39"/>
+              </a:cxn>
+              <a:cxn ang="0">
+                <a:pos x="connsiteX40" y="connsiteY40"/>
+              </a:cxn>
+              <a:cxn ang="0">
+                <a:pos x="connsiteX41" y="connsiteY41"/>
+              </a:cxn>
+              <a:cxn ang="0">
+                <a:pos x="connsiteX42" y="connsiteY42"/>
+              </a:cxn>
+              <a:cxn ang="0">
+                <a:pos x="connsiteX43" y="connsiteY43"/>
+              </a:cxn>
+              <a:cxn ang="0">
+                <a:pos x="connsiteX44" y="connsiteY44"/>
+              </a:cxn>
+              <a:cxn ang="0">
+                <a:pos x="connsiteX45" y="connsiteY45"/>
+              </a:cxn>
+              <a:cxn ang="0">
+                <a:pos x="connsiteX46" y="connsiteY46"/>
+              </a:cxn>
+              <a:cxn ang="0">
+                <a:pos x="connsiteX47" y="connsiteY47"/>
+              </a:cxn>
+              <a:cxn ang="0">
+                <a:pos x="connsiteX48" y="connsiteY48"/>
+              </a:cxn>
+              <a:cxn ang="0">
+                <a:pos x="connsiteX49" y="connsiteY49"/>
+              </a:cxn>
+              <a:cxn ang="0">
+                <a:pos x="connsiteX50" y="connsiteY50"/>
+              </a:cxn>
+              <a:cxn ang="0">
+                <a:pos x="connsiteX51" y="connsiteY51"/>
+              </a:cxn>
+              <a:cxn ang="0">
+                <a:pos x="connsiteX52" y="connsiteY52"/>
+              </a:cxn>
+              <a:cxn ang="0">
+                <a:pos x="connsiteX53" y="connsiteY53"/>
+              </a:cxn>
+              <a:cxn ang="0">
+                <a:pos x="connsiteX54" y="connsiteY54"/>
+              </a:cxn>
+              <a:cxn ang="0">
+                <a:pos x="connsiteX55" y="connsiteY55"/>
+              </a:cxn>
+              <a:cxn ang="0">
+                <a:pos x="connsiteX56" y="connsiteY56"/>
+              </a:cxn>
+              <a:cxn ang="0">
+                <a:pos x="connsiteX57" y="connsiteY57"/>
+              </a:cxn>
+              <a:cxn ang="0">
+                <a:pos x="connsiteX58" y="connsiteY58"/>
+              </a:cxn>
+              <a:cxn ang="0">
+                <a:pos x="connsiteX59" y="connsiteY59"/>
+              </a:cxn>
+              <a:cxn ang="0">
+                <a:pos x="connsiteX60" y="connsiteY60"/>
+              </a:cxn>
+              <a:cxn ang="0">
+                <a:pos x="connsiteX61" y="connsiteY61"/>
+              </a:cxn>
+              <a:cxn ang="0">
+                <a:pos x="connsiteX62" y="connsiteY62"/>
+              </a:cxn>
+              <a:cxn ang="0">
+                <a:pos x="connsiteX63" y="connsiteY63"/>
+              </a:cxn>
+              <a:cxn ang="0">
+                <a:pos x="connsiteX64" y="connsiteY64"/>
+              </a:cxn>
+              <a:cxn ang="0">
+                <a:pos x="connsiteX65" y="connsiteY65"/>
+              </a:cxn>
+              <a:cxn ang="0">
+                <a:pos x="connsiteX66" y="connsiteY66"/>
+              </a:cxn>
+              <a:cxn ang="0">
+                <a:pos x="connsiteX67" y="connsiteY67"/>
+              </a:cxn>
+              <a:cxn ang="0">
+                <a:pos x="connsiteX68" y="connsiteY68"/>
+              </a:cxn>
+              <a:cxn ang="0">
+                <a:pos x="connsiteX69" y="connsiteY69"/>
+              </a:cxn>
+              <a:cxn ang="0">
+                <a:pos x="connsiteX70" y="connsiteY70"/>
+              </a:cxn>
+              <a:cxn ang="0">
+                <a:pos x="connsiteX71" y="connsiteY71"/>
+              </a:cxn>
+              <a:cxn ang="0">
+                <a:pos x="connsiteX72" y="connsiteY72"/>
+              </a:cxn>
+            </a:cxnLst>
+            <a:rect l="l" t="t" r="r" b="b"/>
+            <a:pathLst>
+              <a:path w="6184806" h="5154967">
+                <a:moveTo>
+                  <a:pt x="363179" y="3125191"/>
+                </a:moveTo>
+                <a:cubicBezTo>
+                  <a:pt x="363179" y="3125191"/>
+                  <a:pt x="363179" y="3125191"/>
+                  <a:pt x="898270" y="3125191"/>
+                </a:cubicBezTo>
+                <a:cubicBezTo>
+                  <a:pt x="931786" y="3125191"/>
+                  <a:pt x="964145" y="3143614"/>
+                  <a:pt x="980326" y="3173551"/>
+                </a:cubicBezTo>
+                <a:cubicBezTo>
+                  <a:pt x="980326" y="3173551"/>
+                  <a:pt x="980326" y="3173551"/>
+                  <a:pt x="1248448" y="3635277"/>
+                </a:cubicBezTo>
+                <a:cubicBezTo>
+                  <a:pt x="1265784" y="3664063"/>
+                  <a:pt x="1265784" y="3700909"/>
+                  <a:pt x="1248448" y="3729695"/>
+                </a:cubicBezTo>
+                <a:cubicBezTo>
+                  <a:pt x="1248448" y="3729695"/>
+                  <a:pt x="1248448" y="3729695"/>
+                  <a:pt x="980326" y="4191421"/>
+                </a:cubicBezTo>
+                <a:cubicBezTo>
+                  <a:pt x="964145" y="4221358"/>
+                  <a:pt x="931786" y="4239781"/>
+                  <a:pt x="898270" y="4239781"/>
+                </a:cubicBezTo>
+                <a:cubicBezTo>
+                  <a:pt x="898270" y="4239781"/>
+                  <a:pt x="898270" y="4239781"/>
+                  <a:pt x="363179" y="4239781"/>
+                </a:cubicBezTo>
+                <a:cubicBezTo>
+                  <a:pt x="328508" y="4239781"/>
+                  <a:pt x="297305" y="4221358"/>
+                  <a:pt x="279969" y="4191421"/>
+                </a:cubicBezTo>
+                <a:cubicBezTo>
+                  <a:pt x="279969" y="4191421"/>
+                  <a:pt x="279969" y="4191421"/>
+                  <a:pt x="13002" y="3729695"/>
+                </a:cubicBezTo>
+                <a:cubicBezTo>
+                  <a:pt x="-4334" y="3700909"/>
+                  <a:pt x="-4334" y="3664063"/>
+                  <a:pt x="13002" y="3635277"/>
+                </a:cubicBezTo>
+                <a:cubicBezTo>
+                  <a:pt x="13002" y="3635277"/>
+                  <a:pt x="13002" y="3635277"/>
+                  <a:pt x="279969" y="3173551"/>
+                </a:cubicBezTo>
+                <a:cubicBezTo>
+                  <a:pt x="297305" y="3143614"/>
+                  <a:pt x="328508" y="3125191"/>
+                  <a:pt x="363179" y="3125191"/>
+                </a:cubicBezTo>
+                <a:close/>
+                <a:moveTo>
+                  <a:pt x="2489721" y="570035"/>
+                </a:moveTo>
+                <a:cubicBezTo>
+                  <a:pt x="2489721" y="570035"/>
+                  <a:pt x="2489721" y="570035"/>
+                  <a:pt x="2764862" y="570035"/>
+                </a:cubicBezTo>
+                <a:lnTo>
+                  <a:pt x="2796959" y="570035"/>
+                </a:lnTo>
+                <a:lnTo>
+                  <a:pt x="2827587" y="622777"/>
+                </a:lnTo>
+                <a:cubicBezTo>
+                  <a:pt x="2870233" y="696217"/>
+                  <a:pt x="2919858" y="781675"/>
+                  <a:pt x="2977604" y="881117"/>
+                </a:cubicBezTo>
+                <a:cubicBezTo>
+                  <a:pt x="3004153" y="925204"/>
+                  <a:pt x="3004153" y="981634"/>
+                  <a:pt x="2977604" y="1025720"/>
+                </a:cubicBezTo>
+                <a:cubicBezTo>
+                  <a:pt x="2977604" y="1025720"/>
+                  <a:pt x="2977604" y="1025720"/>
+                  <a:pt x="2566968" y="1732863"/>
+                </a:cubicBezTo>
+                <a:cubicBezTo>
+                  <a:pt x="2542188" y="1778712"/>
+                  <a:pt x="2492629" y="1806927"/>
+                  <a:pt x="2441299" y="1806927"/>
+                </a:cubicBezTo>
+                <a:cubicBezTo>
+                  <a:pt x="2441299" y="1806927"/>
+                  <a:pt x="2441299" y="1806927"/>
+                  <a:pt x="1621798" y="1806927"/>
+                </a:cubicBezTo>
+                <a:cubicBezTo>
+                  <a:pt x="1608523" y="1806927"/>
+                  <a:pt x="1595580" y="1805163"/>
+                  <a:pt x="1583218" y="1801802"/>
+                </a:cubicBezTo>
+                <a:lnTo>
+                  <a:pt x="1556683" y="1790677"/>
+                </a:lnTo>
+                <a:lnTo>
+                  <a:pt x="1572899" y="1762630"/>
+                </a:lnTo>
+                <a:cubicBezTo>
+                  <a:pt x="1719523" y="1509042"/>
+                  <a:pt x="1907201" y="1184448"/>
+                  <a:pt x="2147429" y="768968"/>
+                </a:cubicBezTo>
+                <a:cubicBezTo>
+                  <a:pt x="2218739" y="645819"/>
+                  <a:pt x="2347099" y="570035"/>
+                  <a:pt x="2489721" y="570035"/>
+                </a:cubicBezTo>
+                <a:close/>
+                <a:moveTo>
+                  <a:pt x="1573268" y="0"/>
+                </a:moveTo>
+                <a:cubicBezTo>
+                  <a:pt x="1573268" y="0"/>
+                  <a:pt x="1573268" y="0"/>
+                  <a:pt x="2497662" y="0"/>
+                </a:cubicBezTo>
+                <a:cubicBezTo>
+                  <a:pt x="2555561" y="0"/>
+                  <a:pt x="2611463" y="31828"/>
+                  <a:pt x="2639415" y="83546"/>
+                </a:cubicBezTo>
+                <a:cubicBezTo>
+                  <a:pt x="2639415" y="83546"/>
+                  <a:pt x="2639415" y="83546"/>
+                  <a:pt x="2887862" y="511387"/>
+                </a:cubicBezTo>
+                <a:lnTo>
+                  <a:pt x="2915928" y="559720"/>
+                </a:lnTo>
+                <a:lnTo>
+                  <a:pt x="2893844" y="559720"/>
+                </a:lnTo>
+                <a:lnTo>
+                  <a:pt x="2789466" y="559720"/>
+                </a:lnTo>
+                <a:lnTo>
+                  <a:pt x="2744122" y="481634"/>
+                </a:lnTo>
+                <a:cubicBezTo>
+                  <a:pt x="2570885" y="183309"/>
+                  <a:pt x="2570885" y="183309"/>
+                  <a:pt x="2570885" y="183309"/>
+                </a:cubicBezTo>
+                <a:cubicBezTo>
+                  <a:pt x="2546104" y="137459"/>
+                  <a:pt x="2496545" y="109243"/>
+                  <a:pt x="2445216" y="109243"/>
+                </a:cubicBezTo>
+                <a:cubicBezTo>
+                  <a:pt x="1625714" y="109243"/>
+                  <a:pt x="1625714" y="109243"/>
+                  <a:pt x="1625714" y="109243"/>
+                </a:cubicBezTo>
+                <a:cubicBezTo>
+                  <a:pt x="1572615" y="109243"/>
+                  <a:pt x="1524825" y="137459"/>
+                  <a:pt x="1498276" y="183309"/>
+                </a:cubicBezTo>
+                <a:cubicBezTo>
+                  <a:pt x="1089410" y="890450"/>
+                  <a:pt x="1089410" y="890450"/>
+                  <a:pt x="1089410" y="890450"/>
+                </a:cubicBezTo>
+                <a:cubicBezTo>
+                  <a:pt x="1062860" y="934537"/>
+                  <a:pt x="1062860" y="990967"/>
+                  <a:pt x="1089410" y="1035054"/>
+                </a:cubicBezTo>
+                <a:cubicBezTo>
+                  <a:pt x="1498276" y="1742196"/>
+                  <a:pt x="1498276" y="1742196"/>
+                  <a:pt x="1498276" y="1742196"/>
+                </a:cubicBezTo>
+                <a:cubicBezTo>
+                  <a:pt x="1511551" y="1765121"/>
+                  <a:pt x="1530135" y="1783637"/>
+                  <a:pt x="1552039" y="1796422"/>
+                </a:cubicBezTo>
+                <a:lnTo>
+                  <a:pt x="1558260" y="1799029"/>
+                </a:lnTo>
+                <a:lnTo>
+                  <a:pt x="1524911" y="1856707"/>
+                </a:lnTo>
+                <a:lnTo>
+                  <a:pt x="1500108" y="1899604"/>
+                </a:lnTo>
+                <a:lnTo>
+                  <a:pt x="1525834" y="1910390"/>
+                </a:lnTo>
+                <a:cubicBezTo>
+                  <a:pt x="1539779" y="1914181"/>
+                  <a:pt x="1554378" y="1916170"/>
+                  <a:pt x="1569352" y="1916170"/>
+                </a:cubicBezTo>
+                <a:cubicBezTo>
+                  <a:pt x="2493745" y="1916170"/>
+                  <a:pt x="2493745" y="1916170"/>
+                  <a:pt x="2493745" y="1916170"/>
+                </a:cubicBezTo>
+                <a:cubicBezTo>
+                  <a:pt x="2551645" y="1916170"/>
+                  <a:pt x="2607546" y="1884345"/>
+                  <a:pt x="2635498" y="1832627"/>
+                </a:cubicBezTo>
+                <a:cubicBezTo>
+                  <a:pt x="3098693" y="1034974"/>
+                  <a:pt x="3098693" y="1034974"/>
+                  <a:pt x="3098693" y="1034974"/>
+                </a:cubicBezTo>
+                <a:cubicBezTo>
+                  <a:pt x="3128641" y="985246"/>
+                  <a:pt x="3128641" y="921593"/>
+                  <a:pt x="3098693" y="871863"/>
+                </a:cubicBezTo>
+                <a:cubicBezTo>
+                  <a:pt x="3040794" y="772157"/>
+                  <a:pt x="2990132" y="684914"/>
+                  <a:pt x="2945803" y="608576"/>
+                </a:cubicBezTo>
+                <a:lnTo>
+                  <a:pt x="2923422" y="570035"/>
+                </a:lnTo>
+                <a:lnTo>
+                  <a:pt x="3027104" y="570035"/>
+                </a:lnTo>
+                <a:cubicBezTo>
+                  <a:pt x="3349535" y="570035"/>
+                  <a:pt x="3865424" y="570035"/>
+                  <a:pt x="4690846" y="570035"/>
+                </a:cubicBezTo>
+                <a:cubicBezTo>
+                  <a:pt x="4828714" y="570035"/>
+                  <a:pt x="4961827" y="645819"/>
+                  <a:pt x="5028384" y="768968"/>
+                </a:cubicBezTo>
+                <a:cubicBezTo>
+                  <a:pt x="5028384" y="768968"/>
+                  <a:pt x="5028384" y="768968"/>
+                  <a:pt x="6131323" y="2668304"/>
+                </a:cubicBezTo>
+                <a:cubicBezTo>
+                  <a:pt x="6202634" y="2786717"/>
+                  <a:pt x="6202634" y="2938285"/>
+                  <a:pt x="6131323" y="3056698"/>
+                </a:cubicBezTo>
+                <a:cubicBezTo>
+                  <a:pt x="6131323" y="3056698"/>
+                  <a:pt x="6131323" y="3056698"/>
+                  <a:pt x="5028384" y="4956035"/>
+                </a:cubicBezTo>
+                <a:cubicBezTo>
+                  <a:pt x="4961827" y="5079184"/>
+                  <a:pt x="4828714" y="5154967"/>
+                  <a:pt x="4690846" y="5154967"/>
+                </a:cubicBezTo>
+                <a:cubicBezTo>
+                  <a:pt x="4690846" y="5154967"/>
+                  <a:pt x="4690846" y="5154967"/>
+                  <a:pt x="2489721" y="5154967"/>
+                </a:cubicBezTo>
+                <a:cubicBezTo>
+                  <a:pt x="2347099" y="5154967"/>
+                  <a:pt x="2218739" y="5079184"/>
+                  <a:pt x="2147429" y="4956035"/>
+                </a:cubicBezTo>
+                <a:cubicBezTo>
+                  <a:pt x="2147429" y="4956035"/>
+                  <a:pt x="2147429" y="4956035"/>
+                  <a:pt x="1049243" y="3056698"/>
+                </a:cubicBezTo>
+                <a:cubicBezTo>
+                  <a:pt x="977932" y="2938285"/>
+                  <a:pt x="977932" y="2786717"/>
+                  <a:pt x="1049243" y="2668304"/>
+                </a:cubicBezTo>
+                <a:cubicBezTo>
+                  <a:pt x="1049243" y="2668304"/>
+                  <a:pt x="1049243" y="2668304"/>
+                  <a:pt x="1457007" y="1963067"/>
+                </a:cubicBezTo>
+                <a:lnTo>
+                  <a:pt x="1491373" y="1903634"/>
+                </a:lnTo>
+                <a:lnTo>
+                  <a:pt x="1490164" y="1903127"/>
+                </a:lnTo>
+                <a:cubicBezTo>
+                  <a:pt x="1465456" y="1888705"/>
+                  <a:pt x="1444493" y="1867820"/>
+                  <a:pt x="1429519" y="1841960"/>
+                </a:cubicBezTo>
+                <a:cubicBezTo>
+                  <a:pt x="1429519" y="1841960"/>
+                  <a:pt x="1429519" y="1841960"/>
+                  <a:pt x="968320" y="1044307"/>
+                </a:cubicBezTo>
+                <a:cubicBezTo>
+                  <a:pt x="938371" y="994579"/>
+                  <a:pt x="938371" y="930926"/>
+                  <a:pt x="968320" y="881196"/>
+                </a:cubicBezTo>
+                <a:cubicBezTo>
+                  <a:pt x="968320" y="881196"/>
+                  <a:pt x="968320" y="881196"/>
+                  <a:pt x="1429519" y="83546"/>
+                </a:cubicBezTo>
+                <a:cubicBezTo>
+                  <a:pt x="1459466" y="31828"/>
+                  <a:pt x="1513373" y="0"/>
+                  <a:pt x="1573268" y="0"/>
+                </a:cubicBezTo>
+                <a:close/>
+              </a:path>
+            </a:pathLst>
+          </a:custGeom>
+          <a:solidFill>
+            <a:schemeClr val="tx1">
+              <a:lumMod val="50000"/>
+              <a:lumOff val="50000"/>
+              <a:alpha val="15000"/>
+            </a:schemeClr>
+          </a:solidFill>
+          <a:ln>
+            <a:noFill/>
+          </a:ln>
+        </p:spPr>
+        <p:style>
+          <a:lnRef idx="2">
+            <a:schemeClr val="accent1">
+              <a:shade val="50000"/>
+            </a:schemeClr>
+          </a:lnRef>
+          <a:fillRef idx="1">
+            <a:schemeClr val="accent1"/>
+          </a:fillRef>
+          <a:effectRef idx="0">
+            <a:schemeClr val="accent1"/>
+          </a:effectRef>
+          <a:fontRef idx="minor">
+            <a:schemeClr val="lt1"/>
+          </a:fontRef>
+        </p:style>
+        <p:txBody>
+          <a:bodyPr wrap="square" rtlCol="0" anchor="ctr">
+            <a:noAutofit/>
+          </a:bodyPr>
+          <a:lstStyle/>
+          <a:p>
+            <a:pPr algn="ctr"/>
+            <a:endParaRPr lang="en-US"/>
+          </a:p>
+        </p:txBody>
+      </p:sp>
+      <p:pic>
+        <p:nvPicPr>
+          <p:cNvPr id="34" name="Graphic 33" descr="Monitor">
+            <a:extLst>
+              <a:ext uri="{FF2B5EF4-FFF2-40B4-BE49-F238E27FC236}">
+                <a16:creationId xmlns:a16="http://schemas.microsoft.com/office/drawing/2014/main" id="{5E7E4139-DA67-408E-9A8A-68078F7D9C1C}"/>
+              </a:ext>
+            </a:extLst>
+          </p:cNvPr>
+          <p:cNvPicPr>
+            <a:picLocks noChangeAspect="1"/>
+          </p:cNvPicPr>
+          <p:nvPr/>
+        </p:nvPicPr>
+        <p:blipFill>
+          <a:blip r:embed="rId3">
+            <a:extLst>
+              <a:ext uri="{28A0092B-C50C-407E-A947-70E740481C1C}">
+                <a14:useLocalDpi xmlns:a14="http://schemas.microsoft.com/office/drawing/2010/main" val="0"/>
+              </a:ext>
+              <a:ext uri="{96DAC541-7B7A-43D3-8B79-37D633B846F1}">
+                <asvg:svgBlip xmlns:asvg="http://schemas.microsoft.com/office/drawing/2016/SVG/main" r:embed="rId4"/>
+              </a:ext>
+            </a:extLst>
+          </a:blip>
+          <a:stretch>
+            <a:fillRect/>
+          </a:stretch>
+        </p:blipFill>
+        <p:spPr>
+          <a:xfrm>
+            <a:off x="7531503" y="2129307"/>
+            <a:ext cx="3217333" cy="3217333"/>
+          </a:xfrm>
+          <a:prstGeom prst="rect">
+            <a:avLst/>
+          </a:prstGeom>
+        </p:spPr>
+      </p:pic>
+    </p:spTree>
+    <p:extLst>
+      <p:ext uri="{BB962C8B-B14F-4D97-AF65-F5344CB8AC3E}">
+        <p14:creationId xmlns:p14="http://schemas.microsoft.com/office/powerpoint/2010/main" val="3688738308"/>
+      </p:ext>
+    </p:extLst>
+  </p:cSld>
+  <p:clrMapOvr>
+    <a:masterClrMapping/>
+  </p:clrMapOvr>
+</p:sld>
+</file>
+
+<file path=ppt/slides/slide13.xml><?xml version="1.0" encoding="utf-8"?>
+<p:sld xmlns:a="http://schemas.openxmlformats.org/drawingml/2006/main" xmlns:r="http://schemas.openxmlformats.org/officeDocument/2006/relationships" xmlns:p="http://schemas.openxmlformats.org/presentationml/2006/main">
+  <p:cSld>
+    <p:bg>
+      <p:bgPr>
+        <a:solidFill>
+          <a:schemeClr val="bg1"/>
+        </a:solidFill>
+        <a:effectLst/>
+      </p:bgPr>
+    </p:bg>
+    <p:spTree>
+      <p:nvGrpSpPr>
+        <p:cNvPr id="1" name=""/>
+        <p:cNvGrpSpPr/>
+        <p:nvPr/>
+      </p:nvGrpSpPr>
+      <p:grpSpPr>
+        <a:xfrm>
+          <a:off x="0" y="0"/>
+          <a:ext cx="0" cy="0"/>
+          <a:chOff x="0" y="0"/>
+          <a:chExt cx="0" cy="0"/>
+        </a:xfrm>
+      </p:grpSpPr>
+      <p:sp useBgFill="1">
+        <p:nvSpPr>
+          <p:cNvPr id="17" name="Rectangle 16">
+            <a:extLst>
+              <a:ext uri="{FF2B5EF4-FFF2-40B4-BE49-F238E27FC236}">
+                <a16:creationId xmlns:a16="http://schemas.microsoft.com/office/drawing/2014/main" id="{827B839B-9ADE-406B-8590-F1CAEDED45A1}"/>
+              </a:ext>
+              <a:ext uri="{C183D7F6-B498-43B3-948B-1728B52AA6E4}">
+                <adec:decorative xmlns:adec="http://schemas.microsoft.com/office/drawing/2017/decorative" val="1"/>
+              </a:ext>
+            </a:extLst>
+          </p:cNvPr>
+          <p:cNvSpPr>
+            <a:spLocks noGrp="1" noRot="1" noChangeAspect="1" noMove="1" noResize="1" noEditPoints="1" noAdjustHandles="1" noChangeArrowheads="1" noChangeShapeType="1" noTextEdit="1"/>
+          </p:cNvSpPr>
+          <p:nvPr>
+            <p:extLst>
+              <p:ext uri="{386F3935-93C4-4BCD-93E2-E3B085C9AB24}">
+                <p16:designElem xmlns:p16="http://schemas.microsoft.com/office/powerpoint/2015/main" val="1"/>
+              </p:ext>
+            </p:extLst>
+          </p:nvPr>
+        </p:nvSpPr>
+        <p:spPr>
+          <a:xfrm>
+            <a:off x="0" y="0"/>
+            <a:ext cx="12188952" cy="6858000"/>
+          </a:xfrm>
+          <a:prstGeom prst="rect">
+            <a:avLst/>
+          </a:prstGeom>
+          <a:ln>
+            <a:noFill/>
+          </a:ln>
+        </p:spPr>
+        <p:style>
+          <a:lnRef idx="2">
+            <a:schemeClr val="accent1">
+              <a:shade val="50000"/>
+            </a:schemeClr>
+          </a:lnRef>
+          <a:fillRef idx="1">
+            <a:schemeClr val="accent1"/>
+          </a:fillRef>
+          <a:effectRef idx="0">
+            <a:schemeClr val="accent1"/>
+          </a:effectRef>
+          <a:fontRef idx="minor">
+            <a:schemeClr val="lt1"/>
+          </a:fontRef>
+        </p:style>
+        <p:txBody>
+          <a:bodyPr rtlCol="0" anchor="ctr"/>
+          <a:lstStyle/>
+          <a:p>
+            <a:pPr algn="ctr"/>
+            <a:endParaRPr lang="en-US"/>
+          </a:p>
+        </p:txBody>
+      </p:sp>
+      <p:sp>
+        <p:nvSpPr>
+          <p:cNvPr id="19" name="Freeform 45">
+            <a:extLst>
+              <a:ext uri="{FF2B5EF4-FFF2-40B4-BE49-F238E27FC236}">
+                <a16:creationId xmlns:a16="http://schemas.microsoft.com/office/drawing/2014/main" id="{CFE45BF0-46DB-408C-B5F7-7B11716805D4}"/>
+              </a:ext>
+              <a:ext uri="{C183D7F6-B498-43B3-948B-1728B52AA6E4}">
+                <adec:decorative xmlns:adec="http://schemas.microsoft.com/office/drawing/2017/decorative" val="1"/>
+              </a:ext>
+            </a:extLst>
+          </p:cNvPr>
+          <p:cNvSpPr>
+            <a:spLocks noGrp="1" noRot="1" noChangeAspect="1" noMove="1" noResize="1" noEditPoints="1" noAdjustHandles="1" noChangeArrowheads="1" noChangeShapeType="1" noTextEdit="1"/>
+          </p:cNvSpPr>
+          <p:nvPr>
+            <p:extLst>
+              <p:ext uri="{386F3935-93C4-4BCD-93E2-E3B085C9AB24}">
+                <p16:designElem xmlns:p16="http://schemas.microsoft.com/office/powerpoint/2015/main" val="1"/>
+              </p:ext>
+            </p:extLst>
+          </p:nvPr>
+        </p:nvSpPr>
+        <p:spPr bwMode="auto">
+          <a:xfrm>
+            <a:off x="409710" y="1022350"/>
+            <a:ext cx="709612" cy="2095501"/>
+          </a:xfrm>
+          <a:custGeom>
+            <a:avLst/>
+            <a:gdLst>
+              <a:gd name="T0" fmla="*/ 447 w 447"/>
+              <a:gd name="T1" fmla="*/ 1363 h 1363"/>
+              <a:gd name="T2" fmla="*/ 0 w 447"/>
+              <a:gd name="T3" fmla="*/ 987 h 1363"/>
+              <a:gd name="T4" fmla="*/ 0 w 447"/>
+              <a:gd name="T5" fmla="*/ 0 h 1363"/>
+              <a:gd name="T6" fmla="*/ 447 w 447"/>
+              <a:gd name="T7" fmla="*/ 376 h 1363"/>
+              <a:gd name="T8" fmla="*/ 447 w 447"/>
+              <a:gd name="T9" fmla="*/ 1363 h 1363"/>
+            </a:gdLst>
+            <a:ahLst/>
+            <a:cxnLst>
+              <a:cxn ang="0">
+                <a:pos x="T0" y="T1"/>
+              </a:cxn>
+              <a:cxn ang="0">
+                <a:pos x="T2" y="T3"/>
+              </a:cxn>
+              <a:cxn ang="0">
+                <a:pos x="T4" y="T5"/>
+              </a:cxn>
+              <a:cxn ang="0">
+                <a:pos x="T6" y="T7"/>
+              </a:cxn>
+              <a:cxn ang="0">
+                <a:pos x="T8" y="T9"/>
+              </a:cxn>
+            </a:cxnLst>
+            <a:rect l="0" t="0" r="r" b="b"/>
+            <a:pathLst>
+              <a:path w="447" h="1363">
+                <a:moveTo>
+                  <a:pt x="447" y="1363"/>
+                </a:moveTo>
+                <a:lnTo>
+                  <a:pt x="0" y="987"/>
+                </a:lnTo>
+                <a:lnTo>
+                  <a:pt x="0" y="0"/>
+                </a:lnTo>
+                <a:lnTo>
+                  <a:pt x="447" y="376"/>
+                </a:lnTo>
+                <a:lnTo>
+                  <a:pt x="447" y="1363"/>
+                </a:lnTo>
+                <a:close/>
+              </a:path>
+            </a:pathLst>
+          </a:custGeom>
+          <a:solidFill>
+            <a:schemeClr val="accent1">
+              <a:lumMod val="50000"/>
+            </a:schemeClr>
+          </a:solidFill>
+          <a:ln>
+            <a:noFill/>
+          </a:ln>
+        </p:spPr>
+        <p:txBody>
+          <a:bodyPr vert="horz" wrap="square" lIns="91440" tIns="45720" rIns="91440" bIns="45720" numCol="1" anchor="t" anchorCtr="0" compatLnSpc="1">
+            <a:prstTxWarp prst="textNoShape">
+              <a:avLst/>
+            </a:prstTxWarp>
+          </a:bodyPr>
+          <a:lstStyle/>
+          <a:p>
+            <a:endParaRPr lang="en-US"/>
+          </a:p>
+        </p:txBody>
+      </p:sp>
+      <p:sp>
+        <p:nvSpPr>
+          <p:cNvPr id="21" name="Freeform 46">
+            <a:extLst>
+              <a:ext uri="{FF2B5EF4-FFF2-40B4-BE49-F238E27FC236}">
+                <a16:creationId xmlns:a16="http://schemas.microsoft.com/office/drawing/2014/main" id="{2AEBC8F2-97B1-41B4-93F1-2D289E197FBA}"/>
+              </a:ext>
+              <a:ext uri="{C183D7F6-B498-43B3-948B-1728B52AA6E4}">
+                <adec:decorative xmlns:adec="http://schemas.microsoft.com/office/drawing/2017/decorative" val="1"/>
+              </a:ext>
+            </a:extLst>
+          </p:cNvPr>
+          <p:cNvSpPr>
+            <a:spLocks noGrp="1" noRot="1" noChangeAspect="1" noMove="1" noResize="1" noEditPoints="1" noAdjustHandles="1" noChangeArrowheads="1" noChangeShapeType="1" noTextEdit="1"/>
+          </p:cNvSpPr>
+          <p:nvPr>
+            <p:extLst>
+              <p:ext uri="{386F3935-93C4-4BCD-93E2-E3B085C9AB24}">
+                <p16:designElem xmlns:p16="http://schemas.microsoft.com/office/powerpoint/2015/main" val="1"/>
+              </p:ext>
+            </p:extLst>
+          </p:nvPr>
+        </p:nvSpPr>
+        <p:spPr bwMode="auto">
+          <a:xfrm>
+            <a:off x="409710" y="837744"/>
+            <a:ext cx="403225" cy="1705431"/>
+          </a:xfrm>
+          <a:custGeom>
+            <a:avLst/>
+            <a:gdLst>
+              <a:gd name="T0" fmla="*/ 254 w 254"/>
+              <a:gd name="T1" fmla="*/ 987 h 1109"/>
+              <a:gd name="T2" fmla="*/ 0 w 254"/>
+              <a:gd name="T3" fmla="*/ 1109 h 1109"/>
+              <a:gd name="T4" fmla="*/ 0 w 254"/>
+              <a:gd name="T5" fmla="*/ 119 h 1109"/>
+              <a:gd name="T6" fmla="*/ 254 w 254"/>
+              <a:gd name="T7" fmla="*/ 0 h 1109"/>
+              <a:gd name="T8" fmla="*/ 254 w 254"/>
+              <a:gd name="T9" fmla="*/ 987 h 1109"/>
+            </a:gdLst>
+            <a:ahLst/>
+            <a:cxnLst>
+              <a:cxn ang="0">
+                <a:pos x="T0" y="T1"/>
+              </a:cxn>
+              <a:cxn ang="0">
+                <a:pos x="T2" y="T3"/>
+              </a:cxn>
+              <a:cxn ang="0">
+                <a:pos x="T4" y="T5"/>
+              </a:cxn>
+              <a:cxn ang="0">
+                <a:pos x="T6" y="T7"/>
+              </a:cxn>
+              <a:cxn ang="0">
+                <a:pos x="T8" y="T9"/>
+              </a:cxn>
+            </a:cxnLst>
+            <a:rect l="0" t="0" r="r" b="b"/>
+            <a:pathLst>
+              <a:path w="254" h="1109">
+                <a:moveTo>
+                  <a:pt x="254" y="987"/>
+                </a:moveTo>
+                <a:lnTo>
+                  <a:pt x="0" y="1109"/>
+                </a:lnTo>
+                <a:lnTo>
+                  <a:pt x="0" y="119"/>
+                </a:lnTo>
+                <a:lnTo>
+                  <a:pt x="254" y="0"/>
+                </a:lnTo>
+                <a:lnTo>
+                  <a:pt x="254" y="987"/>
+                </a:lnTo>
+                <a:close/>
+              </a:path>
+            </a:pathLst>
+          </a:custGeom>
+          <a:solidFill>
+            <a:schemeClr val="accent1">
+              <a:lumMod val="75000"/>
+            </a:schemeClr>
+          </a:solidFill>
+          <a:ln>
+            <a:noFill/>
+          </a:ln>
+        </p:spPr>
+        <p:txBody>
+          <a:bodyPr vert="horz" wrap="square" lIns="91440" tIns="45720" rIns="91440" bIns="45720" numCol="1" anchor="t" anchorCtr="0" compatLnSpc="1">
+            <a:prstTxWarp prst="textNoShape">
+              <a:avLst/>
+            </a:prstTxWarp>
+          </a:bodyPr>
+          <a:lstStyle/>
+          <a:p>
+            <a:endParaRPr lang="en-US"/>
+          </a:p>
+        </p:txBody>
+      </p:sp>
+      <p:sp>
+        <p:nvSpPr>
+          <p:cNvPr id="23" name="Freeform 47">
+            <a:extLst>
+              <a:ext uri="{FF2B5EF4-FFF2-40B4-BE49-F238E27FC236}">
+                <a16:creationId xmlns:a16="http://schemas.microsoft.com/office/drawing/2014/main" id="{472E3A19-F5D5-48FC-BB9C-48C2F68F598B}"/>
+              </a:ext>
+              <a:ext uri="{C183D7F6-B498-43B3-948B-1728B52AA6E4}">
+                <adec:decorative xmlns:adec="http://schemas.microsoft.com/office/drawing/2017/decorative" val="1"/>
+              </a:ext>
+            </a:extLst>
+          </p:cNvPr>
+          <p:cNvSpPr>
+            <a:spLocks noGrp="1" noRot="1" noChangeAspect="1" noMove="1" noResize="1" noEditPoints="1" noAdjustHandles="1" noChangeArrowheads="1" noChangeShapeType="1" noTextEdit="1"/>
+          </p:cNvSpPr>
+          <p:nvPr>
+            <p:extLst>
+              <p:ext uri="{386F3935-93C4-4BCD-93E2-E3B085C9AB24}">
+                <p16:designElem xmlns:p16="http://schemas.microsoft.com/office/powerpoint/2015/main" val="1"/>
+              </p:ext>
+            </p:extLst>
+          </p:nvPr>
+        </p:nvSpPr>
+        <p:spPr bwMode="auto">
+          <a:xfrm>
+            <a:off x="644660" y="640894"/>
+            <a:ext cx="168275" cy="1713195"/>
+          </a:xfrm>
+          <a:custGeom>
+            <a:avLst/>
+            <a:gdLst>
+              <a:gd name="T0" fmla="*/ 106 w 106"/>
+              <a:gd name="T1" fmla="*/ 1114 h 1114"/>
+              <a:gd name="T2" fmla="*/ 0 w 106"/>
+              <a:gd name="T3" fmla="*/ 1005 h 1114"/>
+              <a:gd name="T4" fmla="*/ 0 w 106"/>
+              <a:gd name="T5" fmla="*/ 0 h 1114"/>
+              <a:gd name="T6" fmla="*/ 106 w 106"/>
+              <a:gd name="T7" fmla="*/ 110 h 1114"/>
+              <a:gd name="T8" fmla="*/ 106 w 106"/>
+              <a:gd name="T9" fmla="*/ 1114 h 1114"/>
+            </a:gdLst>
+            <a:ahLst/>
+            <a:cxnLst>
+              <a:cxn ang="0">
+                <a:pos x="T0" y="T1"/>
+              </a:cxn>
+              <a:cxn ang="0">
+                <a:pos x="T2" y="T3"/>
+              </a:cxn>
+              <a:cxn ang="0">
+                <a:pos x="T4" y="T5"/>
+              </a:cxn>
+              <a:cxn ang="0">
+                <a:pos x="T6" y="T7"/>
+              </a:cxn>
+              <a:cxn ang="0">
+                <a:pos x="T8" y="T9"/>
+              </a:cxn>
+            </a:cxnLst>
+            <a:rect l="0" t="0" r="r" b="b"/>
+            <a:pathLst>
+              <a:path w="106" h="1114">
+                <a:moveTo>
+                  <a:pt x="106" y="1114"/>
+                </a:moveTo>
+                <a:lnTo>
+                  <a:pt x="0" y="1005"/>
+                </a:lnTo>
+                <a:lnTo>
+                  <a:pt x="0" y="0"/>
+                </a:lnTo>
+                <a:lnTo>
+                  <a:pt x="106" y="110"/>
+                </a:lnTo>
+                <a:lnTo>
+                  <a:pt x="106" y="1114"/>
+                </a:lnTo>
+                <a:close/>
+              </a:path>
+            </a:pathLst>
+          </a:custGeom>
+          <a:solidFill>
+            <a:schemeClr val="accent1">
+              <a:lumMod val="50000"/>
+            </a:schemeClr>
+          </a:solidFill>
+          <a:ln>
+            <a:noFill/>
+          </a:ln>
+        </p:spPr>
+        <p:txBody>
+          <a:bodyPr vert="horz" wrap="square" lIns="91440" tIns="45720" rIns="91440" bIns="45720" numCol="1" anchor="t" anchorCtr="0" compatLnSpc="1">
+            <a:prstTxWarp prst="textNoShape">
+              <a:avLst/>
+            </a:prstTxWarp>
+          </a:bodyPr>
+          <a:lstStyle/>
+          <a:p>
+            <a:endParaRPr lang="en-US"/>
+          </a:p>
+        </p:txBody>
+      </p:sp>
+      <p:sp>
+        <p:nvSpPr>
+          <p:cNvPr id="25" name="Freeform 44">
+            <a:extLst>
+              <a:ext uri="{FF2B5EF4-FFF2-40B4-BE49-F238E27FC236}">
+                <a16:creationId xmlns:a16="http://schemas.microsoft.com/office/drawing/2014/main" id="{7A62E32F-BB65-43A8-8EB5-92346890E549}"/>
+              </a:ext>
+              <a:ext uri="{C183D7F6-B498-43B3-948B-1728B52AA6E4}">
+                <adec:decorative xmlns:adec="http://schemas.microsoft.com/office/drawing/2017/decorative" val="1"/>
+              </a:ext>
+            </a:extLst>
+          </p:cNvPr>
+          <p:cNvSpPr>
+            <a:spLocks noGrp="1" noRot="1" noChangeAspect="1" noMove="1" noResize="1" noEditPoints="1" noAdjustHandles="1" noChangeArrowheads="1" noChangeShapeType="1" noTextEdit="1"/>
+          </p:cNvSpPr>
+          <p:nvPr>
+            <p:extLst>
+              <p:ext uri="{386F3935-93C4-4BCD-93E2-E3B085C9AB24}">
+                <p16:designElem xmlns:p16="http://schemas.microsoft.com/office/powerpoint/2015/main" val="1"/>
+              </p:ext>
+            </p:extLst>
+          </p:nvPr>
+        </p:nvSpPr>
+        <p:spPr bwMode="auto">
+          <a:xfrm>
+            <a:off x="11223203" y="635716"/>
+            <a:ext cx="328612" cy="1742360"/>
+          </a:xfrm>
+          <a:custGeom>
+            <a:avLst/>
+            <a:gdLst>
+              <a:gd name="T0" fmla="*/ 207 w 207"/>
+              <a:gd name="T1" fmla="*/ 987 h 1114"/>
+              <a:gd name="T2" fmla="*/ 0 w 207"/>
+              <a:gd name="T3" fmla="*/ 1114 h 1114"/>
+              <a:gd name="T4" fmla="*/ 0 w 207"/>
+              <a:gd name="T5" fmla="*/ 127 h 1114"/>
+              <a:gd name="T6" fmla="*/ 207 w 207"/>
+              <a:gd name="T7" fmla="*/ 0 h 1114"/>
+              <a:gd name="T8" fmla="*/ 207 w 207"/>
+              <a:gd name="T9" fmla="*/ 987 h 1114"/>
+            </a:gdLst>
+            <a:ahLst/>
+            <a:cxnLst>
+              <a:cxn ang="0">
+                <a:pos x="T0" y="T1"/>
+              </a:cxn>
+              <a:cxn ang="0">
+                <a:pos x="T2" y="T3"/>
+              </a:cxn>
+              <a:cxn ang="0">
+                <a:pos x="T4" y="T5"/>
+              </a:cxn>
+              <a:cxn ang="0">
+                <a:pos x="T6" y="T7"/>
+              </a:cxn>
+              <a:cxn ang="0">
+                <a:pos x="T8" y="T9"/>
+              </a:cxn>
+            </a:cxnLst>
+            <a:rect l="0" t="0" r="r" b="b"/>
+            <a:pathLst>
+              <a:path w="207" h="1114">
+                <a:moveTo>
+                  <a:pt x="207" y="987"/>
+                </a:moveTo>
+                <a:lnTo>
+                  <a:pt x="0" y="1114"/>
+                </a:lnTo>
+                <a:lnTo>
+                  <a:pt x="0" y="127"/>
+                </a:lnTo>
+                <a:lnTo>
+                  <a:pt x="207" y="0"/>
+                </a:lnTo>
+                <a:lnTo>
+                  <a:pt x="207" y="987"/>
+                </a:lnTo>
+                <a:close/>
+              </a:path>
+            </a:pathLst>
+          </a:custGeom>
+          <a:solidFill>
+            <a:schemeClr val="accent1">
+              <a:lumMod val="50000"/>
+            </a:schemeClr>
+          </a:solidFill>
+          <a:ln>
+            <a:noFill/>
+          </a:ln>
+        </p:spPr>
+        <p:txBody>
+          <a:bodyPr vert="horz" wrap="square" lIns="91440" tIns="45720" rIns="91440" bIns="45720" numCol="1" anchor="t" anchorCtr="0" compatLnSpc="1">
+            <a:prstTxWarp prst="textNoShape">
+              <a:avLst/>
+            </a:prstTxWarp>
+          </a:bodyPr>
+          <a:lstStyle/>
+          <a:p>
+            <a:endParaRPr lang="en-US"/>
+          </a:p>
+        </p:txBody>
+      </p:sp>
+      <p:sp>
+        <p:nvSpPr>
+          <p:cNvPr id="27" name="Rectangle 26">
+            <a:extLst>
+              <a:ext uri="{FF2B5EF4-FFF2-40B4-BE49-F238E27FC236}">
+                <a16:creationId xmlns:a16="http://schemas.microsoft.com/office/drawing/2014/main" id="{14E91B64-9FCC-451E-AFB4-A827D6329367}"/>
+              </a:ext>
+              <a:ext uri="{C183D7F6-B498-43B3-948B-1728B52AA6E4}">
+                <adec:decorative xmlns:adec="http://schemas.microsoft.com/office/drawing/2017/decorative" val="1"/>
+              </a:ext>
+            </a:extLst>
+          </p:cNvPr>
+          <p:cNvSpPr>
+            <a:spLocks noGrp="1" noRot="1" noChangeAspect="1" noMove="1" noResize="1" noEditPoints="1" noAdjustHandles="1" noChangeArrowheads="1" noChangeShapeType="1" noTextEdit="1"/>
+          </p:cNvSpPr>
+          <p:nvPr>
+            <p:extLst>
+              <p:ext uri="{386F3935-93C4-4BCD-93E2-E3B085C9AB24}">
+                <p16:designElem xmlns:p16="http://schemas.microsoft.com/office/powerpoint/2015/main" val="1"/>
+              </p:ext>
+            </p:extLst>
+          </p:nvPr>
+        </p:nvSpPr>
+        <p:spPr bwMode="auto">
+          <a:xfrm>
+            <a:off x="644055" y="635715"/>
+            <a:ext cx="10907863" cy="1541457"/>
+          </a:xfrm>
+          <a:prstGeom prst="rect">
+            <a:avLst/>
+          </a:prstGeom>
+          <a:solidFill>
+            <a:schemeClr val="accent1"/>
+          </a:solidFill>
+          <a:ln>
+            <a:noFill/>
+          </a:ln>
+        </p:spPr>
+        <p:txBody>
+          <a:bodyPr vert="horz" wrap="square" lIns="91440" tIns="45720" rIns="91440" bIns="45720" numCol="1" anchor="t" anchorCtr="0" compatLnSpc="1">
+            <a:prstTxWarp prst="textNoShape">
+              <a:avLst/>
+            </a:prstTxWarp>
+          </a:bodyPr>
+          <a:lstStyle/>
+          <a:p>
+            <a:endParaRPr lang="en-US"/>
+          </a:p>
+        </p:txBody>
+      </p:sp>
+      <p:sp>
+        <p:nvSpPr>
+          <p:cNvPr id="2" name="Title 1">
+            <a:extLst>
+              <a:ext uri="{FF2B5EF4-FFF2-40B4-BE49-F238E27FC236}">
+                <a16:creationId xmlns:a16="http://schemas.microsoft.com/office/drawing/2014/main" id="{0B0E3F05-66EA-43AB-B1A9-F30EAC51059D}"/>
+              </a:ext>
+            </a:extLst>
+          </p:cNvPr>
+          <p:cNvSpPr>
+            <a:spLocks noGrp="1"/>
+          </p:cNvSpPr>
+          <p:nvPr>
+            <p:ph type="title"/>
+          </p:nvPr>
+        </p:nvSpPr>
+        <p:spPr>
+          <a:xfrm>
+            <a:off x="958506" y="800392"/>
+            <a:ext cx="10264697" cy="1212102"/>
+          </a:xfrm>
+        </p:spPr>
+        <p:txBody>
+          <a:bodyPr>
+            <a:normAutofit/>
+          </a:bodyPr>
+          <a:lstStyle/>
+          <a:p>
+            <a:r>
+              <a:rPr lang="en-US" sz="4000" b="1" dirty="0">
+                <a:solidFill>
+                  <a:srgbClr val="FFFFFF"/>
+                </a:solidFill>
+              </a:rPr>
+              <a:t>Scripting in PowerShell</a:t>
+            </a:r>
+            <a:endParaRPr lang="en-US" sz="4000" dirty="0">
+              <a:solidFill>
+                <a:srgbClr val="FFFFFF"/>
+              </a:solidFill>
+            </a:endParaRPr>
+          </a:p>
+        </p:txBody>
+      </p:sp>
+      <p:sp>
+        <p:nvSpPr>
+          <p:cNvPr id="3" name="Content Placeholder 2">
+            <a:extLst>
+              <a:ext uri="{FF2B5EF4-FFF2-40B4-BE49-F238E27FC236}">
+                <a16:creationId xmlns:a16="http://schemas.microsoft.com/office/drawing/2014/main" id="{DBB88942-6618-4B2C-A985-47153DAC76EE}"/>
+              </a:ext>
+            </a:extLst>
+          </p:cNvPr>
+          <p:cNvSpPr>
+            <a:spLocks noGrp="1"/>
+          </p:cNvSpPr>
+          <p:nvPr>
+            <p:ph idx="1"/>
+          </p:nvPr>
+        </p:nvSpPr>
+        <p:spPr>
+          <a:xfrm>
+            <a:off x="1367624" y="2490436"/>
+            <a:ext cx="9708995" cy="3567173"/>
+          </a:xfrm>
+        </p:spPr>
+        <p:txBody>
+          <a:bodyPr anchor="t">
+            <a:normAutofit/>
+          </a:bodyPr>
+          <a:lstStyle/>
+          <a:p>
+            <a:pPr marL="0" indent="0">
+              <a:buNone/>
+            </a:pPr>
+            <a:r>
+              <a:rPr lang="en-US" sz="2400" dirty="0">
+                <a:solidFill>
+                  <a:schemeClr val="tx2"/>
+                </a:solidFill>
+              </a:rPr>
+              <a:t>What is PowerShell, how is it used?</a:t>
+            </a:r>
+          </a:p>
+          <a:p>
+            <a:pPr marL="0" indent="0">
+              <a:buNone/>
+            </a:pPr>
+            <a:endParaRPr lang="en-US" sz="2400" dirty="0">
+              <a:solidFill>
+                <a:schemeClr val="tx2"/>
+              </a:solidFill>
+            </a:endParaRPr>
+          </a:p>
+          <a:p>
+            <a:pPr marL="0" indent="0">
+              <a:buNone/>
+            </a:pPr>
+            <a:r>
+              <a:rPr lang="en-US" sz="2400" dirty="0">
+                <a:solidFill>
+                  <a:schemeClr val="tx2"/>
+                </a:solidFill>
+              </a:rPr>
+              <a:t>INSANELY IMPORTANT TO KNOW</a:t>
+            </a:r>
+          </a:p>
+        </p:txBody>
+      </p:sp>
+    </p:spTree>
+    <p:extLst>
+      <p:ext uri="{BB962C8B-B14F-4D97-AF65-F5344CB8AC3E}">
+        <p14:creationId xmlns:p14="http://schemas.microsoft.com/office/powerpoint/2010/main" val="1895207860"/>
+      </p:ext>
+    </p:extLst>
+  </p:cSld>
+  <p:clrMapOvr>
+    <a:masterClrMapping/>
+  </p:clrMapOvr>
+  <p:timing>
+    <p:tnLst>
+      <p:par>
+        <p:cTn id="1" dur="indefinite" restart="never" nodeType="tmRoot">
+          <p:childTnLst>
+            <p:seq concurrent="1" nextAc="seek">
+              <p:cTn id="2" dur="indefinite" nodeType="mainSeq">
+                <p:childTnLst>
+                  <p:par>
+                    <p:cTn id="3" fill="hold">
+                      <p:stCondLst>
+                        <p:cond delay="indefinite"/>
+                        <p:cond evt="onBegin" delay="0">
+                          <p:tn val="2"/>
+                        </p:cond>
+                      </p:stCondLst>
+                      <p:childTnLst>
+                        <p:par>
+                          <p:cTn id="4" fill="hold">
+                            <p:stCondLst>
+                              <p:cond delay="0"/>
+                            </p:stCondLst>
+                            <p:childTnLst>
+                              <p:par>
+                                <p:cTn id="5" presetID="10" presetClass="entr" presetSubtype="0" fill="hold" grpId="0" nodeType="withEffect">
+                                  <p:stCondLst>
+                                    <p:cond delay="500"/>
+                                  </p:stCondLst>
+                                  <p:iterate type="wd">
+                                    <p:tmPct val="15000"/>
+                                  </p:iterate>
+                                  <p:childTnLst>
+                                    <p:set>
+                                      <p:cBhvr>
+                                        <p:cTn id="6" dur="1" fill="hold">
+                                          <p:stCondLst>
+                                            <p:cond delay="0"/>
+                                          </p:stCondLst>
+                                        </p:cTn>
+                                        <p:tgtEl>
+                                          <p:spTgt spid="2"/>
+                                        </p:tgtEl>
+                                        <p:attrNameLst>
+                                          <p:attrName>style.visibility</p:attrName>
+                                        </p:attrNameLst>
+                                      </p:cBhvr>
+                                      <p:to>
+                                        <p:strVal val="visible"/>
+                                      </p:to>
+                                    </p:set>
+                                    <p:animEffect transition="in" filter="fade">
+                                      <p:cBhvr>
+                                        <p:cTn id="7" dur="1000"/>
+                                        <p:tgtEl>
+                                          <p:spTgt spid="2"/>
+                                        </p:tgtEl>
+                                      </p:cBhvr>
+                                    </p:animEffect>
+                                  </p:childTnLst>
+                                </p:cTn>
+                              </p:par>
+                            </p:childTnLst>
+                          </p:cTn>
+                        </p:par>
+                      </p:childTnLst>
+                    </p:cTn>
+                  </p:par>
+                </p:childTnLst>
+              </p:cTn>
+              <p:prevCondLst>
+                <p:cond evt="onPrev" delay="0">
+                  <p:tgtEl>
+                    <p:sldTgt/>
+                  </p:tgtEl>
+                </p:cond>
+              </p:prevCondLst>
+              <p:nextCondLst>
+                <p:cond evt="onNext" delay="0">
+                  <p:tgtEl>
+                    <p:sldTgt/>
+                  </p:tgtEl>
+                </p:cond>
+              </p:nextCondLst>
+            </p:seq>
+          </p:childTnLst>
+        </p:cTn>
+      </p:par>
+    </p:tnLst>
+    <p:bldLst>
+      <p:bldP spid="2" grpId="0"/>
+    </p:bldLst>
+  </p:timing>
+</p:sld>
+</file>
+
+<file path=ppt/slides/slide14.xml><?xml version="1.0" encoding="utf-8"?>
+<p:sld xmlns:a="http://schemas.openxmlformats.org/drawingml/2006/main" xmlns:r="http://schemas.openxmlformats.org/officeDocument/2006/relationships" xmlns:p="http://schemas.openxmlformats.org/presentationml/2006/main">
+  <p:cSld>
+    <p:bg>
+      <p:bgPr>
+        <a:solidFill>
+          <a:schemeClr val="bg1"/>
+        </a:solidFill>
+        <a:effectLst/>
+      </p:bgPr>
+    </p:bg>
+    <p:spTree>
+      <p:nvGrpSpPr>
+        <p:cNvPr id="1" name=""/>
+        <p:cNvGrpSpPr/>
+        <p:nvPr/>
+      </p:nvGrpSpPr>
+      <p:grpSpPr>
+        <a:xfrm>
+          <a:off x="0" y="0"/>
+          <a:ext cx="0" cy="0"/>
+          <a:chOff x="0" y="0"/>
+          <a:chExt cx="0" cy="0"/>
+        </a:xfrm>
+      </p:grpSpPr>
+      <p:sp>
+        <p:nvSpPr>
+          <p:cNvPr id="2" name="Title 1">
+            <a:extLst>
+              <a:ext uri="{FF2B5EF4-FFF2-40B4-BE49-F238E27FC236}">
+                <a16:creationId xmlns:a16="http://schemas.microsoft.com/office/drawing/2014/main" id="{0B0E3F05-66EA-43AB-B1A9-F30EAC51059D}"/>
+              </a:ext>
+            </a:extLst>
+          </p:cNvPr>
+          <p:cNvSpPr>
+            <a:spLocks noGrp="1"/>
+          </p:cNvSpPr>
+          <p:nvPr>
+            <p:ph type="title"/>
+          </p:nvPr>
+        </p:nvSpPr>
+        <p:spPr>
+          <a:xfrm>
+            <a:off x="1653363" y="365760"/>
+            <a:ext cx="9367203" cy="1188720"/>
+          </a:xfrm>
+        </p:spPr>
+        <p:txBody>
+          <a:bodyPr>
+            <a:normAutofit/>
+          </a:bodyPr>
+          <a:lstStyle/>
+          <a:p>
+            <a:r>
+              <a:rPr lang="en-US" b="1" dirty="0">
+                <a:solidFill>
+                  <a:schemeClr val="tx2"/>
+                </a:solidFill>
+              </a:rPr>
+              <a:t>Example PowerShell Script </a:t>
+            </a:r>
+            <a:endParaRPr lang="en-US" dirty="0"/>
+          </a:p>
+        </p:txBody>
+      </p:sp>
+      <p:sp>
+        <p:nvSpPr>
+          <p:cNvPr id="8" name="Freeform: Shape 7">
+            <a:extLst>
+              <a:ext uri="{FF2B5EF4-FFF2-40B4-BE49-F238E27FC236}">
+                <a16:creationId xmlns:a16="http://schemas.microsoft.com/office/drawing/2014/main" id="{7CB4857B-ED7C-444D-9F04-2F885114A1C2}"/>
+              </a:ext>
+              <a:ext uri="{C183D7F6-B498-43B3-948B-1728B52AA6E4}">
+                <adec:decorative xmlns:adec="http://schemas.microsoft.com/office/drawing/2017/decorative" val="1"/>
+              </a:ext>
+            </a:extLst>
+          </p:cNvPr>
+          <p:cNvSpPr>
+            <a:spLocks noGrp="1" noRot="1" noChangeAspect="1" noMove="1" noResize="1" noEditPoints="1" noAdjustHandles="1" noChangeArrowheads="1" noChangeShapeType="1" noTextEdit="1"/>
+          </p:cNvSpPr>
+          <p:nvPr>
+            <p:extLst>
+              <p:ext uri="{386F3935-93C4-4BCD-93E2-E3B085C9AB24}">
+                <p16:designElem xmlns:p16="http://schemas.microsoft.com/office/powerpoint/2015/main" val="1"/>
+              </p:ext>
+            </p:extLst>
+          </p:nvPr>
+        </p:nvSpPr>
+        <p:spPr>
+          <a:xfrm>
+            <a:off x="1" y="0"/>
+            <a:ext cx="1764099" cy="1558212"/>
+          </a:xfrm>
+          <a:custGeom>
+            <a:avLst/>
+            <a:gdLst>
+              <a:gd name="connsiteX0" fmla="*/ 0 w 1764099"/>
+              <a:gd name="connsiteY0" fmla="*/ 0 h 1558212"/>
+              <a:gd name="connsiteX1" fmla="*/ 1764099 w 1764099"/>
+              <a:gd name="connsiteY1" fmla="*/ 0 h 1558212"/>
+              <a:gd name="connsiteX2" fmla="*/ 1042087 w 1764099"/>
+              <a:gd name="connsiteY2" fmla="*/ 1558212 h 1558212"/>
+              <a:gd name="connsiteX3" fmla="*/ 0 w 1764099"/>
+              <a:gd name="connsiteY3" fmla="*/ 1558212 h 1558212"/>
+            </a:gdLst>
+            <a:ahLst/>
+            <a:cxnLst>
+              <a:cxn ang="0">
+                <a:pos x="connsiteX0" y="connsiteY0"/>
+              </a:cxn>
+              <a:cxn ang="0">
+                <a:pos x="connsiteX1" y="connsiteY1"/>
+              </a:cxn>
+              <a:cxn ang="0">
+                <a:pos x="connsiteX2" y="connsiteY2"/>
+              </a:cxn>
+              <a:cxn ang="0">
+                <a:pos x="connsiteX3" y="connsiteY3"/>
+              </a:cxn>
+            </a:cxnLst>
+            <a:rect l="l" t="t" r="r" b="b"/>
+            <a:pathLst>
+              <a:path w="1764099" h="1558212">
+                <a:moveTo>
+                  <a:pt x="0" y="0"/>
+                </a:moveTo>
+                <a:lnTo>
+                  <a:pt x="1764099" y="0"/>
+                </a:lnTo>
+                <a:lnTo>
+                  <a:pt x="1042087" y="1558212"/>
+                </a:lnTo>
+                <a:lnTo>
+                  <a:pt x="0" y="1558212"/>
+                </a:lnTo>
+                <a:close/>
+              </a:path>
+            </a:pathLst>
+          </a:custGeom>
+          <a:solidFill>
+            <a:schemeClr val="accent1">
+              <a:lumMod val="100000"/>
+              <a:lumOff val="0"/>
+            </a:schemeClr>
+          </a:solidFill>
+          <a:ln>
+            <a:noFill/>
+          </a:ln>
+        </p:spPr>
+        <p:style>
+          <a:lnRef idx="2">
+            <a:schemeClr val="accent1">
+              <a:shade val="50000"/>
+            </a:schemeClr>
+          </a:lnRef>
+          <a:fillRef idx="1">
+            <a:schemeClr val="accent1"/>
+          </a:fillRef>
+          <a:effectRef idx="0">
+            <a:schemeClr val="accent1"/>
+          </a:effectRef>
+          <a:fontRef idx="minor">
+            <a:schemeClr val="lt1"/>
+          </a:fontRef>
+        </p:style>
+        <p:txBody>
+          <a:bodyPr wrap="square" rtlCol="0" anchor="ctr">
+            <a:noAutofit/>
+          </a:bodyPr>
+          <a:lstStyle/>
+          <a:p>
+            <a:pPr algn="ctr"/>
+            <a:endParaRPr lang="en-US"/>
+          </a:p>
+        </p:txBody>
+      </p:sp>
+      <p:sp>
+        <p:nvSpPr>
+          <p:cNvPr id="12" name="Freeform: Shape 11">
+            <a:extLst>
+              <a:ext uri="{FF2B5EF4-FFF2-40B4-BE49-F238E27FC236}">
+                <a16:creationId xmlns:a16="http://schemas.microsoft.com/office/drawing/2014/main" id="{479F5F2B-8B58-4140-AE6A-51F6C67B18D9}"/>
+              </a:ext>
+              <a:ext uri="{C183D7F6-B498-43B3-948B-1728B52AA6E4}">
+                <adec:decorative xmlns:adec="http://schemas.microsoft.com/office/drawing/2017/decorative" val="1"/>
+              </a:ext>
+            </a:extLst>
+          </p:cNvPr>
+          <p:cNvSpPr>
+            <a:spLocks noGrp="1" noRot="1" noChangeAspect="1" noMove="1" noResize="1" noEditPoints="1" noAdjustHandles="1" noChangeArrowheads="1" noChangeShapeType="1" noTextEdit="1"/>
+          </p:cNvSpPr>
+          <p:nvPr>
+            <p:extLst>
+              <p:ext uri="{386F3935-93C4-4BCD-93E2-E3B085C9AB24}">
+                <p16:designElem xmlns:p16="http://schemas.microsoft.com/office/powerpoint/2015/main" val="1"/>
+              </p:ext>
+            </p:extLst>
+          </p:nvPr>
+        </p:nvSpPr>
+        <p:spPr>
+          <a:xfrm>
+            <a:off x="0" y="1691641"/>
+            <a:ext cx="971654" cy="2096979"/>
+          </a:xfrm>
+          <a:custGeom>
+            <a:avLst/>
+            <a:gdLst>
+              <a:gd name="connsiteX0" fmla="*/ 0 w 971654"/>
+              <a:gd name="connsiteY0" fmla="*/ 0 h 2096979"/>
+              <a:gd name="connsiteX1" fmla="*/ 971654 w 971654"/>
+              <a:gd name="connsiteY1" fmla="*/ 0 h 2096979"/>
+              <a:gd name="connsiteX2" fmla="*/ 0 w 971654"/>
+              <a:gd name="connsiteY2" fmla="*/ 2096979 h 2096979"/>
+            </a:gdLst>
+            <a:ahLst/>
+            <a:cxnLst>
+              <a:cxn ang="0">
+                <a:pos x="connsiteX0" y="connsiteY0"/>
+              </a:cxn>
+              <a:cxn ang="0">
+                <a:pos x="connsiteX1" y="connsiteY1"/>
+              </a:cxn>
+              <a:cxn ang="0">
+                <a:pos x="connsiteX2" y="connsiteY2"/>
+              </a:cxn>
+            </a:cxnLst>
+            <a:rect l="l" t="t" r="r" b="b"/>
+            <a:pathLst>
+              <a:path w="971654" h="2096979">
+                <a:moveTo>
+                  <a:pt x="0" y="0"/>
+                </a:moveTo>
+                <a:lnTo>
+                  <a:pt x="971654" y="0"/>
+                </a:lnTo>
+                <a:lnTo>
+                  <a:pt x="0" y="2096979"/>
+                </a:lnTo>
+                <a:close/>
+              </a:path>
+            </a:pathLst>
+          </a:custGeom>
+          <a:solidFill>
+            <a:srgbClr val="404040"/>
+          </a:solidFill>
+          <a:ln>
+            <a:noFill/>
+          </a:ln>
+        </p:spPr>
+        <p:style>
+          <a:lnRef idx="2">
+            <a:schemeClr val="accent1">
+              <a:shade val="50000"/>
+            </a:schemeClr>
+          </a:lnRef>
+          <a:fillRef idx="1">
+            <a:schemeClr val="accent1"/>
+          </a:fillRef>
+          <a:effectRef idx="0">
+            <a:schemeClr val="accent1"/>
+          </a:effectRef>
+          <a:fontRef idx="minor">
+            <a:schemeClr val="lt1"/>
+          </a:fontRef>
+        </p:style>
+        <p:txBody>
+          <a:bodyPr wrap="square" rtlCol="0" anchor="ctr">
+            <a:noAutofit/>
+          </a:bodyPr>
+          <a:lstStyle/>
+          <a:p>
+            <a:pPr algn="ctr"/>
+            <a:endParaRPr lang="en-US"/>
+          </a:p>
+        </p:txBody>
+      </p:sp>
+      <p:sp>
+        <p:nvSpPr>
+          <p:cNvPr id="3" name="Content Placeholder 2">
+            <a:extLst>
+              <a:ext uri="{FF2B5EF4-FFF2-40B4-BE49-F238E27FC236}">
+                <a16:creationId xmlns:a16="http://schemas.microsoft.com/office/drawing/2014/main" id="{DBB88942-6618-4B2C-A985-47153DAC76EE}"/>
+              </a:ext>
+            </a:extLst>
+          </p:cNvPr>
+          <p:cNvSpPr>
+            <a:spLocks noGrp="1"/>
+          </p:cNvSpPr>
+          <p:nvPr>
+            <p:ph idx="1"/>
+          </p:nvPr>
+        </p:nvSpPr>
+        <p:spPr>
+          <a:xfrm>
+            <a:off x="1653363" y="1920240"/>
+            <a:ext cx="9367204" cy="4297680"/>
+          </a:xfrm>
+        </p:spPr>
+        <p:txBody>
+          <a:bodyPr anchor="t">
+            <a:normAutofit/>
+          </a:bodyPr>
+          <a:lstStyle/>
+          <a:p>
+            <a:pPr marL="0" indent="0">
+              <a:buNone/>
+            </a:pPr>
+            <a:r>
+              <a:rPr lang="en-US" sz="2400" dirty="0">
+                <a:solidFill>
+                  <a:schemeClr val="tx2"/>
+                </a:solidFill>
+              </a:rPr>
+              <a:t>Insert example</a:t>
+            </a:r>
+          </a:p>
+        </p:txBody>
+      </p:sp>
+    </p:spTree>
+    <p:extLst>
+      <p:ext uri="{BB962C8B-B14F-4D97-AF65-F5344CB8AC3E}">
+        <p14:creationId xmlns:p14="http://schemas.microsoft.com/office/powerpoint/2010/main" val="3985823780"/>
+      </p:ext>
+    </p:extLst>
+  </p:cSld>
+  <p:clrMapOvr>
+    <a:masterClrMapping/>
+  </p:clrMapOvr>
+</p:sld>
+</file>
+
+<file path=ppt/slides/slide15.xml><?xml version="1.0" encoding="utf-8"?>
+<p:sld xmlns:a="http://schemas.openxmlformats.org/drawingml/2006/main" xmlns:r="http://schemas.openxmlformats.org/officeDocument/2006/relationships" xmlns:p="http://schemas.openxmlformats.org/presentationml/2006/main">
+  <p:cSld>
+    <p:bg>
+      <p:bgPr>
+        <a:solidFill>
+          <a:schemeClr val="bg1"/>
+        </a:solidFill>
+        <a:effectLst/>
+      </p:bgPr>
+    </p:bg>
+    <p:spTree>
+      <p:nvGrpSpPr>
+        <p:cNvPr id="1" name=""/>
+        <p:cNvGrpSpPr/>
+        <p:nvPr/>
+      </p:nvGrpSpPr>
+      <p:grpSpPr>
+        <a:xfrm>
+          <a:off x="0" y="0"/>
+          <a:ext cx="0" cy="0"/>
+          <a:chOff x="0" y="0"/>
+          <a:chExt cx="0" cy="0"/>
+        </a:xfrm>
+      </p:grpSpPr>
+      <p:sp useBgFill="1">
+        <p:nvSpPr>
+          <p:cNvPr id="44" name="Rectangle 43">
+            <a:extLst>
+              <a:ext uri="{FF2B5EF4-FFF2-40B4-BE49-F238E27FC236}">
+                <a16:creationId xmlns:a16="http://schemas.microsoft.com/office/drawing/2014/main" id="{3E443FD7-A66B-4AA0-872D-B088B9BC5F17}"/>
+              </a:ext>
+              <a:ext uri="{C183D7F6-B498-43B3-948B-1728B52AA6E4}">
+                <adec:decorative xmlns:adec="http://schemas.microsoft.com/office/drawing/2017/decorative" val="1"/>
+              </a:ext>
+            </a:extLst>
+          </p:cNvPr>
+          <p:cNvSpPr>
+            <a:spLocks noGrp="1" noRot="1" noChangeAspect="1" noMove="1" noResize="1" noEditPoints="1" noAdjustHandles="1" noChangeArrowheads="1" noChangeShapeType="1" noTextEdit="1"/>
+          </p:cNvSpPr>
+          <p:nvPr>
+            <p:extLst>
+              <p:ext uri="{386F3935-93C4-4BCD-93E2-E3B085C9AB24}">
+                <p16:designElem xmlns:p16="http://schemas.microsoft.com/office/powerpoint/2015/main" val="1"/>
+              </p:ext>
+            </p:extLst>
+          </p:nvPr>
+        </p:nvSpPr>
+        <p:spPr>
+          <a:xfrm>
+            <a:off x="0" y="0"/>
+            <a:ext cx="12192000" cy="6858000"/>
+          </a:xfrm>
+          <a:prstGeom prst="rect">
+            <a:avLst/>
+          </a:prstGeom>
+          <a:ln>
+            <a:noFill/>
+          </a:ln>
+        </p:spPr>
+        <p:style>
+          <a:lnRef idx="2">
+            <a:schemeClr val="accent1">
+              <a:shade val="50000"/>
+            </a:schemeClr>
+          </a:lnRef>
+          <a:fillRef idx="1">
+            <a:schemeClr val="accent1"/>
+          </a:fillRef>
+          <a:effectRef idx="0">
+            <a:schemeClr val="accent1"/>
+          </a:effectRef>
+          <a:fontRef idx="minor">
+            <a:schemeClr val="lt1"/>
+          </a:fontRef>
+        </p:style>
+        <p:txBody>
+          <a:bodyPr rtlCol="0" anchor="ctr"/>
+          <a:lstStyle/>
+          <a:p>
+            <a:pPr algn="ctr"/>
+            <a:endParaRPr lang="en-US"/>
+          </a:p>
+        </p:txBody>
+      </p:sp>
+      <p:sp>
+        <p:nvSpPr>
+          <p:cNvPr id="2" name="Title 1">
+            <a:extLst>
+              <a:ext uri="{FF2B5EF4-FFF2-40B4-BE49-F238E27FC236}">
+                <a16:creationId xmlns:a16="http://schemas.microsoft.com/office/drawing/2014/main" id="{0B0E3F05-66EA-43AB-B1A9-F30EAC51059D}"/>
+              </a:ext>
+            </a:extLst>
+          </p:cNvPr>
+          <p:cNvSpPr>
+            <a:spLocks noGrp="1"/>
+          </p:cNvSpPr>
+          <p:nvPr>
+            <p:ph type="title"/>
+          </p:nvPr>
+        </p:nvSpPr>
+        <p:spPr>
+          <a:xfrm>
+            <a:off x="1094095" y="851517"/>
+            <a:ext cx="5238466" cy="2991416"/>
+          </a:xfrm>
+        </p:spPr>
+        <p:txBody>
+          <a:bodyPr vert="horz" lIns="91440" tIns="45720" rIns="91440" bIns="45720" rtlCol="0" anchor="b">
+            <a:normAutofit/>
+          </a:bodyPr>
+          <a:lstStyle/>
+          <a:p>
+            <a:r>
+              <a:rPr lang="en-US" sz="6000" b="1" dirty="0">
+                <a:solidFill>
+                  <a:schemeClr val="tx2"/>
+                </a:solidFill>
+              </a:rPr>
+              <a:t>Live Demo</a:t>
+            </a:r>
+            <a:endParaRPr lang="en-US" sz="6000" kern="1200" dirty="0">
+              <a:solidFill>
+                <a:schemeClr val="tx1"/>
+              </a:solidFill>
+              <a:latin typeface="+mj-lt"/>
+              <a:ea typeface="+mj-ea"/>
+              <a:cs typeface="+mj-cs"/>
+            </a:endParaRPr>
+          </a:p>
+        </p:txBody>
+      </p:sp>
+      <p:sp>
+        <p:nvSpPr>
+          <p:cNvPr id="46" name="Freeform: Shape 45">
+            <a:extLst>
+              <a:ext uri="{FF2B5EF4-FFF2-40B4-BE49-F238E27FC236}">
+                <a16:creationId xmlns:a16="http://schemas.microsoft.com/office/drawing/2014/main" id="{C04BE0EF-3561-49B4-9A29-F283168A91C7}"/>
+              </a:ext>
+              <a:ext uri="{C183D7F6-B498-43B3-948B-1728B52AA6E4}">
+                <adec:decorative xmlns:adec="http://schemas.microsoft.com/office/drawing/2017/decorative" val="1"/>
+              </a:ext>
+            </a:extLst>
+          </p:cNvPr>
+          <p:cNvSpPr>
+            <a:spLocks noGrp="1" noRot="1" noChangeAspect="1" noMove="1" noResize="1" noEditPoints="1" noAdjustHandles="1" noChangeArrowheads="1" noChangeShapeType="1" noTextEdit="1"/>
+          </p:cNvSpPr>
+          <p:nvPr>
+            <p:extLst>
+              <p:ext uri="{386F3935-93C4-4BCD-93E2-E3B085C9AB24}">
+                <p16:designElem xmlns:p16="http://schemas.microsoft.com/office/powerpoint/2015/main" val="1"/>
+              </p:ext>
+            </p:extLst>
+          </p:nvPr>
+        </p:nvSpPr>
+        <p:spPr>
+          <a:xfrm>
+            <a:off x="5510370" y="851518"/>
+            <a:ext cx="6184806" cy="5154967"/>
+          </a:xfrm>
+          <a:custGeom>
+            <a:avLst/>
+            <a:gdLst>
+              <a:gd name="connsiteX0" fmla="*/ 363179 w 6184806"/>
+              <a:gd name="connsiteY0" fmla="*/ 3125191 h 5154967"/>
+              <a:gd name="connsiteX1" fmla="*/ 898270 w 6184806"/>
+              <a:gd name="connsiteY1" fmla="*/ 3125191 h 5154967"/>
+              <a:gd name="connsiteX2" fmla="*/ 980326 w 6184806"/>
+              <a:gd name="connsiteY2" fmla="*/ 3173551 h 5154967"/>
+              <a:gd name="connsiteX3" fmla="*/ 1248448 w 6184806"/>
+              <a:gd name="connsiteY3" fmla="*/ 3635277 h 5154967"/>
+              <a:gd name="connsiteX4" fmla="*/ 1248448 w 6184806"/>
+              <a:gd name="connsiteY4" fmla="*/ 3729695 h 5154967"/>
+              <a:gd name="connsiteX5" fmla="*/ 980326 w 6184806"/>
+              <a:gd name="connsiteY5" fmla="*/ 4191421 h 5154967"/>
+              <a:gd name="connsiteX6" fmla="*/ 898270 w 6184806"/>
+              <a:gd name="connsiteY6" fmla="*/ 4239781 h 5154967"/>
+              <a:gd name="connsiteX7" fmla="*/ 363179 w 6184806"/>
+              <a:gd name="connsiteY7" fmla="*/ 4239781 h 5154967"/>
+              <a:gd name="connsiteX8" fmla="*/ 279969 w 6184806"/>
+              <a:gd name="connsiteY8" fmla="*/ 4191421 h 5154967"/>
+              <a:gd name="connsiteX9" fmla="*/ 13002 w 6184806"/>
+              <a:gd name="connsiteY9" fmla="*/ 3729695 h 5154967"/>
+              <a:gd name="connsiteX10" fmla="*/ 13002 w 6184806"/>
+              <a:gd name="connsiteY10" fmla="*/ 3635277 h 5154967"/>
+              <a:gd name="connsiteX11" fmla="*/ 279969 w 6184806"/>
+              <a:gd name="connsiteY11" fmla="*/ 3173551 h 5154967"/>
+              <a:gd name="connsiteX12" fmla="*/ 363179 w 6184806"/>
+              <a:gd name="connsiteY12" fmla="*/ 3125191 h 5154967"/>
+              <a:gd name="connsiteX13" fmla="*/ 2489721 w 6184806"/>
+              <a:gd name="connsiteY13" fmla="*/ 570035 h 5154967"/>
+              <a:gd name="connsiteX14" fmla="*/ 2764862 w 6184806"/>
+              <a:gd name="connsiteY14" fmla="*/ 570035 h 5154967"/>
+              <a:gd name="connsiteX15" fmla="*/ 2796959 w 6184806"/>
+              <a:gd name="connsiteY15" fmla="*/ 570035 h 5154967"/>
+              <a:gd name="connsiteX16" fmla="*/ 2827587 w 6184806"/>
+              <a:gd name="connsiteY16" fmla="*/ 622777 h 5154967"/>
+              <a:gd name="connsiteX17" fmla="*/ 2977604 w 6184806"/>
+              <a:gd name="connsiteY17" fmla="*/ 881117 h 5154967"/>
+              <a:gd name="connsiteX18" fmla="*/ 2977604 w 6184806"/>
+              <a:gd name="connsiteY18" fmla="*/ 1025720 h 5154967"/>
+              <a:gd name="connsiteX19" fmla="*/ 2566968 w 6184806"/>
+              <a:gd name="connsiteY19" fmla="*/ 1732863 h 5154967"/>
+              <a:gd name="connsiteX20" fmla="*/ 2441299 w 6184806"/>
+              <a:gd name="connsiteY20" fmla="*/ 1806927 h 5154967"/>
+              <a:gd name="connsiteX21" fmla="*/ 1621798 w 6184806"/>
+              <a:gd name="connsiteY21" fmla="*/ 1806927 h 5154967"/>
+              <a:gd name="connsiteX22" fmla="*/ 1583218 w 6184806"/>
+              <a:gd name="connsiteY22" fmla="*/ 1801802 h 5154967"/>
+              <a:gd name="connsiteX23" fmla="*/ 1556683 w 6184806"/>
+              <a:gd name="connsiteY23" fmla="*/ 1790677 h 5154967"/>
+              <a:gd name="connsiteX24" fmla="*/ 1572899 w 6184806"/>
+              <a:gd name="connsiteY24" fmla="*/ 1762630 h 5154967"/>
+              <a:gd name="connsiteX25" fmla="*/ 2147429 w 6184806"/>
+              <a:gd name="connsiteY25" fmla="*/ 768968 h 5154967"/>
+              <a:gd name="connsiteX26" fmla="*/ 2489721 w 6184806"/>
+              <a:gd name="connsiteY26" fmla="*/ 570035 h 5154967"/>
+              <a:gd name="connsiteX27" fmla="*/ 1573268 w 6184806"/>
+              <a:gd name="connsiteY27" fmla="*/ 0 h 5154967"/>
+              <a:gd name="connsiteX28" fmla="*/ 2497662 w 6184806"/>
+              <a:gd name="connsiteY28" fmla="*/ 0 h 5154967"/>
+              <a:gd name="connsiteX29" fmla="*/ 2639415 w 6184806"/>
+              <a:gd name="connsiteY29" fmla="*/ 83546 h 5154967"/>
+              <a:gd name="connsiteX30" fmla="*/ 2887862 w 6184806"/>
+              <a:gd name="connsiteY30" fmla="*/ 511387 h 5154967"/>
+              <a:gd name="connsiteX31" fmla="*/ 2915928 w 6184806"/>
+              <a:gd name="connsiteY31" fmla="*/ 559720 h 5154967"/>
+              <a:gd name="connsiteX32" fmla="*/ 2893844 w 6184806"/>
+              <a:gd name="connsiteY32" fmla="*/ 559720 h 5154967"/>
+              <a:gd name="connsiteX33" fmla="*/ 2789466 w 6184806"/>
+              <a:gd name="connsiteY33" fmla="*/ 559720 h 5154967"/>
+              <a:gd name="connsiteX34" fmla="*/ 2744122 w 6184806"/>
+              <a:gd name="connsiteY34" fmla="*/ 481634 h 5154967"/>
+              <a:gd name="connsiteX35" fmla="*/ 2570885 w 6184806"/>
+              <a:gd name="connsiteY35" fmla="*/ 183309 h 5154967"/>
+              <a:gd name="connsiteX36" fmla="*/ 2445216 w 6184806"/>
+              <a:gd name="connsiteY36" fmla="*/ 109243 h 5154967"/>
+              <a:gd name="connsiteX37" fmla="*/ 1625714 w 6184806"/>
+              <a:gd name="connsiteY37" fmla="*/ 109243 h 5154967"/>
+              <a:gd name="connsiteX38" fmla="*/ 1498276 w 6184806"/>
+              <a:gd name="connsiteY38" fmla="*/ 183309 h 5154967"/>
+              <a:gd name="connsiteX39" fmla="*/ 1089410 w 6184806"/>
+              <a:gd name="connsiteY39" fmla="*/ 890450 h 5154967"/>
+              <a:gd name="connsiteX40" fmla="*/ 1089410 w 6184806"/>
+              <a:gd name="connsiteY40" fmla="*/ 1035054 h 5154967"/>
+              <a:gd name="connsiteX41" fmla="*/ 1498276 w 6184806"/>
+              <a:gd name="connsiteY41" fmla="*/ 1742196 h 5154967"/>
+              <a:gd name="connsiteX42" fmla="*/ 1552039 w 6184806"/>
+              <a:gd name="connsiteY42" fmla="*/ 1796422 h 5154967"/>
+              <a:gd name="connsiteX43" fmla="*/ 1558260 w 6184806"/>
+              <a:gd name="connsiteY43" fmla="*/ 1799029 h 5154967"/>
+              <a:gd name="connsiteX44" fmla="*/ 1524911 w 6184806"/>
+              <a:gd name="connsiteY44" fmla="*/ 1856707 h 5154967"/>
+              <a:gd name="connsiteX45" fmla="*/ 1500108 w 6184806"/>
+              <a:gd name="connsiteY45" fmla="*/ 1899604 h 5154967"/>
+              <a:gd name="connsiteX46" fmla="*/ 1525834 w 6184806"/>
+              <a:gd name="connsiteY46" fmla="*/ 1910390 h 5154967"/>
+              <a:gd name="connsiteX47" fmla="*/ 1569352 w 6184806"/>
+              <a:gd name="connsiteY47" fmla="*/ 1916170 h 5154967"/>
+              <a:gd name="connsiteX48" fmla="*/ 2493745 w 6184806"/>
+              <a:gd name="connsiteY48" fmla="*/ 1916170 h 5154967"/>
+              <a:gd name="connsiteX49" fmla="*/ 2635498 w 6184806"/>
+              <a:gd name="connsiteY49" fmla="*/ 1832627 h 5154967"/>
+              <a:gd name="connsiteX50" fmla="*/ 3098693 w 6184806"/>
+              <a:gd name="connsiteY50" fmla="*/ 1034974 h 5154967"/>
+              <a:gd name="connsiteX51" fmla="*/ 3098693 w 6184806"/>
+              <a:gd name="connsiteY51" fmla="*/ 871863 h 5154967"/>
+              <a:gd name="connsiteX52" fmla="*/ 2945803 w 6184806"/>
+              <a:gd name="connsiteY52" fmla="*/ 608576 h 5154967"/>
+              <a:gd name="connsiteX53" fmla="*/ 2923422 w 6184806"/>
+              <a:gd name="connsiteY53" fmla="*/ 570035 h 5154967"/>
+              <a:gd name="connsiteX54" fmla="*/ 3027104 w 6184806"/>
+              <a:gd name="connsiteY54" fmla="*/ 570035 h 5154967"/>
+              <a:gd name="connsiteX55" fmla="*/ 4690846 w 6184806"/>
+              <a:gd name="connsiteY55" fmla="*/ 570035 h 5154967"/>
+              <a:gd name="connsiteX56" fmla="*/ 5028384 w 6184806"/>
+              <a:gd name="connsiteY56" fmla="*/ 768968 h 5154967"/>
+              <a:gd name="connsiteX57" fmla="*/ 6131323 w 6184806"/>
+              <a:gd name="connsiteY57" fmla="*/ 2668304 h 5154967"/>
+              <a:gd name="connsiteX58" fmla="*/ 6131323 w 6184806"/>
+              <a:gd name="connsiteY58" fmla="*/ 3056698 h 5154967"/>
+              <a:gd name="connsiteX59" fmla="*/ 5028384 w 6184806"/>
+              <a:gd name="connsiteY59" fmla="*/ 4956035 h 5154967"/>
+              <a:gd name="connsiteX60" fmla="*/ 4690846 w 6184806"/>
+              <a:gd name="connsiteY60" fmla="*/ 5154967 h 5154967"/>
+              <a:gd name="connsiteX61" fmla="*/ 2489721 w 6184806"/>
+              <a:gd name="connsiteY61" fmla="*/ 5154967 h 5154967"/>
+              <a:gd name="connsiteX62" fmla="*/ 2147429 w 6184806"/>
+              <a:gd name="connsiteY62" fmla="*/ 4956035 h 5154967"/>
+              <a:gd name="connsiteX63" fmla="*/ 1049243 w 6184806"/>
+              <a:gd name="connsiteY63" fmla="*/ 3056698 h 5154967"/>
+              <a:gd name="connsiteX64" fmla="*/ 1049243 w 6184806"/>
+              <a:gd name="connsiteY64" fmla="*/ 2668304 h 5154967"/>
+              <a:gd name="connsiteX65" fmla="*/ 1457007 w 6184806"/>
+              <a:gd name="connsiteY65" fmla="*/ 1963067 h 5154967"/>
+              <a:gd name="connsiteX66" fmla="*/ 1491373 w 6184806"/>
+              <a:gd name="connsiteY66" fmla="*/ 1903634 h 5154967"/>
+              <a:gd name="connsiteX67" fmla="*/ 1490164 w 6184806"/>
+              <a:gd name="connsiteY67" fmla="*/ 1903127 h 5154967"/>
+              <a:gd name="connsiteX68" fmla="*/ 1429519 w 6184806"/>
+              <a:gd name="connsiteY68" fmla="*/ 1841960 h 5154967"/>
+              <a:gd name="connsiteX69" fmla="*/ 968320 w 6184806"/>
+              <a:gd name="connsiteY69" fmla="*/ 1044307 h 5154967"/>
+              <a:gd name="connsiteX70" fmla="*/ 968320 w 6184806"/>
+              <a:gd name="connsiteY70" fmla="*/ 881196 h 5154967"/>
+              <a:gd name="connsiteX71" fmla="*/ 1429519 w 6184806"/>
+              <a:gd name="connsiteY71" fmla="*/ 83546 h 5154967"/>
+              <a:gd name="connsiteX72" fmla="*/ 1573268 w 6184806"/>
+              <a:gd name="connsiteY72" fmla="*/ 0 h 5154967"/>
+            </a:gdLst>
+            <a:ahLst/>
+            <a:cxnLst>
+              <a:cxn ang="0">
+                <a:pos x="connsiteX0" y="connsiteY0"/>
+              </a:cxn>
+              <a:cxn ang="0">
+                <a:pos x="connsiteX1" y="connsiteY1"/>
+              </a:cxn>
+              <a:cxn ang="0">
+                <a:pos x="connsiteX2" y="connsiteY2"/>
+              </a:cxn>
+              <a:cxn ang="0">
+                <a:pos x="connsiteX3" y="connsiteY3"/>
+              </a:cxn>
+              <a:cxn ang="0">
+                <a:pos x="connsiteX4" y="connsiteY4"/>
+              </a:cxn>
+              <a:cxn ang="0">
+                <a:pos x="connsiteX5" y="connsiteY5"/>
+              </a:cxn>
+              <a:cxn ang="0">
+                <a:pos x="connsiteX6" y="connsiteY6"/>
+              </a:cxn>
+              <a:cxn ang="0">
+                <a:pos x="connsiteX7" y="connsiteY7"/>
+              </a:cxn>
+              <a:cxn ang="0">
+                <a:pos x="connsiteX8" y="connsiteY8"/>
+              </a:cxn>
+              <a:cxn ang="0">
+                <a:pos x="connsiteX9" y="connsiteY9"/>
+              </a:cxn>
+              <a:cxn ang="0">
+                <a:pos x="connsiteX10" y="connsiteY10"/>
+              </a:cxn>
+              <a:cxn ang="0">
+                <a:pos x="connsiteX11" y="connsiteY11"/>
+              </a:cxn>
+              <a:cxn ang="0">
+                <a:pos x="connsiteX12" y="connsiteY12"/>
+              </a:cxn>
+              <a:cxn ang="0">
+                <a:pos x="connsiteX13" y="connsiteY13"/>
+              </a:cxn>
+              <a:cxn ang="0">
+                <a:pos x="connsiteX14" y="connsiteY14"/>
+              </a:cxn>
+              <a:cxn ang="0">
+                <a:pos x="connsiteX15" y="connsiteY15"/>
+              </a:cxn>
+              <a:cxn ang="0">
+                <a:pos x="connsiteX16" y="connsiteY16"/>
+              </a:cxn>
+              <a:cxn ang="0">
+                <a:pos x="connsiteX17" y="connsiteY17"/>
+              </a:cxn>
+              <a:cxn ang="0">
+                <a:pos x="connsiteX18" y="connsiteY18"/>
+              </a:cxn>
+              <a:cxn ang="0">
+                <a:pos x="connsiteX19" y="connsiteY19"/>
+              </a:cxn>
+              <a:cxn ang="0">
+                <a:pos x="connsiteX20" y="connsiteY20"/>
+              </a:cxn>
+              <a:cxn ang="0">
+                <a:pos x="connsiteX21" y="connsiteY21"/>
+              </a:cxn>
+              <a:cxn ang="0">
+                <a:pos x="connsiteX22" y="connsiteY22"/>
+              </a:cxn>
+              <a:cxn ang="0">
+                <a:pos x="connsiteX23" y="connsiteY23"/>
+              </a:cxn>
+              <a:cxn ang="0">
+                <a:pos x="connsiteX24" y="connsiteY24"/>
+              </a:cxn>
+              <a:cxn ang="0">
+                <a:pos x="connsiteX25" y="connsiteY25"/>
+              </a:cxn>
+              <a:cxn ang="0">
+                <a:pos x="connsiteX26" y="connsiteY26"/>
+              </a:cxn>
+              <a:cxn ang="0">
+                <a:pos x="connsiteX27" y="connsiteY27"/>
+              </a:cxn>
+              <a:cxn ang="0">
+                <a:pos x="connsiteX28" y="connsiteY28"/>
+              </a:cxn>
+              <a:cxn ang="0">
+                <a:pos x="connsiteX29" y="connsiteY29"/>
+              </a:cxn>
+              <a:cxn ang="0">
+                <a:pos x="connsiteX30" y="connsiteY30"/>
+              </a:cxn>
+              <a:cxn ang="0">
+                <a:pos x="connsiteX31" y="connsiteY31"/>
+              </a:cxn>
+              <a:cxn ang="0">
+                <a:pos x="connsiteX32" y="connsiteY32"/>
+              </a:cxn>
+              <a:cxn ang="0">
+                <a:pos x="connsiteX33" y="connsiteY33"/>
+              </a:cxn>
+              <a:cxn ang="0">
+                <a:pos x="connsiteX34" y="connsiteY34"/>
+              </a:cxn>
+              <a:cxn ang="0">
+                <a:pos x="connsiteX35" y="connsiteY35"/>
+              </a:cxn>
+              <a:cxn ang="0">
+                <a:pos x="connsiteX36" y="connsiteY36"/>
+              </a:cxn>
+              <a:cxn ang="0">
+                <a:pos x="connsiteX37" y="connsiteY37"/>
+              </a:cxn>
+              <a:cxn ang="0">
+                <a:pos x="connsiteX38" y="connsiteY38"/>
+              </a:cxn>
+              <a:cxn ang="0">
+                <a:pos x="connsiteX39" y="connsiteY39"/>
+              </a:cxn>
+              <a:cxn ang="0">
+                <a:pos x="connsiteX40" y="connsiteY40"/>
+              </a:cxn>
+              <a:cxn ang="0">
+                <a:pos x="connsiteX41" y="connsiteY41"/>
+              </a:cxn>
+              <a:cxn ang="0">
+                <a:pos x="connsiteX42" y="connsiteY42"/>
+              </a:cxn>
+              <a:cxn ang="0">
+                <a:pos x="connsiteX43" y="connsiteY43"/>
+              </a:cxn>
+              <a:cxn ang="0">
+                <a:pos x="connsiteX44" y="connsiteY44"/>
+              </a:cxn>
+              <a:cxn ang="0">
+                <a:pos x="connsiteX45" y="connsiteY45"/>
+              </a:cxn>
+              <a:cxn ang="0">
+                <a:pos x="connsiteX46" y="connsiteY46"/>
+              </a:cxn>
+              <a:cxn ang="0">
+                <a:pos x="connsiteX47" y="connsiteY47"/>
+              </a:cxn>
+              <a:cxn ang="0">
+                <a:pos x="connsiteX48" y="connsiteY48"/>
+              </a:cxn>
+              <a:cxn ang="0">
+                <a:pos x="connsiteX49" y="connsiteY49"/>
+              </a:cxn>
+              <a:cxn ang="0">
+                <a:pos x="connsiteX50" y="connsiteY50"/>
+              </a:cxn>
+              <a:cxn ang="0">
+                <a:pos x="connsiteX51" y="connsiteY51"/>
+              </a:cxn>
+              <a:cxn ang="0">
+                <a:pos x="connsiteX52" y="connsiteY52"/>
+              </a:cxn>
+              <a:cxn ang="0">
+                <a:pos x="connsiteX53" y="connsiteY53"/>
+              </a:cxn>
+              <a:cxn ang="0">
+                <a:pos x="connsiteX54" y="connsiteY54"/>
+              </a:cxn>
+              <a:cxn ang="0">
+                <a:pos x="connsiteX55" y="connsiteY55"/>
+              </a:cxn>
+              <a:cxn ang="0">
+                <a:pos x="connsiteX56" y="connsiteY56"/>
+              </a:cxn>
+              <a:cxn ang="0">
+                <a:pos x="connsiteX57" y="connsiteY57"/>
+              </a:cxn>
+              <a:cxn ang="0">
+                <a:pos x="connsiteX58" y="connsiteY58"/>
+              </a:cxn>
+              <a:cxn ang="0">
+                <a:pos x="connsiteX59" y="connsiteY59"/>
+              </a:cxn>
+              <a:cxn ang="0">
+                <a:pos x="connsiteX60" y="connsiteY60"/>
+              </a:cxn>
+              <a:cxn ang="0">
+                <a:pos x="connsiteX61" y="connsiteY61"/>
+              </a:cxn>
+              <a:cxn ang="0">
+                <a:pos x="connsiteX62" y="connsiteY62"/>
+              </a:cxn>
+              <a:cxn ang="0">
+                <a:pos x="connsiteX63" y="connsiteY63"/>
+              </a:cxn>
+              <a:cxn ang="0">
+                <a:pos x="connsiteX64" y="connsiteY64"/>
+              </a:cxn>
+              <a:cxn ang="0">
+                <a:pos x="connsiteX65" y="connsiteY65"/>
+              </a:cxn>
+              <a:cxn ang="0">
+                <a:pos x="connsiteX66" y="connsiteY66"/>
+              </a:cxn>
+              <a:cxn ang="0">
+                <a:pos x="connsiteX67" y="connsiteY67"/>
+              </a:cxn>
+              <a:cxn ang="0">
+                <a:pos x="connsiteX68" y="connsiteY68"/>
+              </a:cxn>
+              <a:cxn ang="0">
+                <a:pos x="connsiteX69" y="connsiteY69"/>
+              </a:cxn>
+              <a:cxn ang="0">
+                <a:pos x="connsiteX70" y="connsiteY70"/>
+              </a:cxn>
+              <a:cxn ang="0">
+                <a:pos x="connsiteX71" y="connsiteY71"/>
+              </a:cxn>
+              <a:cxn ang="0">
+                <a:pos x="connsiteX72" y="connsiteY72"/>
+              </a:cxn>
+            </a:cxnLst>
+            <a:rect l="l" t="t" r="r" b="b"/>
+            <a:pathLst>
+              <a:path w="6184806" h="5154967">
+                <a:moveTo>
+                  <a:pt x="363179" y="3125191"/>
+                </a:moveTo>
+                <a:cubicBezTo>
+                  <a:pt x="363179" y="3125191"/>
+                  <a:pt x="363179" y="3125191"/>
+                  <a:pt x="898270" y="3125191"/>
+                </a:cubicBezTo>
+                <a:cubicBezTo>
+                  <a:pt x="931786" y="3125191"/>
+                  <a:pt x="964145" y="3143614"/>
+                  <a:pt x="980326" y="3173551"/>
+                </a:cubicBezTo>
+                <a:cubicBezTo>
+                  <a:pt x="980326" y="3173551"/>
+                  <a:pt x="980326" y="3173551"/>
+                  <a:pt x="1248448" y="3635277"/>
+                </a:cubicBezTo>
+                <a:cubicBezTo>
+                  <a:pt x="1265784" y="3664063"/>
+                  <a:pt x="1265784" y="3700909"/>
+                  <a:pt x="1248448" y="3729695"/>
+                </a:cubicBezTo>
+                <a:cubicBezTo>
+                  <a:pt x="1248448" y="3729695"/>
+                  <a:pt x="1248448" y="3729695"/>
+                  <a:pt x="980326" y="4191421"/>
+                </a:cubicBezTo>
+                <a:cubicBezTo>
+                  <a:pt x="964145" y="4221358"/>
+                  <a:pt x="931786" y="4239781"/>
+                  <a:pt x="898270" y="4239781"/>
+                </a:cubicBezTo>
+                <a:cubicBezTo>
+                  <a:pt x="898270" y="4239781"/>
+                  <a:pt x="898270" y="4239781"/>
+                  <a:pt x="363179" y="4239781"/>
+                </a:cubicBezTo>
+                <a:cubicBezTo>
+                  <a:pt x="328508" y="4239781"/>
+                  <a:pt x="297305" y="4221358"/>
+                  <a:pt x="279969" y="4191421"/>
+                </a:cubicBezTo>
+                <a:cubicBezTo>
+                  <a:pt x="279969" y="4191421"/>
+                  <a:pt x="279969" y="4191421"/>
+                  <a:pt x="13002" y="3729695"/>
+                </a:cubicBezTo>
+                <a:cubicBezTo>
+                  <a:pt x="-4334" y="3700909"/>
+                  <a:pt x="-4334" y="3664063"/>
+                  <a:pt x="13002" y="3635277"/>
+                </a:cubicBezTo>
+                <a:cubicBezTo>
+                  <a:pt x="13002" y="3635277"/>
+                  <a:pt x="13002" y="3635277"/>
+                  <a:pt x="279969" y="3173551"/>
+                </a:cubicBezTo>
+                <a:cubicBezTo>
+                  <a:pt x="297305" y="3143614"/>
+                  <a:pt x="328508" y="3125191"/>
+                  <a:pt x="363179" y="3125191"/>
+                </a:cubicBezTo>
+                <a:close/>
+                <a:moveTo>
+                  <a:pt x="2489721" y="570035"/>
+                </a:moveTo>
+                <a:cubicBezTo>
+                  <a:pt x="2489721" y="570035"/>
+                  <a:pt x="2489721" y="570035"/>
+                  <a:pt x="2764862" y="570035"/>
+                </a:cubicBezTo>
+                <a:lnTo>
+                  <a:pt x="2796959" y="570035"/>
+                </a:lnTo>
+                <a:lnTo>
+                  <a:pt x="2827587" y="622777"/>
+                </a:lnTo>
+                <a:cubicBezTo>
+                  <a:pt x="2870233" y="696217"/>
+                  <a:pt x="2919858" y="781675"/>
+                  <a:pt x="2977604" y="881117"/>
+                </a:cubicBezTo>
+                <a:cubicBezTo>
+                  <a:pt x="3004153" y="925204"/>
+                  <a:pt x="3004153" y="981634"/>
+                  <a:pt x="2977604" y="1025720"/>
+                </a:cubicBezTo>
+                <a:cubicBezTo>
+                  <a:pt x="2977604" y="1025720"/>
+                  <a:pt x="2977604" y="1025720"/>
+                  <a:pt x="2566968" y="1732863"/>
+                </a:cubicBezTo>
+                <a:cubicBezTo>
+                  <a:pt x="2542188" y="1778712"/>
+                  <a:pt x="2492629" y="1806927"/>
+                  <a:pt x="2441299" y="1806927"/>
+                </a:cubicBezTo>
+                <a:cubicBezTo>
+                  <a:pt x="2441299" y="1806927"/>
+                  <a:pt x="2441299" y="1806927"/>
+                  <a:pt x="1621798" y="1806927"/>
+                </a:cubicBezTo>
+                <a:cubicBezTo>
+                  <a:pt x="1608523" y="1806927"/>
+                  <a:pt x="1595580" y="1805163"/>
+                  <a:pt x="1583218" y="1801802"/>
+                </a:cubicBezTo>
+                <a:lnTo>
+                  <a:pt x="1556683" y="1790677"/>
+                </a:lnTo>
+                <a:lnTo>
+                  <a:pt x="1572899" y="1762630"/>
+                </a:lnTo>
+                <a:cubicBezTo>
+                  <a:pt x="1719523" y="1509042"/>
+                  <a:pt x="1907201" y="1184448"/>
+                  <a:pt x="2147429" y="768968"/>
+                </a:cubicBezTo>
+                <a:cubicBezTo>
+                  <a:pt x="2218739" y="645819"/>
+                  <a:pt x="2347099" y="570035"/>
+                  <a:pt x="2489721" y="570035"/>
+                </a:cubicBezTo>
+                <a:close/>
+                <a:moveTo>
+                  <a:pt x="1573268" y="0"/>
+                </a:moveTo>
+                <a:cubicBezTo>
+                  <a:pt x="1573268" y="0"/>
+                  <a:pt x="1573268" y="0"/>
+                  <a:pt x="2497662" y="0"/>
+                </a:cubicBezTo>
+                <a:cubicBezTo>
+                  <a:pt x="2555561" y="0"/>
+                  <a:pt x="2611463" y="31828"/>
+                  <a:pt x="2639415" y="83546"/>
+                </a:cubicBezTo>
+                <a:cubicBezTo>
+                  <a:pt x="2639415" y="83546"/>
+                  <a:pt x="2639415" y="83546"/>
+                  <a:pt x="2887862" y="511387"/>
+                </a:cubicBezTo>
+                <a:lnTo>
+                  <a:pt x="2915928" y="559720"/>
+                </a:lnTo>
+                <a:lnTo>
+                  <a:pt x="2893844" y="559720"/>
+                </a:lnTo>
+                <a:lnTo>
+                  <a:pt x="2789466" y="559720"/>
+                </a:lnTo>
+                <a:lnTo>
+                  <a:pt x="2744122" y="481634"/>
+                </a:lnTo>
+                <a:cubicBezTo>
+                  <a:pt x="2570885" y="183309"/>
+                  <a:pt x="2570885" y="183309"/>
+                  <a:pt x="2570885" y="183309"/>
+                </a:cubicBezTo>
+                <a:cubicBezTo>
+                  <a:pt x="2546104" y="137459"/>
+                  <a:pt x="2496545" y="109243"/>
+                  <a:pt x="2445216" y="109243"/>
+                </a:cubicBezTo>
+                <a:cubicBezTo>
+                  <a:pt x="1625714" y="109243"/>
+                  <a:pt x="1625714" y="109243"/>
+                  <a:pt x="1625714" y="109243"/>
+                </a:cubicBezTo>
+                <a:cubicBezTo>
+                  <a:pt x="1572615" y="109243"/>
+                  <a:pt x="1524825" y="137459"/>
+                  <a:pt x="1498276" y="183309"/>
+                </a:cubicBezTo>
+                <a:cubicBezTo>
+                  <a:pt x="1089410" y="890450"/>
+                  <a:pt x="1089410" y="890450"/>
+                  <a:pt x="1089410" y="890450"/>
+                </a:cubicBezTo>
+                <a:cubicBezTo>
+                  <a:pt x="1062860" y="934537"/>
+                  <a:pt x="1062860" y="990967"/>
+                  <a:pt x="1089410" y="1035054"/>
+                </a:cubicBezTo>
+                <a:cubicBezTo>
+                  <a:pt x="1498276" y="1742196"/>
+                  <a:pt x="1498276" y="1742196"/>
+                  <a:pt x="1498276" y="1742196"/>
+                </a:cubicBezTo>
+                <a:cubicBezTo>
+                  <a:pt x="1511551" y="1765121"/>
+                  <a:pt x="1530135" y="1783637"/>
+                  <a:pt x="1552039" y="1796422"/>
+                </a:cubicBezTo>
+                <a:lnTo>
+                  <a:pt x="1558260" y="1799029"/>
+                </a:lnTo>
+                <a:lnTo>
+                  <a:pt x="1524911" y="1856707"/>
+                </a:lnTo>
+                <a:lnTo>
+                  <a:pt x="1500108" y="1899604"/>
+                </a:lnTo>
+                <a:lnTo>
+                  <a:pt x="1525834" y="1910390"/>
+                </a:lnTo>
+                <a:cubicBezTo>
+                  <a:pt x="1539779" y="1914181"/>
+                  <a:pt x="1554378" y="1916170"/>
+                  <a:pt x="1569352" y="1916170"/>
+                </a:cubicBezTo>
+                <a:cubicBezTo>
+                  <a:pt x="2493745" y="1916170"/>
+                  <a:pt x="2493745" y="1916170"/>
+                  <a:pt x="2493745" y="1916170"/>
+                </a:cubicBezTo>
+                <a:cubicBezTo>
+                  <a:pt x="2551645" y="1916170"/>
+                  <a:pt x="2607546" y="1884345"/>
+                  <a:pt x="2635498" y="1832627"/>
+                </a:cubicBezTo>
+                <a:cubicBezTo>
+                  <a:pt x="3098693" y="1034974"/>
+                  <a:pt x="3098693" y="1034974"/>
+                  <a:pt x="3098693" y="1034974"/>
+                </a:cubicBezTo>
+                <a:cubicBezTo>
+                  <a:pt x="3128641" y="985246"/>
+                  <a:pt x="3128641" y="921593"/>
+                  <a:pt x="3098693" y="871863"/>
+                </a:cubicBezTo>
+                <a:cubicBezTo>
+                  <a:pt x="3040794" y="772157"/>
+                  <a:pt x="2990132" y="684914"/>
+                  <a:pt x="2945803" y="608576"/>
+                </a:cubicBezTo>
+                <a:lnTo>
+                  <a:pt x="2923422" y="570035"/>
+                </a:lnTo>
+                <a:lnTo>
+                  <a:pt x="3027104" y="570035"/>
+                </a:lnTo>
+                <a:cubicBezTo>
+                  <a:pt x="3349535" y="570035"/>
+                  <a:pt x="3865424" y="570035"/>
+                  <a:pt x="4690846" y="570035"/>
+                </a:cubicBezTo>
+                <a:cubicBezTo>
+                  <a:pt x="4828714" y="570035"/>
+                  <a:pt x="4961827" y="645819"/>
+                  <a:pt x="5028384" y="768968"/>
+                </a:cubicBezTo>
+                <a:cubicBezTo>
+                  <a:pt x="5028384" y="768968"/>
+                  <a:pt x="5028384" y="768968"/>
+                  <a:pt x="6131323" y="2668304"/>
+                </a:cubicBezTo>
+                <a:cubicBezTo>
+                  <a:pt x="6202634" y="2786717"/>
+                  <a:pt x="6202634" y="2938285"/>
+                  <a:pt x="6131323" y="3056698"/>
+                </a:cubicBezTo>
+                <a:cubicBezTo>
+                  <a:pt x="6131323" y="3056698"/>
+                  <a:pt x="6131323" y="3056698"/>
+                  <a:pt x="5028384" y="4956035"/>
+                </a:cubicBezTo>
+                <a:cubicBezTo>
+                  <a:pt x="4961827" y="5079184"/>
+                  <a:pt x="4828714" y="5154967"/>
+                  <a:pt x="4690846" y="5154967"/>
+                </a:cubicBezTo>
+                <a:cubicBezTo>
+                  <a:pt x="4690846" y="5154967"/>
+                  <a:pt x="4690846" y="5154967"/>
+                  <a:pt x="2489721" y="5154967"/>
+                </a:cubicBezTo>
+                <a:cubicBezTo>
+                  <a:pt x="2347099" y="5154967"/>
+                  <a:pt x="2218739" y="5079184"/>
+                  <a:pt x="2147429" y="4956035"/>
+                </a:cubicBezTo>
+                <a:cubicBezTo>
+                  <a:pt x="2147429" y="4956035"/>
+                  <a:pt x="2147429" y="4956035"/>
+                  <a:pt x="1049243" y="3056698"/>
+                </a:cubicBezTo>
+                <a:cubicBezTo>
+                  <a:pt x="977932" y="2938285"/>
+                  <a:pt x="977932" y="2786717"/>
+                  <a:pt x="1049243" y="2668304"/>
+                </a:cubicBezTo>
+                <a:cubicBezTo>
+                  <a:pt x="1049243" y="2668304"/>
+                  <a:pt x="1049243" y="2668304"/>
+                  <a:pt x="1457007" y="1963067"/>
+                </a:cubicBezTo>
+                <a:lnTo>
+                  <a:pt x="1491373" y="1903634"/>
+                </a:lnTo>
+                <a:lnTo>
+                  <a:pt x="1490164" y="1903127"/>
+                </a:lnTo>
+                <a:cubicBezTo>
+                  <a:pt x="1465456" y="1888705"/>
+                  <a:pt x="1444493" y="1867820"/>
+                  <a:pt x="1429519" y="1841960"/>
+                </a:cubicBezTo>
+                <a:cubicBezTo>
+                  <a:pt x="1429519" y="1841960"/>
+                  <a:pt x="1429519" y="1841960"/>
+                  <a:pt x="968320" y="1044307"/>
+                </a:cubicBezTo>
+                <a:cubicBezTo>
+                  <a:pt x="938371" y="994579"/>
+                  <a:pt x="938371" y="930926"/>
+                  <a:pt x="968320" y="881196"/>
+                </a:cubicBezTo>
+                <a:cubicBezTo>
+                  <a:pt x="968320" y="881196"/>
+                  <a:pt x="968320" y="881196"/>
+                  <a:pt x="1429519" y="83546"/>
+                </a:cubicBezTo>
+                <a:cubicBezTo>
+                  <a:pt x="1459466" y="31828"/>
+                  <a:pt x="1513373" y="0"/>
+                  <a:pt x="1573268" y="0"/>
+                </a:cubicBezTo>
+                <a:close/>
+              </a:path>
+            </a:pathLst>
+          </a:custGeom>
+          <a:solidFill>
+            <a:schemeClr val="tx1">
+              <a:lumMod val="50000"/>
+              <a:lumOff val="50000"/>
+              <a:alpha val="15000"/>
+            </a:schemeClr>
+          </a:solidFill>
+          <a:ln>
+            <a:noFill/>
+          </a:ln>
+        </p:spPr>
+        <p:style>
+          <a:lnRef idx="2">
+            <a:schemeClr val="accent1">
+              <a:shade val="50000"/>
+            </a:schemeClr>
+          </a:lnRef>
+          <a:fillRef idx="1">
+            <a:schemeClr val="accent1"/>
+          </a:fillRef>
+          <a:effectRef idx="0">
+            <a:schemeClr val="accent1"/>
+          </a:effectRef>
+          <a:fontRef idx="minor">
+            <a:schemeClr val="lt1"/>
+          </a:fontRef>
+        </p:style>
+        <p:txBody>
+          <a:bodyPr wrap="square" rtlCol="0" anchor="ctr">
+            <a:noAutofit/>
+          </a:bodyPr>
+          <a:lstStyle/>
+          <a:p>
+            <a:pPr algn="ctr"/>
+            <a:endParaRPr lang="en-US"/>
+          </a:p>
+        </p:txBody>
+      </p:sp>
+      <p:pic>
+        <p:nvPicPr>
+          <p:cNvPr id="34" name="Graphic 33" descr="Monitor">
+            <a:extLst>
+              <a:ext uri="{FF2B5EF4-FFF2-40B4-BE49-F238E27FC236}">
+                <a16:creationId xmlns:a16="http://schemas.microsoft.com/office/drawing/2014/main" id="{5E7E4139-DA67-408E-9A8A-68078F7D9C1C}"/>
+              </a:ext>
+            </a:extLst>
+          </p:cNvPr>
+          <p:cNvPicPr>
+            <a:picLocks noChangeAspect="1"/>
+          </p:cNvPicPr>
+          <p:nvPr/>
+        </p:nvPicPr>
+        <p:blipFill>
+          <a:blip r:embed="rId3">
+            <a:extLst>
+              <a:ext uri="{28A0092B-C50C-407E-A947-70E740481C1C}">
+                <a14:useLocalDpi xmlns:a14="http://schemas.microsoft.com/office/drawing/2010/main" val="0"/>
+              </a:ext>
+              <a:ext uri="{96DAC541-7B7A-43D3-8B79-37D633B846F1}">
+                <asvg:svgBlip xmlns:asvg="http://schemas.microsoft.com/office/drawing/2016/SVG/main" r:embed="rId4"/>
+              </a:ext>
+            </a:extLst>
+          </a:blip>
+          <a:stretch>
+            <a:fillRect/>
+          </a:stretch>
+        </p:blipFill>
+        <p:spPr>
+          <a:xfrm>
+            <a:off x="7531503" y="2129307"/>
+            <a:ext cx="3217333" cy="3217333"/>
+          </a:xfrm>
+          <a:prstGeom prst="rect">
+            <a:avLst/>
+          </a:prstGeom>
+        </p:spPr>
+      </p:pic>
+    </p:spTree>
+    <p:extLst>
+      <p:ext uri="{BB962C8B-B14F-4D97-AF65-F5344CB8AC3E}">
+        <p14:creationId xmlns:p14="http://schemas.microsoft.com/office/powerpoint/2010/main" val="296155989"/>
+      </p:ext>
+    </p:extLst>
+  </p:cSld>
+  <p:clrMapOvr>
+    <a:masterClrMapping/>
+  </p:clrMapOvr>
+</p:sld>
+</file>
+
+<file path=ppt/slides/slide16.xml><?xml version="1.0" encoding="utf-8"?>
+<p:sld xmlns:a="http://schemas.openxmlformats.org/drawingml/2006/main" xmlns:r="http://schemas.openxmlformats.org/officeDocument/2006/relationships" xmlns:p="http://schemas.openxmlformats.org/presentationml/2006/main">
+  <p:cSld>
+    <p:bg>
+      <p:bgPr>
+        <a:solidFill>
+          <a:schemeClr val="bg1"/>
+        </a:solidFill>
+        <a:effectLst/>
+      </p:bgPr>
+    </p:bg>
+    <p:spTree>
+      <p:nvGrpSpPr>
+        <p:cNvPr id="1" name=""/>
+        <p:cNvGrpSpPr/>
+        <p:nvPr/>
+      </p:nvGrpSpPr>
+      <p:grpSpPr>
+        <a:xfrm>
+          <a:off x="0" y="0"/>
+          <a:ext cx="0" cy="0"/>
+          <a:chOff x="0" y="0"/>
+          <a:chExt cx="0" cy="0"/>
+        </a:xfrm>
+      </p:grpSpPr>
+      <p:sp>
+        <p:nvSpPr>
+          <p:cNvPr id="2" name="Title 1">
+            <a:extLst>
+              <a:ext uri="{FF2B5EF4-FFF2-40B4-BE49-F238E27FC236}">
+                <a16:creationId xmlns:a16="http://schemas.microsoft.com/office/drawing/2014/main" id="{0B0E3F05-66EA-43AB-B1A9-F30EAC51059D}"/>
+              </a:ext>
+            </a:extLst>
+          </p:cNvPr>
+          <p:cNvSpPr>
+            <a:spLocks noGrp="1"/>
+          </p:cNvSpPr>
+          <p:nvPr>
+            <p:ph type="title"/>
+          </p:nvPr>
+        </p:nvSpPr>
+        <p:spPr>
+          <a:xfrm>
+            <a:off x="1653363" y="365760"/>
+            <a:ext cx="9367203" cy="1188720"/>
+          </a:xfrm>
+        </p:spPr>
+        <p:txBody>
+          <a:bodyPr>
+            <a:normAutofit/>
+          </a:bodyPr>
+          <a:lstStyle/>
+          <a:p>
+            <a:r>
+              <a:rPr lang="en-US" b="1" dirty="0">
+                <a:solidFill>
+                  <a:schemeClr val="tx2"/>
+                </a:solidFill>
+              </a:rPr>
+              <a:t>Thank you for your time</a:t>
+            </a:r>
+            <a:endParaRPr lang="en-US" dirty="0"/>
+          </a:p>
+        </p:txBody>
+      </p:sp>
+      <p:sp>
+        <p:nvSpPr>
+          <p:cNvPr id="8" name="Freeform: Shape 7">
+            <a:extLst>
+              <a:ext uri="{FF2B5EF4-FFF2-40B4-BE49-F238E27FC236}">
+                <a16:creationId xmlns:a16="http://schemas.microsoft.com/office/drawing/2014/main" id="{7CB4857B-ED7C-444D-9F04-2F885114A1C2}"/>
+              </a:ext>
+              <a:ext uri="{C183D7F6-B498-43B3-948B-1728B52AA6E4}">
+                <adec:decorative xmlns:adec="http://schemas.microsoft.com/office/drawing/2017/decorative" val="1"/>
+              </a:ext>
+            </a:extLst>
+          </p:cNvPr>
+          <p:cNvSpPr>
+            <a:spLocks noGrp="1" noRot="1" noChangeAspect="1" noMove="1" noResize="1" noEditPoints="1" noAdjustHandles="1" noChangeArrowheads="1" noChangeShapeType="1" noTextEdit="1"/>
+          </p:cNvSpPr>
+          <p:nvPr>
+            <p:extLst>
+              <p:ext uri="{386F3935-93C4-4BCD-93E2-E3B085C9AB24}">
+                <p16:designElem xmlns:p16="http://schemas.microsoft.com/office/powerpoint/2015/main" val="1"/>
+              </p:ext>
+            </p:extLst>
+          </p:nvPr>
+        </p:nvSpPr>
+        <p:spPr>
+          <a:xfrm>
+            <a:off x="1" y="0"/>
+            <a:ext cx="1764099" cy="1558212"/>
+          </a:xfrm>
+          <a:custGeom>
+            <a:avLst/>
+            <a:gdLst>
+              <a:gd name="connsiteX0" fmla="*/ 0 w 1764099"/>
+              <a:gd name="connsiteY0" fmla="*/ 0 h 1558212"/>
+              <a:gd name="connsiteX1" fmla="*/ 1764099 w 1764099"/>
+              <a:gd name="connsiteY1" fmla="*/ 0 h 1558212"/>
+              <a:gd name="connsiteX2" fmla="*/ 1042087 w 1764099"/>
+              <a:gd name="connsiteY2" fmla="*/ 1558212 h 1558212"/>
+              <a:gd name="connsiteX3" fmla="*/ 0 w 1764099"/>
+              <a:gd name="connsiteY3" fmla="*/ 1558212 h 1558212"/>
+            </a:gdLst>
+            <a:ahLst/>
+            <a:cxnLst>
+              <a:cxn ang="0">
+                <a:pos x="connsiteX0" y="connsiteY0"/>
+              </a:cxn>
+              <a:cxn ang="0">
+                <a:pos x="connsiteX1" y="connsiteY1"/>
+              </a:cxn>
+              <a:cxn ang="0">
+                <a:pos x="connsiteX2" y="connsiteY2"/>
+              </a:cxn>
+              <a:cxn ang="0">
+                <a:pos x="connsiteX3" y="connsiteY3"/>
+              </a:cxn>
+            </a:cxnLst>
+            <a:rect l="l" t="t" r="r" b="b"/>
+            <a:pathLst>
+              <a:path w="1764099" h="1558212">
+                <a:moveTo>
+                  <a:pt x="0" y="0"/>
+                </a:moveTo>
+                <a:lnTo>
+                  <a:pt x="1764099" y="0"/>
+                </a:lnTo>
+                <a:lnTo>
+                  <a:pt x="1042087" y="1558212"/>
+                </a:lnTo>
+                <a:lnTo>
+                  <a:pt x="0" y="1558212"/>
+                </a:lnTo>
+                <a:close/>
+              </a:path>
+            </a:pathLst>
+          </a:custGeom>
+          <a:solidFill>
+            <a:schemeClr val="accent1">
+              <a:lumMod val="100000"/>
+              <a:lumOff val="0"/>
+            </a:schemeClr>
+          </a:solidFill>
+          <a:ln>
+            <a:noFill/>
+          </a:ln>
+        </p:spPr>
+        <p:style>
+          <a:lnRef idx="2">
+            <a:schemeClr val="accent1">
+              <a:shade val="50000"/>
+            </a:schemeClr>
+          </a:lnRef>
+          <a:fillRef idx="1">
+            <a:schemeClr val="accent1"/>
+          </a:fillRef>
+          <a:effectRef idx="0">
+            <a:schemeClr val="accent1"/>
+          </a:effectRef>
+          <a:fontRef idx="minor">
+            <a:schemeClr val="lt1"/>
+          </a:fontRef>
+        </p:style>
+        <p:txBody>
+          <a:bodyPr wrap="square" rtlCol="0" anchor="ctr">
+            <a:noAutofit/>
+          </a:bodyPr>
+          <a:lstStyle/>
+          <a:p>
+            <a:pPr algn="ctr"/>
+            <a:endParaRPr lang="en-US"/>
+          </a:p>
+        </p:txBody>
+      </p:sp>
+      <p:sp>
+        <p:nvSpPr>
+          <p:cNvPr id="12" name="Freeform: Shape 11">
+            <a:extLst>
+              <a:ext uri="{FF2B5EF4-FFF2-40B4-BE49-F238E27FC236}">
+                <a16:creationId xmlns:a16="http://schemas.microsoft.com/office/drawing/2014/main" id="{479F5F2B-8B58-4140-AE6A-51F6C67B18D9}"/>
+              </a:ext>
+              <a:ext uri="{C183D7F6-B498-43B3-948B-1728B52AA6E4}">
+                <adec:decorative xmlns:adec="http://schemas.microsoft.com/office/drawing/2017/decorative" val="1"/>
+              </a:ext>
+            </a:extLst>
+          </p:cNvPr>
+          <p:cNvSpPr>
+            <a:spLocks noGrp="1" noRot="1" noChangeAspect="1" noMove="1" noResize="1" noEditPoints="1" noAdjustHandles="1" noChangeArrowheads="1" noChangeShapeType="1" noTextEdit="1"/>
+          </p:cNvSpPr>
+          <p:nvPr>
+            <p:extLst>
+              <p:ext uri="{386F3935-93C4-4BCD-93E2-E3B085C9AB24}">
+                <p16:designElem xmlns:p16="http://schemas.microsoft.com/office/powerpoint/2015/main" val="1"/>
+              </p:ext>
+            </p:extLst>
+          </p:nvPr>
+        </p:nvSpPr>
+        <p:spPr>
+          <a:xfrm>
+            <a:off x="0" y="1691641"/>
+            <a:ext cx="971654" cy="2096979"/>
+          </a:xfrm>
+          <a:custGeom>
+            <a:avLst/>
+            <a:gdLst>
+              <a:gd name="connsiteX0" fmla="*/ 0 w 971654"/>
+              <a:gd name="connsiteY0" fmla="*/ 0 h 2096979"/>
+              <a:gd name="connsiteX1" fmla="*/ 971654 w 971654"/>
+              <a:gd name="connsiteY1" fmla="*/ 0 h 2096979"/>
+              <a:gd name="connsiteX2" fmla="*/ 0 w 971654"/>
+              <a:gd name="connsiteY2" fmla="*/ 2096979 h 2096979"/>
+            </a:gdLst>
+            <a:ahLst/>
+            <a:cxnLst>
+              <a:cxn ang="0">
+                <a:pos x="connsiteX0" y="connsiteY0"/>
+              </a:cxn>
+              <a:cxn ang="0">
+                <a:pos x="connsiteX1" y="connsiteY1"/>
+              </a:cxn>
+              <a:cxn ang="0">
+                <a:pos x="connsiteX2" y="connsiteY2"/>
+              </a:cxn>
+            </a:cxnLst>
+            <a:rect l="l" t="t" r="r" b="b"/>
+            <a:pathLst>
+              <a:path w="971654" h="2096979">
+                <a:moveTo>
+                  <a:pt x="0" y="0"/>
+                </a:moveTo>
+                <a:lnTo>
+                  <a:pt x="971654" y="0"/>
+                </a:lnTo>
+                <a:lnTo>
+                  <a:pt x="0" y="2096979"/>
+                </a:lnTo>
+                <a:close/>
+              </a:path>
+            </a:pathLst>
+          </a:custGeom>
+          <a:solidFill>
+            <a:srgbClr val="404040"/>
+          </a:solidFill>
+          <a:ln>
+            <a:noFill/>
+          </a:ln>
+        </p:spPr>
+        <p:style>
+          <a:lnRef idx="2">
+            <a:schemeClr val="accent1">
+              <a:shade val="50000"/>
+            </a:schemeClr>
+          </a:lnRef>
+          <a:fillRef idx="1">
+            <a:schemeClr val="accent1"/>
+          </a:fillRef>
+          <a:effectRef idx="0">
+            <a:schemeClr val="accent1"/>
+          </a:effectRef>
+          <a:fontRef idx="minor">
+            <a:schemeClr val="lt1"/>
+          </a:fontRef>
+        </p:style>
+        <p:txBody>
+          <a:bodyPr wrap="square" rtlCol="0" anchor="ctr">
+            <a:noAutofit/>
+          </a:bodyPr>
+          <a:lstStyle/>
+          <a:p>
+            <a:pPr algn="ctr"/>
+            <a:endParaRPr lang="en-US"/>
+          </a:p>
+        </p:txBody>
+      </p:sp>
+      <p:sp>
+        <p:nvSpPr>
+          <p:cNvPr id="3" name="Content Placeholder 2">
+            <a:extLst>
+              <a:ext uri="{FF2B5EF4-FFF2-40B4-BE49-F238E27FC236}">
+                <a16:creationId xmlns:a16="http://schemas.microsoft.com/office/drawing/2014/main" id="{DBB88942-6618-4B2C-A985-47153DAC76EE}"/>
+              </a:ext>
+            </a:extLst>
+          </p:cNvPr>
+          <p:cNvSpPr>
+            <a:spLocks noGrp="1"/>
+          </p:cNvSpPr>
+          <p:nvPr>
+            <p:ph idx="1"/>
+          </p:nvPr>
+        </p:nvSpPr>
+        <p:spPr>
+          <a:xfrm>
+            <a:off x="1653363" y="1920240"/>
+            <a:ext cx="9367204" cy="4297680"/>
+          </a:xfrm>
+        </p:spPr>
+        <p:txBody>
+          <a:bodyPr anchor="t">
+            <a:normAutofit/>
+          </a:bodyPr>
+          <a:lstStyle/>
+          <a:p>
+            <a:pPr marL="0" indent="0">
+              <a:buNone/>
+            </a:pPr>
+            <a:r>
+              <a:rPr lang="en-US" sz="2400" dirty="0">
+                <a:solidFill>
+                  <a:schemeClr val="tx2"/>
+                </a:solidFill>
+              </a:rPr>
+              <a:t>Questions?</a:t>
+            </a:r>
+          </a:p>
+        </p:txBody>
+      </p:sp>
+    </p:spTree>
+    <p:extLst>
+      <p:ext uri="{BB962C8B-B14F-4D97-AF65-F5344CB8AC3E}">
+        <p14:creationId xmlns:p14="http://schemas.microsoft.com/office/powerpoint/2010/main" val="4029518092"/>
+      </p:ext>
+    </p:extLst>
+  </p:cSld>
+  <p:clrMapOvr>
+    <a:masterClrMapping/>
+  </p:clrMapOvr>
+</p:sld>
+</file>
+
 <file path=ppt/slides/slide2.xml><?xml version="1.0" encoding="utf-8"?>
 <p:sld xmlns:a="http://schemas.openxmlformats.org/drawingml/2006/main" xmlns:r="http://schemas.openxmlformats.org/officeDocument/2006/relationships" xmlns:p="http://schemas.openxmlformats.org/presentationml/2006/main">
   <p:cSld>
@@ -4603,7 +10244,7 @@
                   <a:schemeClr val="tx2"/>
                 </a:solidFill>
               </a:rPr>
-              <a:t>What are log files?</a:t>
+              <a:t>Objectives:</a:t>
             </a:r>
           </a:p>
         </p:txBody>
@@ -4665,8 +10306,8 @@
         </p:nvSpPr>
         <p:spPr>
           <a:xfrm>
-            <a:off x="6090574" y="2421682"/>
-            <a:ext cx="4977578" cy="3639289"/>
+            <a:off x="6090573" y="2421682"/>
+            <a:ext cx="5785197" cy="3639289"/>
           </a:xfrm>
         </p:spPr>
         <p:txBody>
@@ -4675,16 +10316,13 @@
           </a:bodyPr>
           <a:lstStyle/>
           <a:p>
-            <a:pPr marL="0" indent="0">
-              <a:buNone/>
-            </a:pPr>
             <a:r>
               <a:rPr lang="en-US" sz="2400" dirty="0">
                 <a:solidFill>
                   <a:schemeClr val="tx2"/>
                 </a:solidFill>
               </a:rPr>
-              <a:t>Why should we care about them?</a:t>
+              <a:t>Understand what log files are, how they are used, and where to find them.</a:t>
             </a:r>
           </a:p>
           <a:p>
@@ -4698,6 +10336,16 @@
             </a:endParaRPr>
           </a:p>
           <a:p>
+            <a:r>
+              <a:rPr lang="en-US" sz="2400" dirty="0">
+                <a:solidFill>
+                  <a:schemeClr val="tx2"/>
+                </a:solidFill>
+              </a:rPr>
+              <a:t>Understand the basics of analyzing log files in Linux command line and PowerShell.</a:t>
+            </a:r>
+          </a:p>
+          <a:p>
             <a:pPr marL="0" indent="0">
               <a:buNone/>
             </a:pPr>
@@ -4708,49 +10356,13 @@
             </a:endParaRPr>
           </a:p>
           <a:p>
-            <a:pPr marL="0" indent="0">
-              <a:buNone/>
-            </a:pPr>
             <a:r>
               <a:rPr lang="en-US" sz="2400" dirty="0">
                 <a:solidFill>
                   <a:schemeClr val="tx2"/>
                 </a:solidFill>
               </a:rPr>
-              <a:t>Where can we find them?</a:t>
-            </a:r>
-          </a:p>
-          <a:p>
-            <a:pPr marL="0" indent="0">
-              <a:buNone/>
-            </a:pPr>
-            <a:endParaRPr lang="en-US" sz="2400" dirty="0">
-              <a:solidFill>
-                <a:schemeClr val="tx2"/>
-              </a:solidFill>
-            </a:endParaRPr>
-          </a:p>
-          <a:p>
-            <a:pPr marL="0" indent="0">
-              <a:buNone/>
-            </a:pPr>
-            <a:endParaRPr lang="en-US" sz="2400" dirty="0">
-              <a:solidFill>
-                <a:schemeClr val="tx2"/>
-              </a:solidFill>
-            </a:endParaRPr>
-          </a:p>
-          <a:p>
-            <a:pPr marL="0" indent="0">
-              <a:buNone/>
-            </a:pPr>
-            <a:r>
-              <a:rPr lang="en-US" sz="2400" dirty="0">
-                <a:solidFill>
-                  <a:schemeClr val="tx2"/>
-                </a:solidFill>
-              </a:rPr>
-              <a:t>What can we do with them?</a:t>
+              <a:t>Understand the basics of scripting in Bash and PowerShell to aid in our analysis.</a:t>
             </a:r>
           </a:p>
         </p:txBody>
@@ -7641,136 +13253,2516 @@
   <p:clrMapOvr>
     <a:masterClrMapping/>
   </p:clrMapOvr>
-  <p:timing>
-    <p:tnLst>
-      <p:par>
-        <p:cTn id="1" dur="indefinite" restart="never" nodeType="tmRoot">
-          <p:childTnLst>
-            <p:seq concurrent="1" nextAc="seek">
-              <p:cTn id="2" dur="indefinite" nodeType="mainSeq">
-                <p:childTnLst>
-                  <p:par>
-                    <p:cTn id="3" fill="hold">
-                      <p:stCondLst>
-                        <p:cond delay="indefinite"/>
-                        <p:cond evt="onBegin" delay="0">
-                          <p:tn val="2"/>
-                        </p:cond>
-                      </p:stCondLst>
-                      <p:childTnLst>
-                        <p:par>
-                          <p:cTn id="4" fill="hold">
-                            <p:stCondLst>
-                              <p:cond delay="0"/>
-                            </p:stCondLst>
-                            <p:childTnLst>
-                              <p:par>
-                                <p:cTn id="5" presetID="10" presetClass="entr" presetSubtype="0" fill="hold" nodeType="withEffect">
-                                  <p:stCondLst>
-                                    <p:cond delay="500"/>
-                                  </p:stCondLst>
-                                  <p:iterate>
-                                    <p:tmPct val="10000"/>
-                                  </p:iterate>
-                                  <p:childTnLst>
-                                    <p:set>
-                                      <p:cBhvr>
-                                        <p:cTn id="6" dur="1" fill="hold">
-                                          <p:stCondLst>
-                                            <p:cond delay="0"/>
-                                          </p:stCondLst>
-                                        </p:cTn>
-                                        <p:tgtEl>
-                                          <p:spTgt spid="7"/>
-                                        </p:tgtEl>
-                                        <p:attrNameLst>
-                                          <p:attrName>style.visibility</p:attrName>
-                                        </p:attrNameLst>
-                                      </p:cBhvr>
-                                      <p:to>
-                                        <p:strVal val="visible"/>
-                                      </p:to>
-                                    </p:set>
-                                    <p:animEffect transition="in" filter="fade">
-                                      <p:cBhvr>
-                                        <p:cTn id="7" dur="700"/>
-                                        <p:tgtEl>
-                                          <p:spTgt spid="7"/>
-                                        </p:tgtEl>
-                                      </p:cBhvr>
-                                    </p:animEffect>
-                                  </p:childTnLst>
-                                </p:cTn>
-                              </p:par>
-                              <p:par>
-                                <p:cTn id="8" presetID="10" presetClass="entr" presetSubtype="0" fill="hold" grpId="0" nodeType="withEffect">
-                                  <p:stCondLst>
-                                    <p:cond delay="1000"/>
-                                  </p:stCondLst>
-                                  <p:iterate type="lt">
-                                    <p:tmPct val="10000"/>
-                                  </p:iterate>
-                                  <p:childTnLst>
-                                    <p:set>
-                                      <p:cBhvr>
-                                        <p:cTn id="9" dur="1" fill="hold">
-                                          <p:stCondLst>
-                                            <p:cond delay="0"/>
-                                          </p:stCondLst>
-                                        </p:cTn>
-                                        <p:tgtEl>
-                                          <p:spTgt spid="2"/>
-                                        </p:tgtEl>
-                                        <p:attrNameLst>
-                                          <p:attrName>style.visibility</p:attrName>
-                                        </p:attrNameLst>
-                                      </p:cBhvr>
-                                      <p:to>
-                                        <p:strVal val="visible"/>
-                                      </p:to>
-                                    </p:set>
-                                    <p:animEffect transition="in" filter="fade">
-                                      <p:cBhvr>
-                                        <p:cTn id="10" dur="400"/>
-                                        <p:tgtEl>
-                                          <p:spTgt spid="2"/>
-                                        </p:tgtEl>
-                                      </p:cBhvr>
-                                    </p:animEffect>
-                                  </p:childTnLst>
-                                </p:cTn>
-                              </p:par>
-                            </p:childTnLst>
-                          </p:cTn>
-                        </p:par>
-                      </p:childTnLst>
-                    </p:cTn>
-                  </p:par>
-                </p:childTnLst>
-              </p:cTn>
-              <p:prevCondLst>
-                <p:cond evt="onPrev" delay="0">
-                  <p:tgtEl>
-                    <p:sldTgt/>
-                  </p:tgtEl>
-                </p:cond>
-              </p:prevCondLst>
-              <p:nextCondLst>
-                <p:cond evt="onNext" delay="0">
-                  <p:tgtEl>
-                    <p:sldTgt/>
-                  </p:tgtEl>
-                </p:cond>
-              </p:nextCondLst>
-            </p:seq>
-          </p:childTnLst>
-        </p:cTn>
-      </p:par>
-    </p:tnLst>
-    <p:bldLst>
-      <p:bldP spid="2" grpId="0"/>
-    </p:bldLst>
-  </p:timing>
+</p:sld>
+</file>
+
+<file path=ppt/slides/slide3.xml><?xml version="1.0" encoding="utf-8"?>
+<p:sld xmlns:a="http://schemas.openxmlformats.org/drawingml/2006/main" xmlns:r="http://schemas.openxmlformats.org/officeDocument/2006/relationships" xmlns:p="http://schemas.openxmlformats.org/presentationml/2006/main">
+  <p:cSld>
+    <p:bg>
+      <p:bgPr>
+        <a:solidFill>
+          <a:schemeClr val="bg1"/>
+        </a:solidFill>
+        <a:effectLst/>
+      </p:bgPr>
+    </p:bg>
+    <p:spTree>
+      <p:nvGrpSpPr>
+        <p:cNvPr id="1" name=""/>
+        <p:cNvGrpSpPr/>
+        <p:nvPr/>
+      </p:nvGrpSpPr>
+      <p:grpSpPr>
+        <a:xfrm>
+          <a:off x="0" y="0"/>
+          <a:ext cx="0" cy="0"/>
+          <a:chOff x="0" y="0"/>
+          <a:chExt cx="0" cy="0"/>
+        </a:xfrm>
+      </p:grpSpPr>
+      <p:sp>
+        <p:nvSpPr>
+          <p:cNvPr id="2" name="Title 1">
+            <a:extLst>
+              <a:ext uri="{FF2B5EF4-FFF2-40B4-BE49-F238E27FC236}">
+                <a16:creationId xmlns:a16="http://schemas.microsoft.com/office/drawing/2014/main" id="{0B0E3F05-66EA-43AB-B1A9-F30EAC51059D}"/>
+              </a:ext>
+            </a:extLst>
+          </p:cNvPr>
+          <p:cNvSpPr>
+            <a:spLocks noGrp="1"/>
+          </p:cNvSpPr>
+          <p:nvPr>
+            <p:ph type="title"/>
+          </p:nvPr>
+        </p:nvSpPr>
+        <p:spPr>
+          <a:xfrm>
+            <a:off x="1653363" y="365760"/>
+            <a:ext cx="9367203" cy="1188720"/>
+          </a:xfrm>
+        </p:spPr>
+        <p:txBody>
+          <a:bodyPr>
+            <a:normAutofit/>
+          </a:bodyPr>
+          <a:lstStyle/>
+          <a:p>
+            <a:r>
+              <a:rPr lang="en-US" b="1" dirty="0">
+                <a:solidFill>
+                  <a:schemeClr val="tx2"/>
+                </a:solidFill>
+              </a:rPr>
+              <a:t>What are log files? Why should I care?</a:t>
+            </a:r>
+            <a:endParaRPr lang="en-US" dirty="0"/>
+          </a:p>
+        </p:txBody>
+      </p:sp>
+      <p:sp>
+        <p:nvSpPr>
+          <p:cNvPr id="8" name="Freeform: Shape 7">
+            <a:extLst>
+              <a:ext uri="{FF2B5EF4-FFF2-40B4-BE49-F238E27FC236}">
+                <a16:creationId xmlns:a16="http://schemas.microsoft.com/office/drawing/2014/main" id="{7CB4857B-ED7C-444D-9F04-2F885114A1C2}"/>
+              </a:ext>
+              <a:ext uri="{C183D7F6-B498-43B3-948B-1728B52AA6E4}">
+                <adec:decorative xmlns:adec="http://schemas.microsoft.com/office/drawing/2017/decorative" val="1"/>
+              </a:ext>
+            </a:extLst>
+          </p:cNvPr>
+          <p:cNvSpPr>
+            <a:spLocks noGrp="1" noRot="1" noChangeAspect="1" noMove="1" noResize="1" noEditPoints="1" noAdjustHandles="1" noChangeArrowheads="1" noChangeShapeType="1" noTextEdit="1"/>
+          </p:cNvSpPr>
+          <p:nvPr>
+            <p:extLst>
+              <p:ext uri="{386F3935-93C4-4BCD-93E2-E3B085C9AB24}">
+                <p16:designElem xmlns:p16="http://schemas.microsoft.com/office/powerpoint/2015/main" val="1"/>
+              </p:ext>
+            </p:extLst>
+          </p:nvPr>
+        </p:nvSpPr>
+        <p:spPr>
+          <a:xfrm>
+            <a:off x="1" y="0"/>
+            <a:ext cx="1764099" cy="1558212"/>
+          </a:xfrm>
+          <a:custGeom>
+            <a:avLst/>
+            <a:gdLst>
+              <a:gd name="connsiteX0" fmla="*/ 0 w 1764099"/>
+              <a:gd name="connsiteY0" fmla="*/ 0 h 1558212"/>
+              <a:gd name="connsiteX1" fmla="*/ 1764099 w 1764099"/>
+              <a:gd name="connsiteY1" fmla="*/ 0 h 1558212"/>
+              <a:gd name="connsiteX2" fmla="*/ 1042087 w 1764099"/>
+              <a:gd name="connsiteY2" fmla="*/ 1558212 h 1558212"/>
+              <a:gd name="connsiteX3" fmla="*/ 0 w 1764099"/>
+              <a:gd name="connsiteY3" fmla="*/ 1558212 h 1558212"/>
+            </a:gdLst>
+            <a:ahLst/>
+            <a:cxnLst>
+              <a:cxn ang="0">
+                <a:pos x="connsiteX0" y="connsiteY0"/>
+              </a:cxn>
+              <a:cxn ang="0">
+                <a:pos x="connsiteX1" y="connsiteY1"/>
+              </a:cxn>
+              <a:cxn ang="0">
+                <a:pos x="connsiteX2" y="connsiteY2"/>
+              </a:cxn>
+              <a:cxn ang="0">
+                <a:pos x="connsiteX3" y="connsiteY3"/>
+              </a:cxn>
+            </a:cxnLst>
+            <a:rect l="l" t="t" r="r" b="b"/>
+            <a:pathLst>
+              <a:path w="1764099" h="1558212">
+                <a:moveTo>
+                  <a:pt x="0" y="0"/>
+                </a:moveTo>
+                <a:lnTo>
+                  <a:pt x="1764099" y="0"/>
+                </a:lnTo>
+                <a:lnTo>
+                  <a:pt x="1042087" y="1558212"/>
+                </a:lnTo>
+                <a:lnTo>
+                  <a:pt x="0" y="1558212"/>
+                </a:lnTo>
+                <a:close/>
+              </a:path>
+            </a:pathLst>
+          </a:custGeom>
+          <a:solidFill>
+            <a:schemeClr val="accent1">
+              <a:lumMod val="100000"/>
+              <a:lumOff val="0"/>
+            </a:schemeClr>
+          </a:solidFill>
+          <a:ln>
+            <a:noFill/>
+          </a:ln>
+        </p:spPr>
+        <p:style>
+          <a:lnRef idx="2">
+            <a:schemeClr val="accent1">
+              <a:shade val="50000"/>
+            </a:schemeClr>
+          </a:lnRef>
+          <a:fillRef idx="1">
+            <a:schemeClr val="accent1"/>
+          </a:fillRef>
+          <a:effectRef idx="0">
+            <a:schemeClr val="accent1"/>
+          </a:effectRef>
+          <a:fontRef idx="minor">
+            <a:schemeClr val="lt1"/>
+          </a:fontRef>
+        </p:style>
+        <p:txBody>
+          <a:bodyPr wrap="square" rtlCol="0" anchor="ctr">
+            <a:noAutofit/>
+          </a:bodyPr>
+          <a:lstStyle/>
+          <a:p>
+            <a:pPr algn="ctr"/>
+            <a:endParaRPr lang="en-US"/>
+          </a:p>
+        </p:txBody>
+      </p:sp>
+      <p:sp>
+        <p:nvSpPr>
+          <p:cNvPr id="12" name="Freeform: Shape 11">
+            <a:extLst>
+              <a:ext uri="{FF2B5EF4-FFF2-40B4-BE49-F238E27FC236}">
+                <a16:creationId xmlns:a16="http://schemas.microsoft.com/office/drawing/2014/main" id="{479F5F2B-8B58-4140-AE6A-51F6C67B18D9}"/>
+              </a:ext>
+              <a:ext uri="{C183D7F6-B498-43B3-948B-1728B52AA6E4}">
+                <adec:decorative xmlns:adec="http://schemas.microsoft.com/office/drawing/2017/decorative" val="1"/>
+              </a:ext>
+            </a:extLst>
+          </p:cNvPr>
+          <p:cNvSpPr>
+            <a:spLocks noGrp="1" noRot="1" noChangeAspect="1" noMove="1" noResize="1" noEditPoints="1" noAdjustHandles="1" noChangeArrowheads="1" noChangeShapeType="1" noTextEdit="1"/>
+          </p:cNvSpPr>
+          <p:nvPr>
+            <p:extLst>
+              <p:ext uri="{386F3935-93C4-4BCD-93E2-E3B085C9AB24}">
+                <p16:designElem xmlns:p16="http://schemas.microsoft.com/office/powerpoint/2015/main" val="1"/>
+              </p:ext>
+            </p:extLst>
+          </p:nvPr>
+        </p:nvSpPr>
+        <p:spPr>
+          <a:xfrm>
+            <a:off x="0" y="1691641"/>
+            <a:ext cx="971654" cy="2096979"/>
+          </a:xfrm>
+          <a:custGeom>
+            <a:avLst/>
+            <a:gdLst>
+              <a:gd name="connsiteX0" fmla="*/ 0 w 971654"/>
+              <a:gd name="connsiteY0" fmla="*/ 0 h 2096979"/>
+              <a:gd name="connsiteX1" fmla="*/ 971654 w 971654"/>
+              <a:gd name="connsiteY1" fmla="*/ 0 h 2096979"/>
+              <a:gd name="connsiteX2" fmla="*/ 0 w 971654"/>
+              <a:gd name="connsiteY2" fmla="*/ 2096979 h 2096979"/>
+            </a:gdLst>
+            <a:ahLst/>
+            <a:cxnLst>
+              <a:cxn ang="0">
+                <a:pos x="connsiteX0" y="connsiteY0"/>
+              </a:cxn>
+              <a:cxn ang="0">
+                <a:pos x="connsiteX1" y="connsiteY1"/>
+              </a:cxn>
+              <a:cxn ang="0">
+                <a:pos x="connsiteX2" y="connsiteY2"/>
+              </a:cxn>
+            </a:cxnLst>
+            <a:rect l="l" t="t" r="r" b="b"/>
+            <a:pathLst>
+              <a:path w="971654" h="2096979">
+                <a:moveTo>
+                  <a:pt x="0" y="0"/>
+                </a:moveTo>
+                <a:lnTo>
+                  <a:pt x="971654" y="0"/>
+                </a:lnTo>
+                <a:lnTo>
+                  <a:pt x="0" y="2096979"/>
+                </a:lnTo>
+                <a:close/>
+              </a:path>
+            </a:pathLst>
+          </a:custGeom>
+          <a:solidFill>
+            <a:srgbClr val="404040"/>
+          </a:solidFill>
+          <a:ln>
+            <a:noFill/>
+          </a:ln>
+        </p:spPr>
+        <p:style>
+          <a:lnRef idx="2">
+            <a:schemeClr val="accent1">
+              <a:shade val="50000"/>
+            </a:schemeClr>
+          </a:lnRef>
+          <a:fillRef idx="1">
+            <a:schemeClr val="accent1"/>
+          </a:fillRef>
+          <a:effectRef idx="0">
+            <a:schemeClr val="accent1"/>
+          </a:effectRef>
+          <a:fontRef idx="minor">
+            <a:schemeClr val="lt1"/>
+          </a:fontRef>
+        </p:style>
+        <p:txBody>
+          <a:bodyPr wrap="square" rtlCol="0" anchor="ctr">
+            <a:noAutofit/>
+          </a:bodyPr>
+          <a:lstStyle/>
+          <a:p>
+            <a:pPr algn="ctr"/>
+            <a:endParaRPr lang="en-US"/>
+          </a:p>
+        </p:txBody>
+      </p:sp>
+      <p:sp>
+        <p:nvSpPr>
+          <p:cNvPr id="3" name="Content Placeholder 2">
+            <a:extLst>
+              <a:ext uri="{FF2B5EF4-FFF2-40B4-BE49-F238E27FC236}">
+                <a16:creationId xmlns:a16="http://schemas.microsoft.com/office/drawing/2014/main" id="{DBB88942-6618-4B2C-A985-47153DAC76EE}"/>
+              </a:ext>
+            </a:extLst>
+          </p:cNvPr>
+          <p:cNvSpPr>
+            <a:spLocks noGrp="1"/>
+          </p:cNvSpPr>
+          <p:nvPr>
+            <p:ph idx="1"/>
+          </p:nvPr>
+        </p:nvSpPr>
+        <p:spPr>
+          <a:xfrm>
+            <a:off x="1653363" y="1920240"/>
+            <a:ext cx="9367204" cy="4297680"/>
+          </a:xfrm>
+        </p:spPr>
+        <p:txBody>
+          <a:bodyPr anchor="t">
+            <a:normAutofit/>
+          </a:bodyPr>
+          <a:lstStyle/>
+          <a:p>
+            <a:pPr marL="0" indent="0">
+              <a:buNone/>
+            </a:pPr>
+            <a:r>
+              <a:rPr lang="en-US" sz="2400" dirty="0">
+                <a:solidFill>
+                  <a:schemeClr val="tx2"/>
+                </a:solidFill>
+              </a:rPr>
+              <a:t>“A log file is a file that records either events that occur in an operating system or other software runs, or messages between different users of a communication software.” (Wikipedia).</a:t>
+            </a:r>
+          </a:p>
+          <a:p>
+            <a:pPr marL="0" indent="0">
+              <a:buNone/>
+            </a:pPr>
+            <a:endParaRPr lang="en-US" sz="2400" dirty="0">
+              <a:solidFill>
+                <a:schemeClr val="tx2"/>
+              </a:solidFill>
+            </a:endParaRPr>
+          </a:p>
+          <a:p>
+            <a:pPr marL="0" indent="0">
+              <a:buNone/>
+            </a:pPr>
+            <a:endParaRPr lang="en-US" sz="2400" dirty="0">
+              <a:solidFill>
+                <a:schemeClr val="tx2"/>
+              </a:solidFill>
+            </a:endParaRPr>
+          </a:p>
+        </p:txBody>
+      </p:sp>
+    </p:spTree>
+    <p:extLst>
+      <p:ext uri="{BB962C8B-B14F-4D97-AF65-F5344CB8AC3E}">
+        <p14:creationId xmlns:p14="http://schemas.microsoft.com/office/powerpoint/2010/main" val="2130670592"/>
+      </p:ext>
+    </p:extLst>
+  </p:cSld>
+  <p:clrMapOvr>
+    <a:masterClrMapping/>
+  </p:clrMapOvr>
+</p:sld>
+</file>
+
+<file path=ppt/slides/slide4.xml><?xml version="1.0" encoding="utf-8"?>
+<p:sld xmlns:a="http://schemas.openxmlformats.org/drawingml/2006/main" xmlns:r="http://schemas.openxmlformats.org/officeDocument/2006/relationships" xmlns:p="http://schemas.openxmlformats.org/presentationml/2006/main">
+  <p:cSld>
+    <p:bg>
+      <p:bgPr>
+        <a:solidFill>
+          <a:schemeClr val="bg1"/>
+        </a:solidFill>
+        <a:effectLst/>
+      </p:bgPr>
+    </p:bg>
+    <p:spTree>
+      <p:nvGrpSpPr>
+        <p:cNvPr id="1" name=""/>
+        <p:cNvGrpSpPr/>
+        <p:nvPr/>
+      </p:nvGrpSpPr>
+      <p:grpSpPr>
+        <a:xfrm>
+          <a:off x="0" y="0"/>
+          <a:ext cx="0" cy="0"/>
+          <a:chOff x="0" y="0"/>
+          <a:chExt cx="0" cy="0"/>
+        </a:xfrm>
+      </p:grpSpPr>
+      <p:sp>
+        <p:nvSpPr>
+          <p:cNvPr id="2" name="Title 1">
+            <a:extLst>
+              <a:ext uri="{FF2B5EF4-FFF2-40B4-BE49-F238E27FC236}">
+                <a16:creationId xmlns:a16="http://schemas.microsoft.com/office/drawing/2014/main" id="{0B0E3F05-66EA-43AB-B1A9-F30EAC51059D}"/>
+              </a:ext>
+            </a:extLst>
+          </p:cNvPr>
+          <p:cNvSpPr>
+            <a:spLocks noGrp="1"/>
+          </p:cNvSpPr>
+          <p:nvPr>
+            <p:ph type="title"/>
+          </p:nvPr>
+        </p:nvSpPr>
+        <p:spPr>
+          <a:xfrm>
+            <a:off x="1653363" y="365760"/>
+            <a:ext cx="9367203" cy="1188720"/>
+          </a:xfrm>
+        </p:spPr>
+        <p:txBody>
+          <a:bodyPr>
+            <a:normAutofit/>
+          </a:bodyPr>
+          <a:lstStyle/>
+          <a:p>
+            <a:r>
+              <a:rPr lang="en-US" b="1" dirty="0">
+                <a:solidFill>
+                  <a:schemeClr val="tx2"/>
+                </a:solidFill>
+              </a:rPr>
+              <a:t>Where are they found?</a:t>
+            </a:r>
+            <a:endParaRPr lang="en-US" dirty="0"/>
+          </a:p>
+        </p:txBody>
+      </p:sp>
+      <p:sp>
+        <p:nvSpPr>
+          <p:cNvPr id="8" name="Freeform: Shape 7">
+            <a:extLst>
+              <a:ext uri="{FF2B5EF4-FFF2-40B4-BE49-F238E27FC236}">
+                <a16:creationId xmlns:a16="http://schemas.microsoft.com/office/drawing/2014/main" id="{7CB4857B-ED7C-444D-9F04-2F885114A1C2}"/>
+              </a:ext>
+              <a:ext uri="{C183D7F6-B498-43B3-948B-1728B52AA6E4}">
+                <adec:decorative xmlns:adec="http://schemas.microsoft.com/office/drawing/2017/decorative" val="1"/>
+              </a:ext>
+            </a:extLst>
+          </p:cNvPr>
+          <p:cNvSpPr>
+            <a:spLocks noGrp="1" noRot="1" noChangeAspect="1" noMove="1" noResize="1" noEditPoints="1" noAdjustHandles="1" noChangeArrowheads="1" noChangeShapeType="1" noTextEdit="1"/>
+          </p:cNvSpPr>
+          <p:nvPr>
+            <p:extLst>
+              <p:ext uri="{386F3935-93C4-4BCD-93E2-E3B085C9AB24}">
+                <p16:designElem xmlns:p16="http://schemas.microsoft.com/office/powerpoint/2015/main" val="1"/>
+              </p:ext>
+            </p:extLst>
+          </p:nvPr>
+        </p:nvSpPr>
+        <p:spPr>
+          <a:xfrm>
+            <a:off x="1" y="0"/>
+            <a:ext cx="1764099" cy="1558212"/>
+          </a:xfrm>
+          <a:custGeom>
+            <a:avLst/>
+            <a:gdLst>
+              <a:gd name="connsiteX0" fmla="*/ 0 w 1764099"/>
+              <a:gd name="connsiteY0" fmla="*/ 0 h 1558212"/>
+              <a:gd name="connsiteX1" fmla="*/ 1764099 w 1764099"/>
+              <a:gd name="connsiteY1" fmla="*/ 0 h 1558212"/>
+              <a:gd name="connsiteX2" fmla="*/ 1042087 w 1764099"/>
+              <a:gd name="connsiteY2" fmla="*/ 1558212 h 1558212"/>
+              <a:gd name="connsiteX3" fmla="*/ 0 w 1764099"/>
+              <a:gd name="connsiteY3" fmla="*/ 1558212 h 1558212"/>
+            </a:gdLst>
+            <a:ahLst/>
+            <a:cxnLst>
+              <a:cxn ang="0">
+                <a:pos x="connsiteX0" y="connsiteY0"/>
+              </a:cxn>
+              <a:cxn ang="0">
+                <a:pos x="connsiteX1" y="connsiteY1"/>
+              </a:cxn>
+              <a:cxn ang="0">
+                <a:pos x="connsiteX2" y="connsiteY2"/>
+              </a:cxn>
+              <a:cxn ang="0">
+                <a:pos x="connsiteX3" y="connsiteY3"/>
+              </a:cxn>
+            </a:cxnLst>
+            <a:rect l="l" t="t" r="r" b="b"/>
+            <a:pathLst>
+              <a:path w="1764099" h="1558212">
+                <a:moveTo>
+                  <a:pt x="0" y="0"/>
+                </a:moveTo>
+                <a:lnTo>
+                  <a:pt x="1764099" y="0"/>
+                </a:lnTo>
+                <a:lnTo>
+                  <a:pt x="1042087" y="1558212"/>
+                </a:lnTo>
+                <a:lnTo>
+                  <a:pt x="0" y="1558212"/>
+                </a:lnTo>
+                <a:close/>
+              </a:path>
+            </a:pathLst>
+          </a:custGeom>
+          <a:solidFill>
+            <a:schemeClr val="accent1">
+              <a:lumMod val="100000"/>
+              <a:lumOff val="0"/>
+            </a:schemeClr>
+          </a:solidFill>
+          <a:ln>
+            <a:noFill/>
+          </a:ln>
+        </p:spPr>
+        <p:style>
+          <a:lnRef idx="2">
+            <a:schemeClr val="accent1">
+              <a:shade val="50000"/>
+            </a:schemeClr>
+          </a:lnRef>
+          <a:fillRef idx="1">
+            <a:schemeClr val="accent1"/>
+          </a:fillRef>
+          <a:effectRef idx="0">
+            <a:schemeClr val="accent1"/>
+          </a:effectRef>
+          <a:fontRef idx="minor">
+            <a:schemeClr val="lt1"/>
+          </a:fontRef>
+        </p:style>
+        <p:txBody>
+          <a:bodyPr wrap="square" rtlCol="0" anchor="ctr">
+            <a:noAutofit/>
+          </a:bodyPr>
+          <a:lstStyle/>
+          <a:p>
+            <a:pPr algn="ctr"/>
+            <a:endParaRPr lang="en-US"/>
+          </a:p>
+        </p:txBody>
+      </p:sp>
+      <p:sp>
+        <p:nvSpPr>
+          <p:cNvPr id="12" name="Freeform: Shape 11">
+            <a:extLst>
+              <a:ext uri="{FF2B5EF4-FFF2-40B4-BE49-F238E27FC236}">
+                <a16:creationId xmlns:a16="http://schemas.microsoft.com/office/drawing/2014/main" id="{479F5F2B-8B58-4140-AE6A-51F6C67B18D9}"/>
+              </a:ext>
+              <a:ext uri="{C183D7F6-B498-43B3-948B-1728B52AA6E4}">
+                <adec:decorative xmlns:adec="http://schemas.microsoft.com/office/drawing/2017/decorative" val="1"/>
+              </a:ext>
+            </a:extLst>
+          </p:cNvPr>
+          <p:cNvSpPr>
+            <a:spLocks noGrp="1" noRot="1" noChangeAspect="1" noMove="1" noResize="1" noEditPoints="1" noAdjustHandles="1" noChangeArrowheads="1" noChangeShapeType="1" noTextEdit="1"/>
+          </p:cNvSpPr>
+          <p:nvPr>
+            <p:extLst>
+              <p:ext uri="{386F3935-93C4-4BCD-93E2-E3B085C9AB24}">
+                <p16:designElem xmlns:p16="http://schemas.microsoft.com/office/powerpoint/2015/main" val="1"/>
+              </p:ext>
+            </p:extLst>
+          </p:nvPr>
+        </p:nvSpPr>
+        <p:spPr>
+          <a:xfrm>
+            <a:off x="0" y="1691641"/>
+            <a:ext cx="971654" cy="2096979"/>
+          </a:xfrm>
+          <a:custGeom>
+            <a:avLst/>
+            <a:gdLst>
+              <a:gd name="connsiteX0" fmla="*/ 0 w 971654"/>
+              <a:gd name="connsiteY0" fmla="*/ 0 h 2096979"/>
+              <a:gd name="connsiteX1" fmla="*/ 971654 w 971654"/>
+              <a:gd name="connsiteY1" fmla="*/ 0 h 2096979"/>
+              <a:gd name="connsiteX2" fmla="*/ 0 w 971654"/>
+              <a:gd name="connsiteY2" fmla="*/ 2096979 h 2096979"/>
+            </a:gdLst>
+            <a:ahLst/>
+            <a:cxnLst>
+              <a:cxn ang="0">
+                <a:pos x="connsiteX0" y="connsiteY0"/>
+              </a:cxn>
+              <a:cxn ang="0">
+                <a:pos x="connsiteX1" y="connsiteY1"/>
+              </a:cxn>
+              <a:cxn ang="0">
+                <a:pos x="connsiteX2" y="connsiteY2"/>
+              </a:cxn>
+            </a:cxnLst>
+            <a:rect l="l" t="t" r="r" b="b"/>
+            <a:pathLst>
+              <a:path w="971654" h="2096979">
+                <a:moveTo>
+                  <a:pt x="0" y="0"/>
+                </a:moveTo>
+                <a:lnTo>
+                  <a:pt x="971654" y="0"/>
+                </a:lnTo>
+                <a:lnTo>
+                  <a:pt x="0" y="2096979"/>
+                </a:lnTo>
+                <a:close/>
+              </a:path>
+            </a:pathLst>
+          </a:custGeom>
+          <a:solidFill>
+            <a:srgbClr val="404040"/>
+          </a:solidFill>
+          <a:ln>
+            <a:noFill/>
+          </a:ln>
+        </p:spPr>
+        <p:style>
+          <a:lnRef idx="2">
+            <a:schemeClr val="accent1">
+              <a:shade val="50000"/>
+            </a:schemeClr>
+          </a:lnRef>
+          <a:fillRef idx="1">
+            <a:schemeClr val="accent1"/>
+          </a:fillRef>
+          <a:effectRef idx="0">
+            <a:schemeClr val="accent1"/>
+          </a:effectRef>
+          <a:fontRef idx="minor">
+            <a:schemeClr val="lt1"/>
+          </a:fontRef>
+        </p:style>
+        <p:txBody>
+          <a:bodyPr wrap="square" rtlCol="0" anchor="ctr">
+            <a:noAutofit/>
+          </a:bodyPr>
+          <a:lstStyle/>
+          <a:p>
+            <a:pPr algn="ctr"/>
+            <a:endParaRPr lang="en-US"/>
+          </a:p>
+        </p:txBody>
+      </p:sp>
+      <p:pic>
+        <p:nvPicPr>
+          <p:cNvPr id="5" name="Picture 4">
+            <a:extLst>
+              <a:ext uri="{FF2B5EF4-FFF2-40B4-BE49-F238E27FC236}">
+                <a16:creationId xmlns:a16="http://schemas.microsoft.com/office/drawing/2014/main" id="{6F763578-93C3-4733-8344-0A2C4BD110A3}"/>
+              </a:ext>
+            </a:extLst>
+          </p:cNvPr>
+          <p:cNvPicPr>
+            <a:picLocks noChangeAspect="1"/>
+          </p:cNvPicPr>
+          <p:nvPr/>
+        </p:nvPicPr>
+        <p:blipFill>
+          <a:blip r:embed="rId3"/>
+          <a:stretch>
+            <a:fillRect/>
+          </a:stretch>
+        </p:blipFill>
+        <p:spPr>
+          <a:xfrm>
+            <a:off x="1415579" y="2938970"/>
+            <a:ext cx="5512845" cy="2303144"/>
+          </a:xfrm>
+          <a:prstGeom prst="rect">
+            <a:avLst/>
+          </a:prstGeom>
+        </p:spPr>
+      </p:pic>
+      <p:pic>
+        <p:nvPicPr>
+          <p:cNvPr id="11" name="Picture 10">
+            <a:extLst>
+              <a:ext uri="{FF2B5EF4-FFF2-40B4-BE49-F238E27FC236}">
+                <a16:creationId xmlns:a16="http://schemas.microsoft.com/office/drawing/2014/main" id="{5E692064-5252-40E8-961F-1197EFDD9368}"/>
+              </a:ext>
+            </a:extLst>
+          </p:cNvPr>
+          <p:cNvPicPr>
+            <a:picLocks noChangeAspect="1"/>
+          </p:cNvPicPr>
+          <p:nvPr/>
+        </p:nvPicPr>
+        <p:blipFill>
+          <a:blip r:embed="rId4"/>
+          <a:stretch>
+            <a:fillRect/>
+          </a:stretch>
+        </p:blipFill>
+        <p:spPr>
+          <a:xfrm>
+            <a:off x="7372350" y="1688843"/>
+            <a:ext cx="4468276" cy="4803398"/>
+          </a:xfrm>
+          <a:prstGeom prst="rect">
+            <a:avLst/>
+          </a:prstGeom>
+        </p:spPr>
+      </p:pic>
+      <p:sp>
+        <p:nvSpPr>
+          <p:cNvPr id="13" name="TextBox 12">
+            <a:extLst>
+              <a:ext uri="{FF2B5EF4-FFF2-40B4-BE49-F238E27FC236}">
+                <a16:creationId xmlns:a16="http://schemas.microsoft.com/office/drawing/2014/main" id="{416A0075-CDDC-4582-A9B9-7053E50BA4C6}"/>
+              </a:ext>
+            </a:extLst>
+          </p:cNvPr>
+          <p:cNvSpPr txBox="1"/>
+          <p:nvPr/>
+        </p:nvSpPr>
+        <p:spPr>
+          <a:xfrm>
+            <a:off x="2773508" y="2278465"/>
+            <a:ext cx="2796988" cy="461665"/>
+          </a:xfrm>
+          <a:prstGeom prst="rect">
+            <a:avLst/>
+          </a:prstGeom>
+          <a:noFill/>
+        </p:spPr>
+        <p:txBody>
+          <a:bodyPr wrap="square" rtlCol="0">
+            <a:spAutoFit/>
+          </a:bodyPr>
+          <a:lstStyle/>
+          <a:p>
+            <a:pPr algn="ctr"/>
+            <a:r>
+              <a:rPr lang="en-US" sz="2400" dirty="0">
+                <a:solidFill>
+                  <a:schemeClr val="tx2"/>
+                </a:solidFill>
+              </a:rPr>
+              <a:t>Linux: /var/log</a:t>
+            </a:r>
+          </a:p>
+        </p:txBody>
+      </p:sp>
+      <p:sp>
+        <p:nvSpPr>
+          <p:cNvPr id="14" name="TextBox 13">
+            <a:extLst>
+              <a:ext uri="{FF2B5EF4-FFF2-40B4-BE49-F238E27FC236}">
+                <a16:creationId xmlns:a16="http://schemas.microsoft.com/office/drawing/2014/main" id="{8798643F-3911-41AC-9AB9-A34F4B496F5E}"/>
+              </a:ext>
+            </a:extLst>
+          </p:cNvPr>
+          <p:cNvSpPr txBox="1"/>
+          <p:nvPr/>
+        </p:nvSpPr>
+        <p:spPr>
+          <a:xfrm>
+            <a:off x="7790172" y="1092815"/>
+            <a:ext cx="3632632" cy="461665"/>
+          </a:xfrm>
+          <a:prstGeom prst="rect">
+            <a:avLst/>
+          </a:prstGeom>
+          <a:noFill/>
+        </p:spPr>
+        <p:txBody>
+          <a:bodyPr wrap="square" rtlCol="0">
+            <a:spAutoFit/>
+          </a:bodyPr>
+          <a:lstStyle/>
+          <a:p>
+            <a:pPr algn="ctr"/>
+            <a:r>
+              <a:rPr lang="en-US" sz="2400" dirty="0">
+                <a:solidFill>
+                  <a:schemeClr val="tx2"/>
+                </a:solidFill>
+              </a:rPr>
+              <a:t>Windows 10: Event Viewer</a:t>
+            </a:r>
+          </a:p>
+        </p:txBody>
+      </p:sp>
+    </p:spTree>
+    <p:extLst>
+      <p:ext uri="{BB962C8B-B14F-4D97-AF65-F5344CB8AC3E}">
+        <p14:creationId xmlns:p14="http://schemas.microsoft.com/office/powerpoint/2010/main" val="3852511171"/>
+      </p:ext>
+    </p:extLst>
+  </p:cSld>
+  <p:clrMapOvr>
+    <a:masterClrMapping/>
+  </p:clrMapOvr>
+</p:sld>
+</file>
+
+<file path=ppt/slides/slide5.xml><?xml version="1.0" encoding="utf-8"?>
+<p:sld xmlns:a="http://schemas.openxmlformats.org/drawingml/2006/main" xmlns:r="http://schemas.openxmlformats.org/officeDocument/2006/relationships" xmlns:p="http://schemas.openxmlformats.org/presentationml/2006/main">
+  <p:cSld>
+    <p:bg>
+      <p:bgPr>
+        <a:solidFill>
+          <a:schemeClr val="bg1"/>
+        </a:solidFill>
+        <a:effectLst/>
+      </p:bgPr>
+    </p:bg>
+    <p:spTree>
+      <p:nvGrpSpPr>
+        <p:cNvPr id="1" name=""/>
+        <p:cNvGrpSpPr/>
+        <p:nvPr/>
+      </p:nvGrpSpPr>
+      <p:grpSpPr>
+        <a:xfrm>
+          <a:off x="0" y="0"/>
+          <a:ext cx="0" cy="0"/>
+          <a:chOff x="0" y="0"/>
+          <a:chExt cx="0" cy="0"/>
+        </a:xfrm>
+      </p:grpSpPr>
+      <p:sp>
+        <p:nvSpPr>
+          <p:cNvPr id="2" name="Title 1">
+            <a:extLst>
+              <a:ext uri="{FF2B5EF4-FFF2-40B4-BE49-F238E27FC236}">
+                <a16:creationId xmlns:a16="http://schemas.microsoft.com/office/drawing/2014/main" id="{0B0E3F05-66EA-43AB-B1A9-F30EAC51059D}"/>
+              </a:ext>
+            </a:extLst>
+          </p:cNvPr>
+          <p:cNvSpPr>
+            <a:spLocks noGrp="1"/>
+          </p:cNvSpPr>
+          <p:nvPr>
+            <p:ph type="title"/>
+          </p:nvPr>
+        </p:nvSpPr>
+        <p:spPr>
+          <a:xfrm>
+            <a:off x="1653363" y="365760"/>
+            <a:ext cx="9367203" cy="1188720"/>
+          </a:xfrm>
+        </p:spPr>
+        <p:txBody>
+          <a:bodyPr>
+            <a:normAutofit/>
+          </a:bodyPr>
+          <a:lstStyle/>
+          <a:p>
+            <a:r>
+              <a:rPr lang="en-US" b="1" dirty="0">
+                <a:solidFill>
+                  <a:schemeClr val="tx2"/>
+                </a:solidFill>
+              </a:rPr>
+              <a:t>Text Processing in Linux</a:t>
+            </a:r>
+            <a:endParaRPr lang="en-US" dirty="0"/>
+          </a:p>
+        </p:txBody>
+      </p:sp>
+      <p:sp>
+        <p:nvSpPr>
+          <p:cNvPr id="8" name="Freeform: Shape 7">
+            <a:extLst>
+              <a:ext uri="{FF2B5EF4-FFF2-40B4-BE49-F238E27FC236}">
+                <a16:creationId xmlns:a16="http://schemas.microsoft.com/office/drawing/2014/main" id="{7CB4857B-ED7C-444D-9F04-2F885114A1C2}"/>
+              </a:ext>
+              <a:ext uri="{C183D7F6-B498-43B3-948B-1728B52AA6E4}">
+                <adec:decorative xmlns:adec="http://schemas.microsoft.com/office/drawing/2017/decorative" val="1"/>
+              </a:ext>
+            </a:extLst>
+          </p:cNvPr>
+          <p:cNvSpPr>
+            <a:spLocks noGrp="1" noRot="1" noChangeAspect="1" noMove="1" noResize="1" noEditPoints="1" noAdjustHandles="1" noChangeArrowheads="1" noChangeShapeType="1" noTextEdit="1"/>
+          </p:cNvSpPr>
+          <p:nvPr>
+            <p:extLst>
+              <p:ext uri="{386F3935-93C4-4BCD-93E2-E3B085C9AB24}">
+                <p16:designElem xmlns:p16="http://schemas.microsoft.com/office/powerpoint/2015/main" val="1"/>
+              </p:ext>
+            </p:extLst>
+          </p:nvPr>
+        </p:nvSpPr>
+        <p:spPr>
+          <a:xfrm>
+            <a:off x="1" y="0"/>
+            <a:ext cx="1764099" cy="1558212"/>
+          </a:xfrm>
+          <a:custGeom>
+            <a:avLst/>
+            <a:gdLst>
+              <a:gd name="connsiteX0" fmla="*/ 0 w 1764099"/>
+              <a:gd name="connsiteY0" fmla="*/ 0 h 1558212"/>
+              <a:gd name="connsiteX1" fmla="*/ 1764099 w 1764099"/>
+              <a:gd name="connsiteY1" fmla="*/ 0 h 1558212"/>
+              <a:gd name="connsiteX2" fmla="*/ 1042087 w 1764099"/>
+              <a:gd name="connsiteY2" fmla="*/ 1558212 h 1558212"/>
+              <a:gd name="connsiteX3" fmla="*/ 0 w 1764099"/>
+              <a:gd name="connsiteY3" fmla="*/ 1558212 h 1558212"/>
+            </a:gdLst>
+            <a:ahLst/>
+            <a:cxnLst>
+              <a:cxn ang="0">
+                <a:pos x="connsiteX0" y="connsiteY0"/>
+              </a:cxn>
+              <a:cxn ang="0">
+                <a:pos x="connsiteX1" y="connsiteY1"/>
+              </a:cxn>
+              <a:cxn ang="0">
+                <a:pos x="connsiteX2" y="connsiteY2"/>
+              </a:cxn>
+              <a:cxn ang="0">
+                <a:pos x="connsiteX3" y="connsiteY3"/>
+              </a:cxn>
+            </a:cxnLst>
+            <a:rect l="l" t="t" r="r" b="b"/>
+            <a:pathLst>
+              <a:path w="1764099" h="1558212">
+                <a:moveTo>
+                  <a:pt x="0" y="0"/>
+                </a:moveTo>
+                <a:lnTo>
+                  <a:pt x="1764099" y="0"/>
+                </a:lnTo>
+                <a:lnTo>
+                  <a:pt x="1042087" y="1558212"/>
+                </a:lnTo>
+                <a:lnTo>
+                  <a:pt x="0" y="1558212"/>
+                </a:lnTo>
+                <a:close/>
+              </a:path>
+            </a:pathLst>
+          </a:custGeom>
+          <a:solidFill>
+            <a:schemeClr val="accent1">
+              <a:lumMod val="100000"/>
+              <a:lumOff val="0"/>
+            </a:schemeClr>
+          </a:solidFill>
+          <a:ln>
+            <a:noFill/>
+          </a:ln>
+        </p:spPr>
+        <p:style>
+          <a:lnRef idx="2">
+            <a:schemeClr val="accent1">
+              <a:shade val="50000"/>
+            </a:schemeClr>
+          </a:lnRef>
+          <a:fillRef idx="1">
+            <a:schemeClr val="accent1"/>
+          </a:fillRef>
+          <a:effectRef idx="0">
+            <a:schemeClr val="accent1"/>
+          </a:effectRef>
+          <a:fontRef idx="minor">
+            <a:schemeClr val="lt1"/>
+          </a:fontRef>
+        </p:style>
+        <p:txBody>
+          <a:bodyPr wrap="square" rtlCol="0" anchor="ctr">
+            <a:noAutofit/>
+          </a:bodyPr>
+          <a:lstStyle/>
+          <a:p>
+            <a:pPr algn="ctr"/>
+            <a:endParaRPr lang="en-US"/>
+          </a:p>
+        </p:txBody>
+      </p:sp>
+      <p:sp>
+        <p:nvSpPr>
+          <p:cNvPr id="12" name="Freeform: Shape 11">
+            <a:extLst>
+              <a:ext uri="{FF2B5EF4-FFF2-40B4-BE49-F238E27FC236}">
+                <a16:creationId xmlns:a16="http://schemas.microsoft.com/office/drawing/2014/main" id="{479F5F2B-8B58-4140-AE6A-51F6C67B18D9}"/>
+              </a:ext>
+              <a:ext uri="{C183D7F6-B498-43B3-948B-1728B52AA6E4}">
+                <adec:decorative xmlns:adec="http://schemas.microsoft.com/office/drawing/2017/decorative" val="1"/>
+              </a:ext>
+            </a:extLst>
+          </p:cNvPr>
+          <p:cNvSpPr>
+            <a:spLocks noGrp="1" noRot="1" noChangeAspect="1" noMove="1" noResize="1" noEditPoints="1" noAdjustHandles="1" noChangeArrowheads="1" noChangeShapeType="1" noTextEdit="1"/>
+          </p:cNvSpPr>
+          <p:nvPr>
+            <p:extLst>
+              <p:ext uri="{386F3935-93C4-4BCD-93E2-E3B085C9AB24}">
+                <p16:designElem xmlns:p16="http://schemas.microsoft.com/office/powerpoint/2015/main" val="1"/>
+              </p:ext>
+            </p:extLst>
+          </p:nvPr>
+        </p:nvSpPr>
+        <p:spPr>
+          <a:xfrm>
+            <a:off x="0" y="1691641"/>
+            <a:ext cx="971654" cy="2096979"/>
+          </a:xfrm>
+          <a:custGeom>
+            <a:avLst/>
+            <a:gdLst>
+              <a:gd name="connsiteX0" fmla="*/ 0 w 971654"/>
+              <a:gd name="connsiteY0" fmla="*/ 0 h 2096979"/>
+              <a:gd name="connsiteX1" fmla="*/ 971654 w 971654"/>
+              <a:gd name="connsiteY1" fmla="*/ 0 h 2096979"/>
+              <a:gd name="connsiteX2" fmla="*/ 0 w 971654"/>
+              <a:gd name="connsiteY2" fmla="*/ 2096979 h 2096979"/>
+            </a:gdLst>
+            <a:ahLst/>
+            <a:cxnLst>
+              <a:cxn ang="0">
+                <a:pos x="connsiteX0" y="connsiteY0"/>
+              </a:cxn>
+              <a:cxn ang="0">
+                <a:pos x="connsiteX1" y="connsiteY1"/>
+              </a:cxn>
+              <a:cxn ang="0">
+                <a:pos x="connsiteX2" y="connsiteY2"/>
+              </a:cxn>
+            </a:cxnLst>
+            <a:rect l="l" t="t" r="r" b="b"/>
+            <a:pathLst>
+              <a:path w="971654" h="2096979">
+                <a:moveTo>
+                  <a:pt x="0" y="0"/>
+                </a:moveTo>
+                <a:lnTo>
+                  <a:pt x="971654" y="0"/>
+                </a:lnTo>
+                <a:lnTo>
+                  <a:pt x="0" y="2096979"/>
+                </a:lnTo>
+                <a:close/>
+              </a:path>
+            </a:pathLst>
+          </a:custGeom>
+          <a:solidFill>
+            <a:srgbClr val="404040"/>
+          </a:solidFill>
+          <a:ln>
+            <a:noFill/>
+          </a:ln>
+        </p:spPr>
+        <p:style>
+          <a:lnRef idx="2">
+            <a:schemeClr val="accent1">
+              <a:shade val="50000"/>
+            </a:schemeClr>
+          </a:lnRef>
+          <a:fillRef idx="1">
+            <a:schemeClr val="accent1"/>
+          </a:fillRef>
+          <a:effectRef idx="0">
+            <a:schemeClr val="accent1"/>
+          </a:effectRef>
+          <a:fontRef idx="minor">
+            <a:schemeClr val="lt1"/>
+          </a:fontRef>
+        </p:style>
+        <p:txBody>
+          <a:bodyPr wrap="square" rtlCol="0" anchor="ctr">
+            <a:noAutofit/>
+          </a:bodyPr>
+          <a:lstStyle/>
+          <a:p>
+            <a:pPr algn="ctr"/>
+            <a:endParaRPr lang="en-US"/>
+          </a:p>
+        </p:txBody>
+      </p:sp>
+      <p:sp>
+        <p:nvSpPr>
+          <p:cNvPr id="3" name="Content Placeholder 2">
+            <a:extLst>
+              <a:ext uri="{FF2B5EF4-FFF2-40B4-BE49-F238E27FC236}">
+                <a16:creationId xmlns:a16="http://schemas.microsoft.com/office/drawing/2014/main" id="{DBB88942-6618-4B2C-A985-47153DAC76EE}"/>
+              </a:ext>
+            </a:extLst>
+          </p:cNvPr>
+          <p:cNvSpPr>
+            <a:spLocks noGrp="1"/>
+          </p:cNvSpPr>
+          <p:nvPr>
+            <p:ph idx="1"/>
+          </p:nvPr>
+        </p:nvSpPr>
+        <p:spPr>
+          <a:xfrm>
+            <a:off x="1653363" y="1920240"/>
+            <a:ext cx="9367204" cy="4297680"/>
+          </a:xfrm>
+        </p:spPr>
+        <p:txBody>
+          <a:bodyPr anchor="t">
+            <a:normAutofit/>
+          </a:bodyPr>
+          <a:lstStyle/>
+          <a:p>
+            <a:pPr marL="0" indent="0">
+              <a:buNone/>
+            </a:pPr>
+            <a:r>
+              <a:rPr lang="en-US" sz="2400" dirty="0">
+                <a:solidFill>
+                  <a:schemeClr val="tx2"/>
+                </a:solidFill>
+              </a:rPr>
+              <a:t>We can analyze log files in Linux extremely fast with text processing commands.</a:t>
+            </a:r>
+          </a:p>
+          <a:p>
+            <a:pPr marL="0" indent="0">
+              <a:buNone/>
+            </a:pPr>
+            <a:endParaRPr lang="en-US" sz="2400" dirty="0">
+              <a:solidFill>
+                <a:schemeClr val="tx2"/>
+              </a:solidFill>
+            </a:endParaRPr>
+          </a:p>
+          <a:p>
+            <a:pPr marL="0" indent="0">
+              <a:buNone/>
+            </a:pPr>
+            <a:r>
+              <a:rPr lang="en-US" sz="2400" dirty="0">
+                <a:solidFill>
+                  <a:schemeClr val="tx2"/>
+                </a:solidFill>
+              </a:rPr>
+              <a:t>Grep, awk, cut, sort, </a:t>
+            </a:r>
+            <a:r>
+              <a:rPr lang="en-US" sz="2400" dirty="0" err="1">
+                <a:solidFill>
+                  <a:schemeClr val="tx2"/>
+                </a:solidFill>
+              </a:rPr>
+              <a:t>uniq</a:t>
+            </a:r>
+            <a:r>
+              <a:rPr lang="en-US" sz="2400" dirty="0">
+                <a:solidFill>
+                  <a:schemeClr val="tx2"/>
+                </a:solidFill>
+              </a:rPr>
+              <a:t>,</a:t>
+            </a:r>
+          </a:p>
+          <a:p>
+            <a:pPr marL="0" indent="0">
+              <a:buNone/>
+            </a:pPr>
+            <a:endParaRPr lang="en-US" sz="2400" dirty="0">
+              <a:solidFill>
+                <a:schemeClr val="tx2"/>
+              </a:solidFill>
+            </a:endParaRPr>
+          </a:p>
+          <a:p>
+            <a:pPr marL="0" indent="0">
+              <a:buNone/>
+            </a:pPr>
+            <a:r>
+              <a:rPr lang="en-US" sz="2400" dirty="0">
+                <a:solidFill>
+                  <a:schemeClr val="tx2"/>
+                </a:solidFill>
+              </a:rPr>
+              <a:t>We briefly looked at the use of these commands last week. </a:t>
+            </a:r>
+          </a:p>
+        </p:txBody>
+      </p:sp>
+    </p:spTree>
+    <p:extLst>
+      <p:ext uri="{BB962C8B-B14F-4D97-AF65-F5344CB8AC3E}">
+        <p14:creationId xmlns:p14="http://schemas.microsoft.com/office/powerpoint/2010/main" val="2950284146"/>
+      </p:ext>
+    </p:extLst>
+  </p:cSld>
+  <p:clrMapOvr>
+    <a:masterClrMapping/>
+  </p:clrMapOvr>
+</p:sld>
+</file>
+
+<file path=ppt/slides/slide6.xml><?xml version="1.0" encoding="utf-8"?>
+<p:sld xmlns:a="http://schemas.openxmlformats.org/drawingml/2006/main" xmlns:r="http://schemas.openxmlformats.org/officeDocument/2006/relationships" xmlns:p="http://schemas.openxmlformats.org/presentationml/2006/main">
+  <p:cSld>
+    <p:bg>
+      <p:bgPr>
+        <a:solidFill>
+          <a:schemeClr val="bg1"/>
+        </a:solidFill>
+        <a:effectLst/>
+      </p:bgPr>
+    </p:bg>
+    <p:spTree>
+      <p:nvGrpSpPr>
+        <p:cNvPr id="1" name=""/>
+        <p:cNvGrpSpPr/>
+        <p:nvPr/>
+      </p:nvGrpSpPr>
+      <p:grpSpPr>
+        <a:xfrm>
+          <a:off x="0" y="0"/>
+          <a:ext cx="0" cy="0"/>
+          <a:chOff x="0" y="0"/>
+          <a:chExt cx="0" cy="0"/>
+        </a:xfrm>
+      </p:grpSpPr>
+      <p:sp>
+        <p:nvSpPr>
+          <p:cNvPr id="2" name="Title 1">
+            <a:extLst>
+              <a:ext uri="{FF2B5EF4-FFF2-40B4-BE49-F238E27FC236}">
+                <a16:creationId xmlns:a16="http://schemas.microsoft.com/office/drawing/2014/main" id="{0B0E3F05-66EA-43AB-B1A9-F30EAC51059D}"/>
+              </a:ext>
+            </a:extLst>
+          </p:cNvPr>
+          <p:cNvSpPr>
+            <a:spLocks noGrp="1"/>
+          </p:cNvSpPr>
+          <p:nvPr>
+            <p:ph type="title"/>
+          </p:nvPr>
+        </p:nvSpPr>
+        <p:spPr>
+          <a:xfrm>
+            <a:off x="1653363" y="365760"/>
+            <a:ext cx="9367203" cy="1188720"/>
+          </a:xfrm>
+        </p:spPr>
+        <p:txBody>
+          <a:bodyPr>
+            <a:normAutofit/>
+          </a:bodyPr>
+          <a:lstStyle/>
+          <a:p>
+            <a:r>
+              <a:rPr lang="en-US" b="1" dirty="0">
+                <a:solidFill>
+                  <a:schemeClr val="tx2"/>
+                </a:solidFill>
+              </a:rPr>
+              <a:t>Examples of Linux Text Processing</a:t>
+            </a:r>
+            <a:endParaRPr lang="en-US" dirty="0"/>
+          </a:p>
+        </p:txBody>
+      </p:sp>
+      <p:sp>
+        <p:nvSpPr>
+          <p:cNvPr id="8" name="Freeform: Shape 7">
+            <a:extLst>
+              <a:ext uri="{FF2B5EF4-FFF2-40B4-BE49-F238E27FC236}">
+                <a16:creationId xmlns:a16="http://schemas.microsoft.com/office/drawing/2014/main" id="{7CB4857B-ED7C-444D-9F04-2F885114A1C2}"/>
+              </a:ext>
+              <a:ext uri="{C183D7F6-B498-43B3-948B-1728B52AA6E4}">
+                <adec:decorative xmlns:adec="http://schemas.microsoft.com/office/drawing/2017/decorative" val="1"/>
+              </a:ext>
+            </a:extLst>
+          </p:cNvPr>
+          <p:cNvSpPr>
+            <a:spLocks noGrp="1" noRot="1" noChangeAspect="1" noMove="1" noResize="1" noEditPoints="1" noAdjustHandles="1" noChangeArrowheads="1" noChangeShapeType="1" noTextEdit="1"/>
+          </p:cNvSpPr>
+          <p:nvPr>
+            <p:extLst>
+              <p:ext uri="{386F3935-93C4-4BCD-93E2-E3B085C9AB24}">
+                <p16:designElem xmlns:p16="http://schemas.microsoft.com/office/powerpoint/2015/main" val="1"/>
+              </p:ext>
+            </p:extLst>
+          </p:nvPr>
+        </p:nvSpPr>
+        <p:spPr>
+          <a:xfrm>
+            <a:off x="1" y="0"/>
+            <a:ext cx="1764099" cy="1558212"/>
+          </a:xfrm>
+          <a:custGeom>
+            <a:avLst/>
+            <a:gdLst>
+              <a:gd name="connsiteX0" fmla="*/ 0 w 1764099"/>
+              <a:gd name="connsiteY0" fmla="*/ 0 h 1558212"/>
+              <a:gd name="connsiteX1" fmla="*/ 1764099 w 1764099"/>
+              <a:gd name="connsiteY1" fmla="*/ 0 h 1558212"/>
+              <a:gd name="connsiteX2" fmla="*/ 1042087 w 1764099"/>
+              <a:gd name="connsiteY2" fmla="*/ 1558212 h 1558212"/>
+              <a:gd name="connsiteX3" fmla="*/ 0 w 1764099"/>
+              <a:gd name="connsiteY3" fmla="*/ 1558212 h 1558212"/>
+            </a:gdLst>
+            <a:ahLst/>
+            <a:cxnLst>
+              <a:cxn ang="0">
+                <a:pos x="connsiteX0" y="connsiteY0"/>
+              </a:cxn>
+              <a:cxn ang="0">
+                <a:pos x="connsiteX1" y="connsiteY1"/>
+              </a:cxn>
+              <a:cxn ang="0">
+                <a:pos x="connsiteX2" y="connsiteY2"/>
+              </a:cxn>
+              <a:cxn ang="0">
+                <a:pos x="connsiteX3" y="connsiteY3"/>
+              </a:cxn>
+            </a:cxnLst>
+            <a:rect l="l" t="t" r="r" b="b"/>
+            <a:pathLst>
+              <a:path w="1764099" h="1558212">
+                <a:moveTo>
+                  <a:pt x="0" y="0"/>
+                </a:moveTo>
+                <a:lnTo>
+                  <a:pt x="1764099" y="0"/>
+                </a:lnTo>
+                <a:lnTo>
+                  <a:pt x="1042087" y="1558212"/>
+                </a:lnTo>
+                <a:lnTo>
+                  <a:pt x="0" y="1558212"/>
+                </a:lnTo>
+                <a:close/>
+              </a:path>
+            </a:pathLst>
+          </a:custGeom>
+          <a:solidFill>
+            <a:schemeClr val="accent1">
+              <a:lumMod val="100000"/>
+              <a:lumOff val="0"/>
+            </a:schemeClr>
+          </a:solidFill>
+          <a:ln>
+            <a:noFill/>
+          </a:ln>
+        </p:spPr>
+        <p:style>
+          <a:lnRef idx="2">
+            <a:schemeClr val="accent1">
+              <a:shade val="50000"/>
+            </a:schemeClr>
+          </a:lnRef>
+          <a:fillRef idx="1">
+            <a:schemeClr val="accent1"/>
+          </a:fillRef>
+          <a:effectRef idx="0">
+            <a:schemeClr val="accent1"/>
+          </a:effectRef>
+          <a:fontRef idx="minor">
+            <a:schemeClr val="lt1"/>
+          </a:fontRef>
+        </p:style>
+        <p:txBody>
+          <a:bodyPr wrap="square" rtlCol="0" anchor="ctr">
+            <a:noAutofit/>
+          </a:bodyPr>
+          <a:lstStyle/>
+          <a:p>
+            <a:pPr algn="ctr"/>
+            <a:endParaRPr lang="en-US"/>
+          </a:p>
+        </p:txBody>
+      </p:sp>
+      <p:sp>
+        <p:nvSpPr>
+          <p:cNvPr id="12" name="Freeform: Shape 11">
+            <a:extLst>
+              <a:ext uri="{FF2B5EF4-FFF2-40B4-BE49-F238E27FC236}">
+                <a16:creationId xmlns:a16="http://schemas.microsoft.com/office/drawing/2014/main" id="{479F5F2B-8B58-4140-AE6A-51F6C67B18D9}"/>
+              </a:ext>
+              <a:ext uri="{C183D7F6-B498-43B3-948B-1728B52AA6E4}">
+                <adec:decorative xmlns:adec="http://schemas.microsoft.com/office/drawing/2017/decorative" val="1"/>
+              </a:ext>
+            </a:extLst>
+          </p:cNvPr>
+          <p:cNvSpPr>
+            <a:spLocks noGrp="1" noRot="1" noChangeAspect="1" noMove="1" noResize="1" noEditPoints="1" noAdjustHandles="1" noChangeArrowheads="1" noChangeShapeType="1" noTextEdit="1"/>
+          </p:cNvSpPr>
+          <p:nvPr>
+            <p:extLst>
+              <p:ext uri="{386F3935-93C4-4BCD-93E2-E3B085C9AB24}">
+                <p16:designElem xmlns:p16="http://schemas.microsoft.com/office/powerpoint/2015/main" val="1"/>
+              </p:ext>
+            </p:extLst>
+          </p:nvPr>
+        </p:nvSpPr>
+        <p:spPr>
+          <a:xfrm>
+            <a:off x="0" y="1691641"/>
+            <a:ext cx="971654" cy="2096979"/>
+          </a:xfrm>
+          <a:custGeom>
+            <a:avLst/>
+            <a:gdLst>
+              <a:gd name="connsiteX0" fmla="*/ 0 w 971654"/>
+              <a:gd name="connsiteY0" fmla="*/ 0 h 2096979"/>
+              <a:gd name="connsiteX1" fmla="*/ 971654 w 971654"/>
+              <a:gd name="connsiteY1" fmla="*/ 0 h 2096979"/>
+              <a:gd name="connsiteX2" fmla="*/ 0 w 971654"/>
+              <a:gd name="connsiteY2" fmla="*/ 2096979 h 2096979"/>
+            </a:gdLst>
+            <a:ahLst/>
+            <a:cxnLst>
+              <a:cxn ang="0">
+                <a:pos x="connsiteX0" y="connsiteY0"/>
+              </a:cxn>
+              <a:cxn ang="0">
+                <a:pos x="connsiteX1" y="connsiteY1"/>
+              </a:cxn>
+              <a:cxn ang="0">
+                <a:pos x="connsiteX2" y="connsiteY2"/>
+              </a:cxn>
+            </a:cxnLst>
+            <a:rect l="l" t="t" r="r" b="b"/>
+            <a:pathLst>
+              <a:path w="971654" h="2096979">
+                <a:moveTo>
+                  <a:pt x="0" y="0"/>
+                </a:moveTo>
+                <a:lnTo>
+                  <a:pt x="971654" y="0"/>
+                </a:lnTo>
+                <a:lnTo>
+                  <a:pt x="0" y="2096979"/>
+                </a:lnTo>
+                <a:close/>
+              </a:path>
+            </a:pathLst>
+          </a:custGeom>
+          <a:solidFill>
+            <a:srgbClr val="404040"/>
+          </a:solidFill>
+          <a:ln>
+            <a:noFill/>
+          </a:ln>
+        </p:spPr>
+        <p:style>
+          <a:lnRef idx="2">
+            <a:schemeClr val="accent1">
+              <a:shade val="50000"/>
+            </a:schemeClr>
+          </a:lnRef>
+          <a:fillRef idx="1">
+            <a:schemeClr val="accent1"/>
+          </a:fillRef>
+          <a:effectRef idx="0">
+            <a:schemeClr val="accent1"/>
+          </a:effectRef>
+          <a:fontRef idx="minor">
+            <a:schemeClr val="lt1"/>
+          </a:fontRef>
+        </p:style>
+        <p:txBody>
+          <a:bodyPr wrap="square" rtlCol="0" anchor="ctr">
+            <a:noAutofit/>
+          </a:bodyPr>
+          <a:lstStyle/>
+          <a:p>
+            <a:pPr algn="ctr"/>
+            <a:endParaRPr lang="en-US"/>
+          </a:p>
+        </p:txBody>
+      </p:sp>
+      <p:sp>
+        <p:nvSpPr>
+          <p:cNvPr id="3" name="Content Placeholder 2">
+            <a:extLst>
+              <a:ext uri="{FF2B5EF4-FFF2-40B4-BE49-F238E27FC236}">
+                <a16:creationId xmlns:a16="http://schemas.microsoft.com/office/drawing/2014/main" id="{DBB88942-6618-4B2C-A985-47153DAC76EE}"/>
+              </a:ext>
+            </a:extLst>
+          </p:cNvPr>
+          <p:cNvSpPr>
+            <a:spLocks noGrp="1"/>
+          </p:cNvSpPr>
+          <p:nvPr>
+            <p:ph idx="1"/>
+          </p:nvPr>
+        </p:nvSpPr>
+        <p:spPr>
+          <a:xfrm>
+            <a:off x="1653363" y="1920240"/>
+            <a:ext cx="9367204" cy="4297680"/>
+          </a:xfrm>
+        </p:spPr>
+        <p:txBody>
+          <a:bodyPr anchor="t">
+            <a:normAutofit/>
+          </a:bodyPr>
+          <a:lstStyle/>
+          <a:p>
+            <a:pPr marL="0" indent="0">
+              <a:buNone/>
+            </a:pPr>
+            <a:r>
+              <a:rPr lang="en-US" sz="2400" dirty="0">
+                <a:solidFill>
+                  <a:schemeClr val="tx2"/>
+                </a:solidFill>
+              </a:rPr>
+              <a:t>Insert example</a:t>
+            </a:r>
+          </a:p>
+        </p:txBody>
+      </p:sp>
+    </p:spTree>
+    <p:extLst>
+      <p:ext uri="{BB962C8B-B14F-4D97-AF65-F5344CB8AC3E}">
+        <p14:creationId xmlns:p14="http://schemas.microsoft.com/office/powerpoint/2010/main" val="1172030710"/>
+      </p:ext>
+    </p:extLst>
+  </p:cSld>
+  <p:clrMapOvr>
+    <a:masterClrMapping/>
+  </p:clrMapOvr>
+</p:sld>
+</file>
+
+<file path=ppt/slides/slide7.xml><?xml version="1.0" encoding="utf-8"?>
+<p:sld xmlns:a="http://schemas.openxmlformats.org/drawingml/2006/main" xmlns:r="http://schemas.openxmlformats.org/officeDocument/2006/relationships" xmlns:p="http://schemas.openxmlformats.org/presentationml/2006/main">
+  <p:cSld>
+    <p:bg>
+      <p:bgPr>
+        <a:solidFill>
+          <a:schemeClr val="bg1"/>
+        </a:solidFill>
+        <a:effectLst/>
+      </p:bgPr>
+    </p:bg>
+    <p:spTree>
+      <p:nvGrpSpPr>
+        <p:cNvPr id="1" name=""/>
+        <p:cNvGrpSpPr/>
+        <p:nvPr/>
+      </p:nvGrpSpPr>
+      <p:grpSpPr>
+        <a:xfrm>
+          <a:off x="0" y="0"/>
+          <a:ext cx="0" cy="0"/>
+          <a:chOff x="0" y="0"/>
+          <a:chExt cx="0" cy="0"/>
+        </a:xfrm>
+      </p:grpSpPr>
+      <p:sp>
+        <p:nvSpPr>
+          <p:cNvPr id="2" name="Title 1">
+            <a:extLst>
+              <a:ext uri="{FF2B5EF4-FFF2-40B4-BE49-F238E27FC236}">
+                <a16:creationId xmlns:a16="http://schemas.microsoft.com/office/drawing/2014/main" id="{0B0E3F05-66EA-43AB-B1A9-F30EAC51059D}"/>
+              </a:ext>
+            </a:extLst>
+          </p:cNvPr>
+          <p:cNvSpPr>
+            <a:spLocks noGrp="1"/>
+          </p:cNvSpPr>
+          <p:nvPr>
+            <p:ph type="title"/>
+          </p:nvPr>
+        </p:nvSpPr>
+        <p:spPr>
+          <a:xfrm>
+            <a:off x="1653363" y="365760"/>
+            <a:ext cx="9367203" cy="1188720"/>
+          </a:xfrm>
+        </p:spPr>
+        <p:txBody>
+          <a:bodyPr>
+            <a:normAutofit/>
+          </a:bodyPr>
+          <a:lstStyle/>
+          <a:p>
+            <a:r>
+              <a:rPr lang="en-US" b="1" dirty="0">
+                <a:solidFill>
+                  <a:schemeClr val="tx2"/>
+                </a:solidFill>
+              </a:rPr>
+              <a:t>Tools for Analyzing Windows 10 Logs</a:t>
+            </a:r>
+            <a:endParaRPr lang="en-US" dirty="0"/>
+          </a:p>
+        </p:txBody>
+      </p:sp>
+      <p:sp>
+        <p:nvSpPr>
+          <p:cNvPr id="8" name="Freeform: Shape 7">
+            <a:extLst>
+              <a:ext uri="{FF2B5EF4-FFF2-40B4-BE49-F238E27FC236}">
+                <a16:creationId xmlns:a16="http://schemas.microsoft.com/office/drawing/2014/main" id="{7CB4857B-ED7C-444D-9F04-2F885114A1C2}"/>
+              </a:ext>
+              <a:ext uri="{C183D7F6-B498-43B3-948B-1728B52AA6E4}">
+                <adec:decorative xmlns:adec="http://schemas.microsoft.com/office/drawing/2017/decorative" val="1"/>
+              </a:ext>
+            </a:extLst>
+          </p:cNvPr>
+          <p:cNvSpPr>
+            <a:spLocks noGrp="1" noRot="1" noChangeAspect="1" noMove="1" noResize="1" noEditPoints="1" noAdjustHandles="1" noChangeArrowheads="1" noChangeShapeType="1" noTextEdit="1"/>
+          </p:cNvSpPr>
+          <p:nvPr>
+            <p:extLst>
+              <p:ext uri="{386F3935-93C4-4BCD-93E2-E3B085C9AB24}">
+                <p16:designElem xmlns:p16="http://schemas.microsoft.com/office/powerpoint/2015/main" val="1"/>
+              </p:ext>
+            </p:extLst>
+          </p:nvPr>
+        </p:nvSpPr>
+        <p:spPr>
+          <a:xfrm>
+            <a:off x="1" y="0"/>
+            <a:ext cx="1764099" cy="1558212"/>
+          </a:xfrm>
+          <a:custGeom>
+            <a:avLst/>
+            <a:gdLst>
+              <a:gd name="connsiteX0" fmla="*/ 0 w 1764099"/>
+              <a:gd name="connsiteY0" fmla="*/ 0 h 1558212"/>
+              <a:gd name="connsiteX1" fmla="*/ 1764099 w 1764099"/>
+              <a:gd name="connsiteY1" fmla="*/ 0 h 1558212"/>
+              <a:gd name="connsiteX2" fmla="*/ 1042087 w 1764099"/>
+              <a:gd name="connsiteY2" fmla="*/ 1558212 h 1558212"/>
+              <a:gd name="connsiteX3" fmla="*/ 0 w 1764099"/>
+              <a:gd name="connsiteY3" fmla="*/ 1558212 h 1558212"/>
+            </a:gdLst>
+            <a:ahLst/>
+            <a:cxnLst>
+              <a:cxn ang="0">
+                <a:pos x="connsiteX0" y="connsiteY0"/>
+              </a:cxn>
+              <a:cxn ang="0">
+                <a:pos x="connsiteX1" y="connsiteY1"/>
+              </a:cxn>
+              <a:cxn ang="0">
+                <a:pos x="connsiteX2" y="connsiteY2"/>
+              </a:cxn>
+              <a:cxn ang="0">
+                <a:pos x="connsiteX3" y="connsiteY3"/>
+              </a:cxn>
+            </a:cxnLst>
+            <a:rect l="l" t="t" r="r" b="b"/>
+            <a:pathLst>
+              <a:path w="1764099" h="1558212">
+                <a:moveTo>
+                  <a:pt x="0" y="0"/>
+                </a:moveTo>
+                <a:lnTo>
+                  <a:pt x="1764099" y="0"/>
+                </a:lnTo>
+                <a:lnTo>
+                  <a:pt x="1042087" y="1558212"/>
+                </a:lnTo>
+                <a:lnTo>
+                  <a:pt x="0" y="1558212"/>
+                </a:lnTo>
+                <a:close/>
+              </a:path>
+            </a:pathLst>
+          </a:custGeom>
+          <a:solidFill>
+            <a:schemeClr val="accent1">
+              <a:lumMod val="100000"/>
+              <a:lumOff val="0"/>
+            </a:schemeClr>
+          </a:solidFill>
+          <a:ln>
+            <a:noFill/>
+          </a:ln>
+        </p:spPr>
+        <p:style>
+          <a:lnRef idx="2">
+            <a:schemeClr val="accent1">
+              <a:shade val="50000"/>
+            </a:schemeClr>
+          </a:lnRef>
+          <a:fillRef idx="1">
+            <a:schemeClr val="accent1"/>
+          </a:fillRef>
+          <a:effectRef idx="0">
+            <a:schemeClr val="accent1"/>
+          </a:effectRef>
+          <a:fontRef idx="minor">
+            <a:schemeClr val="lt1"/>
+          </a:fontRef>
+        </p:style>
+        <p:txBody>
+          <a:bodyPr wrap="square" rtlCol="0" anchor="ctr">
+            <a:noAutofit/>
+          </a:bodyPr>
+          <a:lstStyle/>
+          <a:p>
+            <a:pPr algn="ctr"/>
+            <a:endParaRPr lang="en-US"/>
+          </a:p>
+        </p:txBody>
+      </p:sp>
+      <p:sp>
+        <p:nvSpPr>
+          <p:cNvPr id="12" name="Freeform: Shape 11">
+            <a:extLst>
+              <a:ext uri="{FF2B5EF4-FFF2-40B4-BE49-F238E27FC236}">
+                <a16:creationId xmlns:a16="http://schemas.microsoft.com/office/drawing/2014/main" id="{479F5F2B-8B58-4140-AE6A-51F6C67B18D9}"/>
+              </a:ext>
+              <a:ext uri="{C183D7F6-B498-43B3-948B-1728B52AA6E4}">
+                <adec:decorative xmlns:adec="http://schemas.microsoft.com/office/drawing/2017/decorative" val="1"/>
+              </a:ext>
+            </a:extLst>
+          </p:cNvPr>
+          <p:cNvSpPr>
+            <a:spLocks noGrp="1" noRot="1" noChangeAspect="1" noMove="1" noResize="1" noEditPoints="1" noAdjustHandles="1" noChangeArrowheads="1" noChangeShapeType="1" noTextEdit="1"/>
+          </p:cNvSpPr>
+          <p:nvPr>
+            <p:extLst>
+              <p:ext uri="{386F3935-93C4-4BCD-93E2-E3B085C9AB24}">
+                <p16:designElem xmlns:p16="http://schemas.microsoft.com/office/powerpoint/2015/main" val="1"/>
+              </p:ext>
+            </p:extLst>
+          </p:nvPr>
+        </p:nvSpPr>
+        <p:spPr>
+          <a:xfrm>
+            <a:off x="0" y="1691641"/>
+            <a:ext cx="971654" cy="2096979"/>
+          </a:xfrm>
+          <a:custGeom>
+            <a:avLst/>
+            <a:gdLst>
+              <a:gd name="connsiteX0" fmla="*/ 0 w 971654"/>
+              <a:gd name="connsiteY0" fmla="*/ 0 h 2096979"/>
+              <a:gd name="connsiteX1" fmla="*/ 971654 w 971654"/>
+              <a:gd name="connsiteY1" fmla="*/ 0 h 2096979"/>
+              <a:gd name="connsiteX2" fmla="*/ 0 w 971654"/>
+              <a:gd name="connsiteY2" fmla="*/ 2096979 h 2096979"/>
+            </a:gdLst>
+            <a:ahLst/>
+            <a:cxnLst>
+              <a:cxn ang="0">
+                <a:pos x="connsiteX0" y="connsiteY0"/>
+              </a:cxn>
+              <a:cxn ang="0">
+                <a:pos x="connsiteX1" y="connsiteY1"/>
+              </a:cxn>
+              <a:cxn ang="0">
+                <a:pos x="connsiteX2" y="connsiteY2"/>
+              </a:cxn>
+            </a:cxnLst>
+            <a:rect l="l" t="t" r="r" b="b"/>
+            <a:pathLst>
+              <a:path w="971654" h="2096979">
+                <a:moveTo>
+                  <a:pt x="0" y="0"/>
+                </a:moveTo>
+                <a:lnTo>
+                  <a:pt x="971654" y="0"/>
+                </a:lnTo>
+                <a:lnTo>
+                  <a:pt x="0" y="2096979"/>
+                </a:lnTo>
+                <a:close/>
+              </a:path>
+            </a:pathLst>
+          </a:custGeom>
+          <a:solidFill>
+            <a:srgbClr val="404040"/>
+          </a:solidFill>
+          <a:ln>
+            <a:noFill/>
+          </a:ln>
+        </p:spPr>
+        <p:style>
+          <a:lnRef idx="2">
+            <a:schemeClr val="accent1">
+              <a:shade val="50000"/>
+            </a:schemeClr>
+          </a:lnRef>
+          <a:fillRef idx="1">
+            <a:schemeClr val="accent1"/>
+          </a:fillRef>
+          <a:effectRef idx="0">
+            <a:schemeClr val="accent1"/>
+          </a:effectRef>
+          <a:fontRef idx="minor">
+            <a:schemeClr val="lt1"/>
+          </a:fontRef>
+        </p:style>
+        <p:txBody>
+          <a:bodyPr wrap="square" rtlCol="0" anchor="ctr">
+            <a:noAutofit/>
+          </a:bodyPr>
+          <a:lstStyle/>
+          <a:p>
+            <a:pPr algn="ctr"/>
+            <a:endParaRPr lang="en-US"/>
+          </a:p>
+        </p:txBody>
+      </p:sp>
+      <p:sp>
+        <p:nvSpPr>
+          <p:cNvPr id="3" name="Content Placeholder 2">
+            <a:extLst>
+              <a:ext uri="{FF2B5EF4-FFF2-40B4-BE49-F238E27FC236}">
+                <a16:creationId xmlns:a16="http://schemas.microsoft.com/office/drawing/2014/main" id="{DBB88942-6618-4B2C-A985-47153DAC76EE}"/>
+              </a:ext>
+            </a:extLst>
+          </p:cNvPr>
+          <p:cNvSpPr>
+            <a:spLocks noGrp="1"/>
+          </p:cNvSpPr>
+          <p:nvPr>
+            <p:ph idx="1"/>
+          </p:nvPr>
+        </p:nvSpPr>
+        <p:spPr>
+          <a:xfrm>
+            <a:off x="1653363" y="1920240"/>
+            <a:ext cx="9367204" cy="4297680"/>
+          </a:xfrm>
+        </p:spPr>
+        <p:txBody>
+          <a:bodyPr anchor="t">
+            <a:normAutofit/>
+          </a:bodyPr>
+          <a:lstStyle/>
+          <a:p>
+            <a:pPr marL="0" indent="0">
+              <a:buNone/>
+            </a:pPr>
+            <a:r>
+              <a:rPr lang="en-US" sz="2400" dirty="0" err="1">
+                <a:solidFill>
+                  <a:schemeClr val="tx2"/>
+                </a:solidFill>
+              </a:rPr>
+              <a:t>Powershell</a:t>
+            </a:r>
+            <a:endParaRPr lang="en-US" sz="2400" dirty="0">
+              <a:solidFill>
+                <a:schemeClr val="tx2"/>
+              </a:solidFill>
+            </a:endParaRPr>
+          </a:p>
+        </p:txBody>
+      </p:sp>
+    </p:spTree>
+    <p:extLst>
+      <p:ext uri="{BB962C8B-B14F-4D97-AF65-F5344CB8AC3E}">
+        <p14:creationId xmlns:p14="http://schemas.microsoft.com/office/powerpoint/2010/main" val="1012792160"/>
+      </p:ext>
+    </p:extLst>
+  </p:cSld>
+  <p:clrMapOvr>
+    <a:masterClrMapping/>
+  </p:clrMapOvr>
+</p:sld>
+</file>
+
+<file path=ppt/slides/slide8.xml><?xml version="1.0" encoding="utf-8"?>
+<p:sld xmlns:a="http://schemas.openxmlformats.org/drawingml/2006/main" xmlns:r="http://schemas.openxmlformats.org/officeDocument/2006/relationships" xmlns:p="http://schemas.openxmlformats.org/presentationml/2006/main">
+  <p:cSld>
+    <p:bg>
+      <p:bgPr>
+        <a:solidFill>
+          <a:schemeClr val="bg1"/>
+        </a:solidFill>
+        <a:effectLst/>
+      </p:bgPr>
+    </p:bg>
+    <p:spTree>
+      <p:nvGrpSpPr>
+        <p:cNvPr id="1" name=""/>
+        <p:cNvGrpSpPr/>
+        <p:nvPr/>
+      </p:nvGrpSpPr>
+      <p:grpSpPr>
+        <a:xfrm>
+          <a:off x="0" y="0"/>
+          <a:ext cx="0" cy="0"/>
+          <a:chOff x="0" y="0"/>
+          <a:chExt cx="0" cy="0"/>
+        </a:xfrm>
+      </p:grpSpPr>
+      <p:sp>
+        <p:nvSpPr>
+          <p:cNvPr id="2" name="Title 1">
+            <a:extLst>
+              <a:ext uri="{FF2B5EF4-FFF2-40B4-BE49-F238E27FC236}">
+                <a16:creationId xmlns:a16="http://schemas.microsoft.com/office/drawing/2014/main" id="{0B0E3F05-66EA-43AB-B1A9-F30EAC51059D}"/>
+              </a:ext>
+            </a:extLst>
+          </p:cNvPr>
+          <p:cNvSpPr>
+            <a:spLocks noGrp="1"/>
+          </p:cNvSpPr>
+          <p:nvPr>
+            <p:ph type="title"/>
+          </p:nvPr>
+        </p:nvSpPr>
+        <p:spPr>
+          <a:xfrm>
+            <a:off x="1653363" y="365760"/>
+            <a:ext cx="9367203" cy="1188720"/>
+          </a:xfrm>
+        </p:spPr>
+        <p:txBody>
+          <a:bodyPr>
+            <a:normAutofit/>
+          </a:bodyPr>
+          <a:lstStyle/>
+          <a:p>
+            <a:r>
+              <a:rPr lang="en-US" b="1" dirty="0">
+                <a:solidFill>
+                  <a:schemeClr val="tx2"/>
+                </a:solidFill>
+              </a:rPr>
+              <a:t>PowerShell Commands for Event Viewer</a:t>
+            </a:r>
+            <a:endParaRPr lang="en-US" dirty="0"/>
+          </a:p>
+        </p:txBody>
+      </p:sp>
+      <p:sp>
+        <p:nvSpPr>
+          <p:cNvPr id="8" name="Freeform: Shape 7">
+            <a:extLst>
+              <a:ext uri="{FF2B5EF4-FFF2-40B4-BE49-F238E27FC236}">
+                <a16:creationId xmlns:a16="http://schemas.microsoft.com/office/drawing/2014/main" id="{7CB4857B-ED7C-444D-9F04-2F885114A1C2}"/>
+              </a:ext>
+              <a:ext uri="{C183D7F6-B498-43B3-948B-1728B52AA6E4}">
+                <adec:decorative xmlns:adec="http://schemas.microsoft.com/office/drawing/2017/decorative" val="1"/>
+              </a:ext>
+            </a:extLst>
+          </p:cNvPr>
+          <p:cNvSpPr>
+            <a:spLocks noGrp="1" noRot="1" noChangeAspect="1" noMove="1" noResize="1" noEditPoints="1" noAdjustHandles="1" noChangeArrowheads="1" noChangeShapeType="1" noTextEdit="1"/>
+          </p:cNvSpPr>
+          <p:nvPr>
+            <p:extLst>
+              <p:ext uri="{386F3935-93C4-4BCD-93E2-E3B085C9AB24}">
+                <p16:designElem xmlns:p16="http://schemas.microsoft.com/office/powerpoint/2015/main" val="1"/>
+              </p:ext>
+            </p:extLst>
+          </p:nvPr>
+        </p:nvSpPr>
+        <p:spPr>
+          <a:xfrm>
+            <a:off x="1" y="0"/>
+            <a:ext cx="1764099" cy="1558212"/>
+          </a:xfrm>
+          <a:custGeom>
+            <a:avLst/>
+            <a:gdLst>
+              <a:gd name="connsiteX0" fmla="*/ 0 w 1764099"/>
+              <a:gd name="connsiteY0" fmla="*/ 0 h 1558212"/>
+              <a:gd name="connsiteX1" fmla="*/ 1764099 w 1764099"/>
+              <a:gd name="connsiteY1" fmla="*/ 0 h 1558212"/>
+              <a:gd name="connsiteX2" fmla="*/ 1042087 w 1764099"/>
+              <a:gd name="connsiteY2" fmla="*/ 1558212 h 1558212"/>
+              <a:gd name="connsiteX3" fmla="*/ 0 w 1764099"/>
+              <a:gd name="connsiteY3" fmla="*/ 1558212 h 1558212"/>
+            </a:gdLst>
+            <a:ahLst/>
+            <a:cxnLst>
+              <a:cxn ang="0">
+                <a:pos x="connsiteX0" y="connsiteY0"/>
+              </a:cxn>
+              <a:cxn ang="0">
+                <a:pos x="connsiteX1" y="connsiteY1"/>
+              </a:cxn>
+              <a:cxn ang="0">
+                <a:pos x="connsiteX2" y="connsiteY2"/>
+              </a:cxn>
+              <a:cxn ang="0">
+                <a:pos x="connsiteX3" y="connsiteY3"/>
+              </a:cxn>
+            </a:cxnLst>
+            <a:rect l="l" t="t" r="r" b="b"/>
+            <a:pathLst>
+              <a:path w="1764099" h="1558212">
+                <a:moveTo>
+                  <a:pt x="0" y="0"/>
+                </a:moveTo>
+                <a:lnTo>
+                  <a:pt x="1764099" y="0"/>
+                </a:lnTo>
+                <a:lnTo>
+                  <a:pt x="1042087" y="1558212"/>
+                </a:lnTo>
+                <a:lnTo>
+                  <a:pt x="0" y="1558212"/>
+                </a:lnTo>
+                <a:close/>
+              </a:path>
+            </a:pathLst>
+          </a:custGeom>
+          <a:solidFill>
+            <a:schemeClr val="accent1">
+              <a:lumMod val="100000"/>
+              <a:lumOff val="0"/>
+            </a:schemeClr>
+          </a:solidFill>
+          <a:ln>
+            <a:noFill/>
+          </a:ln>
+        </p:spPr>
+        <p:style>
+          <a:lnRef idx="2">
+            <a:schemeClr val="accent1">
+              <a:shade val="50000"/>
+            </a:schemeClr>
+          </a:lnRef>
+          <a:fillRef idx="1">
+            <a:schemeClr val="accent1"/>
+          </a:fillRef>
+          <a:effectRef idx="0">
+            <a:schemeClr val="accent1"/>
+          </a:effectRef>
+          <a:fontRef idx="minor">
+            <a:schemeClr val="lt1"/>
+          </a:fontRef>
+        </p:style>
+        <p:txBody>
+          <a:bodyPr wrap="square" rtlCol="0" anchor="ctr">
+            <a:noAutofit/>
+          </a:bodyPr>
+          <a:lstStyle/>
+          <a:p>
+            <a:pPr algn="ctr"/>
+            <a:endParaRPr lang="en-US"/>
+          </a:p>
+        </p:txBody>
+      </p:sp>
+      <p:sp>
+        <p:nvSpPr>
+          <p:cNvPr id="12" name="Freeform: Shape 11">
+            <a:extLst>
+              <a:ext uri="{FF2B5EF4-FFF2-40B4-BE49-F238E27FC236}">
+                <a16:creationId xmlns:a16="http://schemas.microsoft.com/office/drawing/2014/main" id="{479F5F2B-8B58-4140-AE6A-51F6C67B18D9}"/>
+              </a:ext>
+              <a:ext uri="{C183D7F6-B498-43B3-948B-1728B52AA6E4}">
+                <adec:decorative xmlns:adec="http://schemas.microsoft.com/office/drawing/2017/decorative" val="1"/>
+              </a:ext>
+            </a:extLst>
+          </p:cNvPr>
+          <p:cNvSpPr>
+            <a:spLocks noGrp="1" noRot="1" noChangeAspect="1" noMove="1" noResize="1" noEditPoints="1" noAdjustHandles="1" noChangeArrowheads="1" noChangeShapeType="1" noTextEdit="1"/>
+          </p:cNvSpPr>
+          <p:nvPr>
+            <p:extLst>
+              <p:ext uri="{386F3935-93C4-4BCD-93E2-E3B085C9AB24}">
+                <p16:designElem xmlns:p16="http://schemas.microsoft.com/office/powerpoint/2015/main" val="1"/>
+              </p:ext>
+            </p:extLst>
+          </p:nvPr>
+        </p:nvSpPr>
+        <p:spPr>
+          <a:xfrm>
+            <a:off x="0" y="1691641"/>
+            <a:ext cx="971654" cy="2096979"/>
+          </a:xfrm>
+          <a:custGeom>
+            <a:avLst/>
+            <a:gdLst>
+              <a:gd name="connsiteX0" fmla="*/ 0 w 971654"/>
+              <a:gd name="connsiteY0" fmla="*/ 0 h 2096979"/>
+              <a:gd name="connsiteX1" fmla="*/ 971654 w 971654"/>
+              <a:gd name="connsiteY1" fmla="*/ 0 h 2096979"/>
+              <a:gd name="connsiteX2" fmla="*/ 0 w 971654"/>
+              <a:gd name="connsiteY2" fmla="*/ 2096979 h 2096979"/>
+            </a:gdLst>
+            <a:ahLst/>
+            <a:cxnLst>
+              <a:cxn ang="0">
+                <a:pos x="connsiteX0" y="connsiteY0"/>
+              </a:cxn>
+              <a:cxn ang="0">
+                <a:pos x="connsiteX1" y="connsiteY1"/>
+              </a:cxn>
+              <a:cxn ang="0">
+                <a:pos x="connsiteX2" y="connsiteY2"/>
+              </a:cxn>
+            </a:cxnLst>
+            <a:rect l="l" t="t" r="r" b="b"/>
+            <a:pathLst>
+              <a:path w="971654" h="2096979">
+                <a:moveTo>
+                  <a:pt x="0" y="0"/>
+                </a:moveTo>
+                <a:lnTo>
+                  <a:pt x="971654" y="0"/>
+                </a:lnTo>
+                <a:lnTo>
+                  <a:pt x="0" y="2096979"/>
+                </a:lnTo>
+                <a:close/>
+              </a:path>
+            </a:pathLst>
+          </a:custGeom>
+          <a:solidFill>
+            <a:srgbClr val="404040"/>
+          </a:solidFill>
+          <a:ln>
+            <a:noFill/>
+          </a:ln>
+        </p:spPr>
+        <p:style>
+          <a:lnRef idx="2">
+            <a:schemeClr val="accent1">
+              <a:shade val="50000"/>
+            </a:schemeClr>
+          </a:lnRef>
+          <a:fillRef idx="1">
+            <a:schemeClr val="accent1"/>
+          </a:fillRef>
+          <a:effectRef idx="0">
+            <a:schemeClr val="accent1"/>
+          </a:effectRef>
+          <a:fontRef idx="minor">
+            <a:schemeClr val="lt1"/>
+          </a:fontRef>
+        </p:style>
+        <p:txBody>
+          <a:bodyPr wrap="square" rtlCol="0" anchor="ctr">
+            <a:noAutofit/>
+          </a:bodyPr>
+          <a:lstStyle/>
+          <a:p>
+            <a:pPr algn="ctr"/>
+            <a:endParaRPr lang="en-US"/>
+          </a:p>
+        </p:txBody>
+      </p:sp>
+      <p:sp>
+        <p:nvSpPr>
+          <p:cNvPr id="3" name="Content Placeholder 2">
+            <a:extLst>
+              <a:ext uri="{FF2B5EF4-FFF2-40B4-BE49-F238E27FC236}">
+                <a16:creationId xmlns:a16="http://schemas.microsoft.com/office/drawing/2014/main" id="{DBB88942-6618-4B2C-A985-47153DAC76EE}"/>
+              </a:ext>
+            </a:extLst>
+          </p:cNvPr>
+          <p:cNvSpPr>
+            <a:spLocks noGrp="1"/>
+          </p:cNvSpPr>
+          <p:nvPr>
+            <p:ph idx="1"/>
+          </p:nvPr>
+        </p:nvSpPr>
+        <p:spPr>
+          <a:xfrm>
+            <a:off x="1653363" y="1920240"/>
+            <a:ext cx="9367204" cy="4297680"/>
+          </a:xfrm>
+        </p:spPr>
+        <p:txBody>
+          <a:bodyPr anchor="t">
+            <a:normAutofit/>
+          </a:bodyPr>
+          <a:lstStyle/>
+          <a:p>
+            <a:pPr marL="0" indent="0">
+              <a:buNone/>
+            </a:pPr>
+            <a:r>
+              <a:rPr lang="en-US" sz="2400" dirty="0" err="1">
+                <a:solidFill>
+                  <a:schemeClr val="tx2"/>
+                </a:solidFill>
+              </a:rPr>
+              <a:t>Powershell</a:t>
+            </a:r>
+            <a:r>
+              <a:rPr lang="en-US" sz="2400" dirty="0">
+                <a:solidFill>
+                  <a:schemeClr val="tx2"/>
+                </a:solidFill>
+              </a:rPr>
+              <a:t> commands</a:t>
+            </a:r>
+          </a:p>
+        </p:txBody>
+      </p:sp>
+    </p:spTree>
+    <p:extLst>
+      <p:ext uri="{BB962C8B-B14F-4D97-AF65-F5344CB8AC3E}">
+        <p14:creationId xmlns:p14="http://schemas.microsoft.com/office/powerpoint/2010/main" val="2990462868"/>
+      </p:ext>
+    </p:extLst>
+  </p:cSld>
+  <p:clrMapOvr>
+    <a:masterClrMapping/>
+  </p:clrMapOvr>
+</p:sld>
+</file>
+
+<file path=ppt/slides/slide9.xml><?xml version="1.0" encoding="utf-8"?>
+<p:sld xmlns:a="http://schemas.openxmlformats.org/drawingml/2006/main" xmlns:r="http://schemas.openxmlformats.org/officeDocument/2006/relationships" xmlns:p="http://schemas.openxmlformats.org/presentationml/2006/main">
+  <p:cSld>
+    <p:bg>
+      <p:bgPr>
+        <a:solidFill>
+          <a:schemeClr val="bg1"/>
+        </a:solidFill>
+        <a:effectLst/>
+      </p:bgPr>
+    </p:bg>
+    <p:spTree>
+      <p:nvGrpSpPr>
+        <p:cNvPr id="1" name=""/>
+        <p:cNvGrpSpPr/>
+        <p:nvPr/>
+      </p:nvGrpSpPr>
+      <p:grpSpPr>
+        <a:xfrm>
+          <a:off x="0" y="0"/>
+          <a:ext cx="0" cy="0"/>
+          <a:chOff x="0" y="0"/>
+          <a:chExt cx="0" cy="0"/>
+        </a:xfrm>
+      </p:grpSpPr>
+      <p:sp>
+        <p:nvSpPr>
+          <p:cNvPr id="2" name="Title 1">
+            <a:extLst>
+              <a:ext uri="{FF2B5EF4-FFF2-40B4-BE49-F238E27FC236}">
+                <a16:creationId xmlns:a16="http://schemas.microsoft.com/office/drawing/2014/main" id="{0B0E3F05-66EA-43AB-B1A9-F30EAC51059D}"/>
+              </a:ext>
+            </a:extLst>
+          </p:cNvPr>
+          <p:cNvSpPr>
+            <a:spLocks noGrp="1"/>
+          </p:cNvSpPr>
+          <p:nvPr>
+            <p:ph type="title"/>
+          </p:nvPr>
+        </p:nvSpPr>
+        <p:spPr>
+          <a:xfrm>
+            <a:off x="1653363" y="365760"/>
+            <a:ext cx="9367203" cy="1188720"/>
+          </a:xfrm>
+        </p:spPr>
+        <p:txBody>
+          <a:bodyPr>
+            <a:normAutofit/>
+          </a:bodyPr>
+          <a:lstStyle/>
+          <a:p>
+            <a:r>
+              <a:rPr lang="en-US" b="1" dirty="0">
+                <a:solidFill>
+                  <a:schemeClr val="tx2"/>
+                </a:solidFill>
+              </a:rPr>
+              <a:t>Examples of PowerShell</a:t>
+            </a:r>
+            <a:endParaRPr lang="en-US" dirty="0"/>
+          </a:p>
+        </p:txBody>
+      </p:sp>
+      <p:sp>
+        <p:nvSpPr>
+          <p:cNvPr id="8" name="Freeform: Shape 7">
+            <a:extLst>
+              <a:ext uri="{FF2B5EF4-FFF2-40B4-BE49-F238E27FC236}">
+                <a16:creationId xmlns:a16="http://schemas.microsoft.com/office/drawing/2014/main" id="{7CB4857B-ED7C-444D-9F04-2F885114A1C2}"/>
+              </a:ext>
+              <a:ext uri="{C183D7F6-B498-43B3-948B-1728B52AA6E4}">
+                <adec:decorative xmlns:adec="http://schemas.microsoft.com/office/drawing/2017/decorative" val="1"/>
+              </a:ext>
+            </a:extLst>
+          </p:cNvPr>
+          <p:cNvSpPr>
+            <a:spLocks noGrp="1" noRot="1" noChangeAspect="1" noMove="1" noResize="1" noEditPoints="1" noAdjustHandles="1" noChangeArrowheads="1" noChangeShapeType="1" noTextEdit="1"/>
+          </p:cNvSpPr>
+          <p:nvPr>
+            <p:extLst>
+              <p:ext uri="{386F3935-93C4-4BCD-93E2-E3B085C9AB24}">
+                <p16:designElem xmlns:p16="http://schemas.microsoft.com/office/powerpoint/2015/main" val="1"/>
+              </p:ext>
+            </p:extLst>
+          </p:nvPr>
+        </p:nvSpPr>
+        <p:spPr>
+          <a:xfrm>
+            <a:off x="1" y="0"/>
+            <a:ext cx="1764099" cy="1558212"/>
+          </a:xfrm>
+          <a:custGeom>
+            <a:avLst/>
+            <a:gdLst>
+              <a:gd name="connsiteX0" fmla="*/ 0 w 1764099"/>
+              <a:gd name="connsiteY0" fmla="*/ 0 h 1558212"/>
+              <a:gd name="connsiteX1" fmla="*/ 1764099 w 1764099"/>
+              <a:gd name="connsiteY1" fmla="*/ 0 h 1558212"/>
+              <a:gd name="connsiteX2" fmla="*/ 1042087 w 1764099"/>
+              <a:gd name="connsiteY2" fmla="*/ 1558212 h 1558212"/>
+              <a:gd name="connsiteX3" fmla="*/ 0 w 1764099"/>
+              <a:gd name="connsiteY3" fmla="*/ 1558212 h 1558212"/>
+            </a:gdLst>
+            <a:ahLst/>
+            <a:cxnLst>
+              <a:cxn ang="0">
+                <a:pos x="connsiteX0" y="connsiteY0"/>
+              </a:cxn>
+              <a:cxn ang="0">
+                <a:pos x="connsiteX1" y="connsiteY1"/>
+              </a:cxn>
+              <a:cxn ang="0">
+                <a:pos x="connsiteX2" y="connsiteY2"/>
+              </a:cxn>
+              <a:cxn ang="0">
+                <a:pos x="connsiteX3" y="connsiteY3"/>
+              </a:cxn>
+            </a:cxnLst>
+            <a:rect l="l" t="t" r="r" b="b"/>
+            <a:pathLst>
+              <a:path w="1764099" h="1558212">
+                <a:moveTo>
+                  <a:pt x="0" y="0"/>
+                </a:moveTo>
+                <a:lnTo>
+                  <a:pt x="1764099" y="0"/>
+                </a:lnTo>
+                <a:lnTo>
+                  <a:pt x="1042087" y="1558212"/>
+                </a:lnTo>
+                <a:lnTo>
+                  <a:pt x="0" y="1558212"/>
+                </a:lnTo>
+                <a:close/>
+              </a:path>
+            </a:pathLst>
+          </a:custGeom>
+          <a:solidFill>
+            <a:schemeClr val="accent1">
+              <a:lumMod val="100000"/>
+              <a:lumOff val="0"/>
+            </a:schemeClr>
+          </a:solidFill>
+          <a:ln>
+            <a:noFill/>
+          </a:ln>
+        </p:spPr>
+        <p:style>
+          <a:lnRef idx="2">
+            <a:schemeClr val="accent1">
+              <a:shade val="50000"/>
+            </a:schemeClr>
+          </a:lnRef>
+          <a:fillRef idx="1">
+            <a:schemeClr val="accent1"/>
+          </a:fillRef>
+          <a:effectRef idx="0">
+            <a:schemeClr val="accent1"/>
+          </a:effectRef>
+          <a:fontRef idx="minor">
+            <a:schemeClr val="lt1"/>
+          </a:fontRef>
+        </p:style>
+        <p:txBody>
+          <a:bodyPr wrap="square" rtlCol="0" anchor="ctr">
+            <a:noAutofit/>
+          </a:bodyPr>
+          <a:lstStyle/>
+          <a:p>
+            <a:pPr algn="ctr"/>
+            <a:endParaRPr lang="en-US"/>
+          </a:p>
+        </p:txBody>
+      </p:sp>
+      <p:sp>
+        <p:nvSpPr>
+          <p:cNvPr id="12" name="Freeform: Shape 11">
+            <a:extLst>
+              <a:ext uri="{FF2B5EF4-FFF2-40B4-BE49-F238E27FC236}">
+                <a16:creationId xmlns:a16="http://schemas.microsoft.com/office/drawing/2014/main" id="{479F5F2B-8B58-4140-AE6A-51F6C67B18D9}"/>
+              </a:ext>
+              <a:ext uri="{C183D7F6-B498-43B3-948B-1728B52AA6E4}">
+                <adec:decorative xmlns:adec="http://schemas.microsoft.com/office/drawing/2017/decorative" val="1"/>
+              </a:ext>
+            </a:extLst>
+          </p:cNvPr>
+          <p:cNvSpPr>
+            <a:spLocks noGrp="1" noRot="1" noChangeAspect="1" noMove="1" noResize="1" noEditPoints="1" noAdjustHandles="1" noChangeArrowheads="1" noChangeShapeType="1" noTextEdit="1"/>
+          </p:cNvSpPr>
+          <p:nvPr>
+            <p:extLst>
+              <p:ext uri="{386F3935-93C4-4BCD-93E2-E3B085C9AB24}">
+                <p16:designElem xmlns:p16="http://schemas.microsoft.com/office/powerpoint/2015/main" val="1"/>
+              </p:ext>
+            </p:extLst>
+          </p:nvPr>
+        </p:nvSpPr>
+        <p:spPr>
+          <a:xfrm>
+            <a:off x="0" y="1691641"/>
+            <a:ext cx="971654" cy="2096979"/>
+          </a:xfrm>
+          <a:custGeom>
+            <a:avLst/>
+            <a:gdLst>
+              <a:gd name="connsiteX0" fmla="*/ 0 w 971654"/>
+              <a:gd name="connsiteY0" fmla="*/ 0 h 2096979"/>
+              <a:gd name="connsiteX1" fmla="*/ 971654 w 971654"/>
+              <a:gd name="connsiteY1" fmla="*/ 0 h 2096979"/>
+              <a:gd name="connsiteX2" fmla="*/ 0 w 971654"/>
+              <a:gd name="connsiteY2" fmla="*/ 2096979 h 2096979"/>
+            </a:gdLst>
+            <a:ahLst/>
+            <a:cxnLst>
+              <a:cxn ang="0">
+                <a:pos x="connsiteX0" y="connsiteY0"/>
+              </a:cxn>
+              <a:cxn ang="0">
+                <a:pos x="connsiteX1" y="connsiteY1"/>
+              </a:cxn>
+              <a:cxn ang="0">
+                <a:pos x="connsiteX2" y="connsiteY2"/>
+              </a:cxn>
+            </a:cxnLst>
+            <a:rect l="l" t="t" r="r" b="b"/>
+            <a:pathLst>
+              <a:path w="971654" h="2096979">
+                <a:moveTo>
+                  <a:pt x="0" y="0"/>
+                </a:moveTo>
+                <a:lnTo>
+                  <a:pt x="971654" y="0"/>
+                </a:lnTo>
+                <a:lnTo>
+                  <a:pt x="0" y="2096979"/>
+                </a:lnTo>
+                <a:close/>
+              </a:path>
+            </a:pathLst>
+          </a:custGeom>
+          <a:solidFill>
+            <a:srgbClr val="404040"/>
+          </a:solidFill>
+          <a:ln>
+            <a:noFill/>
+          </a:ln>
+        </p:spPr>
+        <p:style>
+          <a:lnRef idx="2">
+            <a:schemeClr val="accent1">
+              <a:shade val="50000"/>
+            </a:schemeClr>
+          </a:lnRef>
+          <a:fillRef idx="1">
+            <a:schemeClr val="accent1"/>
+          </a:fillRef>
+          <a:effectRef idx="0">
+            <a:schemeClr val="accent1"/>
+          </a:effectRef>
+          <a:fontRef idx="minor">
+            <a:schemeClr val="lt1"/>
+          </a:fontRef>
+        </p:style>
+        <p:txBody>
+          <a:bodyPr wrap="square" rtlCol="0" anchor="ctr">
+            <a:noAutofit/>
+          </a:bodyPr>
+          <a:lstStyle/>
+          <a:p>
+            <a:pPr algn="ctr"/>
+            <a:endParaRPr lang="en-US"/>
+          </a:p>
+        </p:txBody>
+      </p:sp>
+      <p:sp>
+        <p:nvSpPr>
+          <p:cNvPr id="3" name="Content Placeholder 2">
+            <a:extLst>
+              <a:ext uri="{FF2B5EF4-FFF2-40B4-BE49-F238E27FC236}">
+                <a16:creationId xmlns:a16="http://schemas.microsoft.com/office/drawing/2014/main" id="{DBB88942-6618-4B2C-A985-47153DAC76EE}"/>
+              </a:ext>
+            </a:extLst>
+          </p:cNvPr>
+          <p:cNvSpPr>
+            <a:spLocks noGrp="1"/>
+          </p:cNvSpPr>
+          <p:nvPr>
+            <p:ph idx="1"/>
+          </p:nvPr>
+        </p:nvSpPr>
+        <p:spPr>
+          <a:xfrm>
+            <a:off x="1653363" y="1920240"/>
+            <a:ext cx="9367204" cy="4297680"/>
+          </a:xfrm>
+        </p:spPr>
+        <p:txBody>
+          <a:bodyPr anchor="t">
+            <a:normAutofit/>
+          </a:bodyPr>
+          <a:lstStyle/>
+          <a:p>
+            <a:pPr marL="0" indent="0">
+              <a:buNone/>
+            </a:pPr>
+            <a:r>
+              <a:rPr lang="en-US" sz="2400" dirty="0">
+                <a:solidFill>
+                  <a:schemeClr val="tx2"/>
+                </a:solidFill>
+              </a:rPr>
+              <a:t>Insert example</a:t>
+            </a:r>
+          </a:p>
+        </p:txBody>
+      </p:sp>
+    </p:spTree>
+    <p:extLst>
+      <p:ext uri="{BB962C8B-B14F-4D97-AF65-F5344CB8AC3E}">
+        <p14:creationId xmlns:p14="http://schemas.microsoft.com/office/powerpoint/2010/main" val="2810890046"/>
+      </p:ext>
+    </p:extLst>
+  </p:cSld>
+  <p:clrMapOvr>
+    <a:masterClrMapping/>
+  </p:clrMapOvr>
 </p:sld>
 </file>
 
